--- a/Documents/8 그래프 II - 다익스트라.pptx
+++ b/Documents/8 그래프 II - 다익스트라.pptx
@@ -4,12 +4,17 @@
   <p:sldMasterIdLst>
     <p:sldMasterId id="2147483648" r:id="rId1"/>
   </p:sldMasterIdLst>
+  <p:notesMasterIdLst>
+    <p:notesMasterId r:id="rId9"/>
+  </p:notesMasterIdLst>
   <p:sldIdLst>
     <p:sldId id="256" r:id="rId2"/>
     <p:sldId id="257" r:id="rId3"/>
     <p:sldId id="258" r:id="rId4"/>
-    <p:sldId id="259" r:id="rId5"/>
-    <p:sldId id="260" r:id="rId6"/>
+    <p:sldId id="262" r:id="rId5"/>
+    <p:sldId id="259" r:id="rId6"/>
+    <p:sldId id="263" r:id="rId7"/>
+    <p:sldId id="260" r:id="rId8"/>
   </p:sldIdLst>
   <p:sldSz cx="12192000" cy="6858000"/>
   <p:notesSz cx="6858000" cy="9144000"/>
@@ -116,6 +121,439 @@
 </p:presentation>
 </file>
 
+<file path=ppt/notesMasters/notesMaster1.xml><?xml version="1.0" encoding="utf-8"?>
+<p:notesMaster xmlns:a="http://schemas.openxmlformats.org/drawingml/2006/main" xmlns:r="http://schemas.openxmlformats.org/officeDocument/2006/relationships" xmlns:p="http://schemas.openxmlformats.org/presentationml/2006/main">
+  <p:cSld>
+    <p:bg>
+      <p:bgRef idx="1001">
+        <a:schemeClr val="bg1"/>
+      </p:bgRef>
+    </p:bg>
+    <p:spTree>
+      <p:nvGrpSpPr>
+        <p:cNvPr id="1" name=""/>
+        <p:cNvGrpSpPr/>
+        <p:nvPr/>
+      </p:nvGrpSpPr>
+      <p:grpSpPr>
+        <a:xfrm>
+          <a:off x="0" y="0"/>
+          <a:ext cx="0" cy="0"/>
+          <a:chOff x="0" y="0"/>
+          <a:chExt cx="0" cy="0"/>
+        </a:xfrm>
+      </p:grpSpPr>
+      <p:sp>
+        <p:nvSpPr>
+          <p:cNvPr id="2" name="머리글 개체 틀 1"/>
+          <p:cNvSpPr>
+            <a:spLocks noGrp="1"/>
+          </p:cNvSpPr>
+          <p:nvPr>
+            <p:ph type="hdr" sz="quarter"/>
+          </p:nvPr>
+        </p:nvSpPr>
+        <p:spPr>
+          <a:xfrm>
+            <a:off x="0" y="0"/>
+            <a:ext cx="2971800" cy="458788"/>
+          </a:xfrm>
+          <a:prstGeom prst="rect">
+            <a:avLst/>
+          </a:prstGeom>
+        </p:spPr>
+        <p:txBody>
+          <a:bodyPr vert="horz" lIns="91440" tIns="45720" rIns="91440" bIns="45720" rtlCol="0"/>
+          <a:lstStyle>
+            <a:lvl1pPr algn="l">
+              <a:defRPr sz="1200"/>
+            </a:lvl1pPr>
+          </a:lstStyle>
+          <a:p>
+            <a:endParaRPr lang="ko-KR" altLang="en-US"/>
+          </a:p>
+        </p:txBody>
+      </p:sp>
+      <p:sp>
+        <p:nvSpPr>
+          <p:cNvPr id="3" name="날짜 개체 틀 2"/>
+          <p:cNvSpPr>
+            <a:spLocks noGrp="1"/>
+          </p:cNvSpPr>
+          <p:nvPr>
+            <p:ph type="dt" idx="1"/>
+          </p:nvPr>
+        </p:nvSpPr>
+        <p:spPr>
+          <a:xfrm>
+            <a:off x="3884613" y="0"/>
+            <a:ext cx="2971800" cy="458788"/>
+          </a:xfrm>
+          <a:prstGeom prst="rect">
+            <a:avLst/>
+          </a:prstGeom>
+        </p:spPr>
+        <p:txBody>
+          <a:bodyPr vert="horz" lIns="91440" tIns="45720" rIns="91440" bIns="45720" rtlCol="0"/>
+          <a:lstStyle>
+            <a:lvl1pPr algn="r">
+              <a:defRPr sz="1200"/>
+            </a:lvl1pPr>
+          </a:lstStyle>
+          <a:p>
+            <a:fld id="{19079EEA-800C-4529-928A-535A0E676C6E}" type="datetimeFigureOut">
+              <a:rPr lang="ko-KR" altLang="en-US" smtClean="0"/>
+              <a:t>2025-10-16</a:t>
+            </a:fld>
+            <a:endParaRPr lang="ko-KR" altLang="en-US"/>
+          </a:p>
+        </p:txBody>
+      </p:sp>
+      <p:sp>
+        <p:nvSpPr>
+          <p:cNvPr id="4" name="슬라이드 이미지 개체 틀 3"/>
+          <p:cNvSpPr>
+            <a:spLocks noGrp="1" noRot="1" noChangeAspect="1"/>
+          </p:cNvSpPr>
+          <p:nvPr>
+            <p:ph type="sldImg" idx="2"/>
+          </p:nvPr>
+        </p:nvSpPr>
+        <p:spPr>
+          <a:xfrm>
+            <a:off x="685800" y="1143000"/>
+            <a:ext cx="5486400" cy="3086100"/>
+          </a:xfrm>
+          <a:prstGeom prst="rect">
+            <a:avLst/>
+          </a:prstGeom>
+          <a:noFill/>
+          <a:ln w="12700">
+            <a:solidFill>
+              <a:prstClr val="black"/>
+            </a:solidFill>
+          </a:ln>
+        </p:spPr>
+        <p:txBody>
+          <a:bodyPr vert="horz" lIns="91440" tIns="45720" rIns="91440" bIns="45720" rtlCol="0" anchor="ctr"/>
+          <a:lstStyle/>
+          <a:p>
+            <a:endParaRPr lang="ko-KR" altLang="en-US"/>
+          </a:p>
+        </p:txBody>
+      </p:sp>
+      <p:sp>
+        <p:nvSpPr>
+          <p:cNvPr id="5" name="슬라이드 노트 개체 틀 4"/>
+          <p:cNvSpPr>
+            <a:spLocks noGrp="1"/>
+          </p:cNvSpPr>
+          <p:nvPr>
+            <p:ph type="body" sz="quarter" idx="3"/>
+          </p:nvPr>
+        </p:nvSpPr>
+        <p:spPr>
+          <a:xfrm>
+            <a:off x="685800" y="4400550"/>
+            <a:ext cx="5486400" cy="3600450"/>
+          </a:xfrm>
+          <a:prstGeom prst="rect">
+            <a:avLst/>
+          </a:prstGeom>
+        </p:spPr>
+        <p:txBody>
+          <a:bodyPr vert="horz" lIns="91440" tIns="45720" rIns="91440" bIns="45720" rtlCol="0"/>
+          <a:lstStyle/>
+          <a:p>
+            <a:pPr lvl="0"/>
+            <a:r>
+              <a:rPr lang="ko-KR" altLang="en-US"/>
+              <a:t>마스터 텍스트 스타일을 편집하려면 클릭</a:t>
+            </a:r>
+          </a:p>
+          <a:p>
+            <a:pPr lvl="1"/>
+            <a:r>
+              <a:rPr lang="ko-KR" altLang="en-US"/>
+              <a:t>두 번째 수준</a:t>
+            </a:r>
+          </a:p>
+          <a:p>
+            <a:pPr lvl="2"/>
+            <a:r>
+              <a:rPr lang="ko-KR" altLang="en-US"/>
+              <a:t>세 번째 수준</a:t>
+            </a:r>
+          </a:p>
+          <a:p>
+            <a:pPr lvl="3"/>
+            <a:r>
+              <a:rPr lang="ko-KR" altLang="en-US"/>
+              <a:t>네 번째 수준</a:t>
+            </a:r>
+          </a:p>
+          <a:p>
+            <a:pPr lvl="4"/>
+            <a:r>
+              <a:rPr lang="ko-KR" altLang="en-US"/>
+              <a:t>다섯 번째 수준</a:t>
+            </a:r>
+          </a:p>
+        </p:txBody>
+      </p:sp>
+      <p:sp>
+        <p:nvSpPr>
+          <p:cNvPr id="6" name="바닥글 개체 틀 5"/>
+          <p:cNvSpPr>
+            <a:spLocks noGrp="1"/>
+          </p:cNvSpPr>
+          <p:nvPr>
+            <p:ph type="ftr" sz="quarter" idx="4"/>
+          </p:nvPr>
+        </p:nvSpPr>
+        <p:spPr>
+          <a:xfrm>
+            <a:off x="0" y="8685213"/>
+            <a:ext cx="2971800" cy="458787"/>
+          </a:xfrm>
+          <a:prstGeom prst="rect">
+            <a:avLst/>
+          </a:prstGeom>
+        </p:spPr>
+        <p:txBody>
+          <a:bodyPr vert="horz" lIns="91440" tIns="45720" rIns="91440" bIns="45720" rtlCol="0" anchor="b"/>
+          <a:lstStyle>
+            <a:lvl1pPr algn="l">
+              <a:defRPr sz="1200"/>
+            </a:lvl1pPr>
+          </a:lstStyle>
+          <a:p>
+            <a:endParaRPr lang="ko-KR" altLang="en-US"/>
+          </a:p>
+        </p:txBody>
+      </p:sp>
+      <p:sp>
+        <p:nvSpPr>
+          <p:cNvPr id="7" name="슬라이드 번호 개체 틀 6"/>
+          <p:cNvSpPr>
+            <a:spLocks noGrp="1"/>
+          </p:cNvSpPr>
+          <p:nvPr>
+            <p:ph type="sldNum" sz="quarter" idx="5"/>
+          </p:nvPr>
+        </p:nvSpPr>
+        <p:spPr>
+          <a:xfrm>
+            <a:off x="3884613" y="8685213"/>
+            <a:ext cx="2971800" cy="458787"/>
+          </a:xfrm>
+          <a:prstGeom prst="rect">
+            <a:avLst/>
+          </a:prstGeom>
+        </p:spPr>
+        <p:txBody>
+          <a:bodyPr vert="horz" lIns="91440" tIns="45720" rIns="91440" bIns="45720" rtlCol="0" anchor="b"/>
+          <a:lstStyle>
+            <a:lvl1pPr algn="r">
+              <a:defRPr sz="1200"/>
+            </a:lvl1pPr>
+          </a:lstStyle>
+          <a:p>
+            <a:fld id="{6D923E43-2DD8-4735-B273-C9527EB6CA04}" type="slidenum">
+              <a:rPr lang="ko-KR" altLang="en-US" smtClean="0"/>
+              <a:t>‹#›</a:t>
+            </a:fld>
+            <a:endParaRPr lang="ko-KR" altLang="en-US"/>
+          </a:p>
+        </p:txBody>
+      </p:sp>
+    </p:spTree>
+    <p:extLst>
+      <p:ext uri="{BB962C8B-B14F-4D97-AF65-F5344CB8AC3E}">
+        <p14:creationId xmlns:p14="http://schemas.microsoft.com/office/powerpoint/2010/main" val="1784591507"/>
+      </p:ext>
+    </p:extLst>
+  </p:cSld>
+  <p:clrMap bg1="lt1" tx1="dk1" bg2="lt2" tx2="dk2" accent1="accent1" accent2="accent2" accent3="accent3" accent4="accent4" accent5="accent5" accent6="accent6" hlink="hlink" folHlink="folHlink"/>
+  <p:notesStyle>
+    <a:lvl1pPr marL="0" algn="l" defTabSz="914400" rtl="0" eaLnBrk="1" latinLnBrk="1" hangingPunct="1">
+      <a:defRPr sz="1200" kern="1200">
+        <a:solidFill>
+          <a:schemeClr val="tx1"/>
+        </a:solidFill>
+        <a:latin typeface="+mn-lt"/>
+        <a:ea typeface="+mn-ea"/>
+        <a:cs typeface="+mn-cs"/>
+      </a:defRPr>
+    </a:lvl1pPr>
+    <a:lvl2pPr marL="457200" algn="l" defTabSz="914400" rtl="0" eaLnBrk="1" latinLnBrk="1" hangingPunct="1">
+      <a:defRPr sz="1200" kern="1200">
+        <a:solidFill>
+          <a:schemeClr val="tx1"/>
+        </a:solidFill>
+        <a:latin typeface="+mn-lt"/>
+        <a:ea typeface="+mn-ea"/>
+        <a:cs typeface="+mn-cs"/>
+      </a:defRPr>
+    </a:lvl2pPr>
+    <a:lvl3pPr marL="914400" algn="l" defTabSz="914400" rtl="0" eaLnBrk="1" latinLnBrk="1" hangingPunct="1">
+      <a:defRPr sz="1200" kern="1200">
+        <a:solidFill>
+          <a:schemeClr val="tx1"/>
+        </a:solidFill>
+        <a:latin typeface="+mn-lt"/>
+        <a:ea typeface="+mn-ea"/>
+        <a:cs typeface="+mn-cs"/>
+      </a:defRPr>
+    </a:lvl3pPr>
+    <a:lvl4pPr marL="1371600" algn="l" defTabSz="914400" rtl="0" eaLnBrk="1" latinLnBrk="1" hangingPunct="1">
+      <a:defRPr sz="1200" kern="1200">
+        <a:solidFill>
+          <a:schemeClr val="tx1"/>
+        </a:solidFill>
+        <a:latin typeface="+mn-lt"/>
+        <a:ea typeface="+mn-ea"/>
+        <a:cs typeface="+mn-cs"/>
+      </a:defRPr>
+    </a:lvl4pPr>
+    <a:lvl5pPr marL="1828800" algn="l" defTabSz="914400" rtl="0" eaLnBrk="1" latinLnBrk="1" hangingPunct="1">
+      <a:defRPr sz="1200" kern="1200">
+        <a:solidFill>
+          <a:schemeClr val="tx1"/>
+        </a:solidFill>
+        <a:latin typeface="+mn-lt"/>
+        <a:ea typeface="+mn-ea"/>
+        <a:cs typeface="+mn-cs"/>
+      </a:defRPr>
+    </a:lvl5pPr>
+    <a:lvl6pPr marL="2286000" algn="l" defTabSz="914400" rtl="0" eaLnBrk="1" latinLnBrk="1" hangingPunct="1">
+      <a:defRPr sz="1200" kern="1200">
+        <a:solidFill>
+          <a:schemeClr val="tx1"/>
+        </a:solidFill>
+        <a:latin typeface="+mn-lt"/>
+        <a:ea typeface="+mn-ea"/>
+        <a:cs typeface="+mn-cs"/>
+      </a:defRPr>
+    </a:lvl6pPr>
+    <a:lvl7pPr marL="2743200" algn="l" defTabSz="914400" rtl="0" eaLnBrk="1" latinLnBrk="1" hangingPunct="1">
+      <a:defRPr sz="1200" kern="1200">
+        <a:solidFill>
+          <a:schemeClr val="tx1"/>
+        </a:solidFill>
+        <a:latin typeface="+mn-lt"/>
+        <a:ea typeface="+mn-ea"/>
+        <a:cs typeface="+mn-cs"/>
+      </a:defRPr>
+    </a:lvl7pPr>
+    <a:lvl8pPr marL="3200400" algn="l" defTabSz="914400" rtl="0" eaLnBrk="1" latinLnBrk="1" hangingPunct="1">
+      <a:defRPr sz="1200" kern="1200">
+        <a:solidFill>
+          <a:schemeClr val="tx1"/>
+        </a:solidFill>
+        <a:latin typeface="+mn-lt"/>
+        <a:ea typeface="+mn-ea"/>
+        <a:cs typeface="+mn-cs"/>
+      </a:defRPr>
+    </a:lvl8pPr>
+    <a:lvl9pPr marL="3657600" algn="l" defTabSz="914400" rtl="0" eaLnBrk="1" latinLnBrk="1" hangingPunct="1">
+      <a:defRPr sz="1200" kern="1200">
+        <a:solidFill>
+          <a:schemeClr val="tx1"/>
+        </a:solidFill>
+        <a:latin typeface="+mn-lt"/>
+        <a:ea typeface="+mn-ea"/>
+        <a:cs typeface="+mn-cs"/>
+      </a:defRPr>
+    </a:lvl9pPr>
+  </p:notesStyle>
+</p:notesMaster>
+</file>
+
+<file path=ppt/notesSlides/notesSlide1.xml><?xml version="1.0" encoding="utf-8"?>
+<p:notes xmlns:a="http://schemas.openxmlformats.org/drawingml/2006/main" xmlns:r="http://schemas.openxmlformats.org/officeDocument/2006/relationships" xmlns:p="http://schemas.openxmlformats.org/presentationml/2006/main">
+  <p:cSld>
+    <p:spTree>
+      <p:nvGrpSpPr>
+        <p:cNvPr id="1" name=""/>
+        <p:cNvGrpSpPr/>
+        <p:nvPr/>
+      </p:nvGrpSpPr>
+      <p:grpSpPr>
+        <a:xfrm>
+          <a:off x="0" y="0"/>
+          <a:ext cx="0" cy="0"/>
+          <a:chOff x="0" y="0"/>
+          <a:chExt cx="0" cy="0"/>
+        </a:xfrm>
+      </p:grpSpPr>
+      <p:sp>
+        <p:nvSpPr>
+          <p:cNvPr id="2" name="슬라이드 이미지 개체 틀 1"/>
+          <p:cNvSpPr>
+            <a:spLocks noGrp="1" noRot="1" noChangeAspect="1"/>
+          </p:cNvSpPr>
+          <p:nvPr>
+            <p:ph type="sldImg"/>
+          </p:nvPr>
+        </p:nvSpPr>
+        <p:spPr/>
+      </p:sp>
+      <p:sp>
+        <p:nvSpPr>
+          <p:cNvPr id="3" name="슬라이드 노트 개체 틀 2"/>
+          <p:cNvSpPr>
+            <a:spLocks noGrp="1"/>
+          </p:cNvSpPr>
+          <p:nvPr>
+            <p:ph type="body" idx="1"/>
+          </p:nvPr>
+        </p:nvSpPr>
+        <p:spPr/>
+        <p:txBody>
+          <a:bodyPr/>
+          <a:lstStyle/>
+          <a:p>
+            <a:endParaRPr lang="ko-KR" altLang="en-US" dirty="0"/>
+          </a:p>
+        </p:txBody>
+      </p:sp>
+      <p:sp>
+        <p:nvSpPr>
+          <p:cNvPr id="4" name="슬라이드 번호 개체 틀 3"/>
+          <p:cNvSpPr>
+            <a:spLocks noGrp="1"/>
+          </p:cNvSpPr>
+          <p:nvPr>
+            <p:ph type="sldNum" sz="quarter" idx="5"/>
+          </p:nvPr>
+        </p:nvSpPr>
+        <p:spPr/>
+        <p:txBody>
+          <a:bodyPr/>
+          <a:lstStyle/>
+          <a:p>
+            <a:fld id="{6D923E43-2DD8-4735-B273-C9527EB6CA04}" type="slidenum">
+              <a:rPr lang="ko-KR" altLang="en-US" smtClean="0"/>
+              <a:t>4</a:t>
+            </a:fld>
+            <a:endParaRPr lang="ko-KR" altLang="en-US"/>
+          </a:p>
+        </p:txBody>
+      </p:sp>
+    </p:spTree>
+    <p:extLst>
+      <p:ext uri="{BB962C8B-B14F-4D97-AF65-F5344CB8AC3E}">
+        <p14:creationId xmlns:p14="http://schemas.microsoft.com/office/powerpoint/2010/main" val="2755725478"/>
+      </p:ext>
+    </p:extLst>
+  </p:cSld>
+  <p:clrMapOvr>
+    <a:masterClrMapping/>
+  </p:clrMapOvr>
+</p:notes>
+</file>
+
 <file path=ppt/slideLayouts/slideLayout1.xml><?xml version="1.0" encoding="utf-8"?>
 <p:sldLayout xmlns:a="http://schemas.openxmlformats.org/drawingml/2006/main" xmlns:r="http://schemas.openxmlformats.org/officeDocument/2006/relationships" xmlns:p="http://schemas.openxmlformats.org/presentationml/2006/main" type="title" preserve="1">
   <p:cSld name="제목 슬라이드">
@@ -263,7 +701,7 @@
           <a:p>
             <a:fld id="{65A9B928-B926-4726-B925-8AA4FF17755D}" type="datetimeFigureOut">
               <a:rPr lang="ko-KR" altLang="en-US" smtClean="0"/>
-              <a:t>2025-10-15</a:t>
+              <a:t>2025-10-16</a:t>
             </a:fld>
             <a:endParaRPr lang="ko-KR" altLang="en-US"/>
           </a:p>
@@ -461,7 +899,7 @@
           <a:p>
             <a:fld id="{65A9B928-B926-4726-B925-8AA4FF17755D}" type="datetimeFigureOut">
               <a:rPr lang="ko-KR" altLang="en-US" smtClean="0"/>
-              <a:t>2025-10-15</a:t>
+              <a:t>2025-10-16</a:t>
             </a:fld>
             <a:endParaRPr lang="ko-KR" altLang="en-US"/>
           </a:p>
@@ -669,7 +1107,7 @@
           <a:p>
             <a:fld id="{65A9B928-B926-4726-B925-8AA4FF17755D}" type="datetimeFigureOut">
               <a:rPr lang="ko-KR" altLang="en-US" smtClean="0"/>
-              <a:t>2025-10-15</a:t>
+              <a:t>2025-10-16</a:t>
             </a:fld>
             <a:endParaRPr lang="ko-KR" altLang="en-US"/>
           </a:p>
@@ -867,7 +1305,7 @@
           <a:p>
             <a:fld id="{65A9B928-B926-4726-B925-8AA4FF17755D}" type="datetimeFigureOut">
               <a:rPr lang="ko-KR" altLang="en-US" smtClean="0"/>
-              <a:t>2025-10-15</a:t>
+              <a:t>2025-10-16</a:t>
             </a:fld>
             <a:endParaRPr lang="ko-KR" altLang="en-US"/>
           </a:p>
@@ -1142,7 +1580,7 @@
           <a:p>
             <a:fld id="{65A9B928-B926-4726-B925-8AA4FF17755D}" type="datetimeFigureOut">
               <a:rPr lang="ko-KR" altLang="en-US" smtClean="0"/>
-              <a:t>2025-10-15</a:t>
+              <a:t>2025-10-16</a:t>
             </a:fld>
             <a:endParaRPr lang="ko-KR" altLang="en-US"/>
           </a:p>
@@ -1407,7 +1845,7 @@
           <a:p>
             <a:fld id="{65A9B928-B926-4726-B925-8AA4FF17755D}" type="datetimeFigureOut">
               <a:rPr lang="ko-KR" altLang="en-US" smtClean="0"/>
-              <a:t>2025-10-15</a:t>
+              <a:t>2025-10-16</a:t>
             </a:fld>
             <a:endParaRPr lang="ko-KR" altLang="en-US"/>
           </a:p>
@@ -1819,7 +2257,7 @@
           <a:p>
             <a:fld id="{65A9B928-B926-4726-B925-8AA4FF17755D}" type="datetimeFigureOut">
               <a:rPr lang="ko-KR" altLang="en-US" smtClean="0"/>
-              <a:t>2025-10-15</a:t>
+              <a:t>2025-10-16</a:t>
             </a:fld>
             <a:endParaRPr lang="ko-KR" altLang="en-US"/>
           </a:p>
@@ -1960,7 +2398,7 @@
           <a:p>
             <a:fld id="{65A9B928-B926-4726-B925-8AA4FF17755D}" type="datetimeFigureOut">
               <a:rPr lang="ko-KR" altLang="en-US" smtClean="0"/>
-              <a:t>2025-10-15</a:t>
+              <a:t>2025-10-16</a:t>
             </a:fld>
             <a:endParaRPr lang="ko-KR" altLang="en-US"/>
           </a:p>
@@ -2073,7 +2511,7 @@
           <a:p>
             <a:fld id="{65A9B928-B926-4726-B925-8AA4FF17755D}" type="datetimeFigureOut">
               <a:rPr lang="ko-KR" altLang="en-US" smtClean="0"/>
-              <a:t>2025-10-15</a:t>
+              <a:t>2025-10-16</a:t>
             </a:fld>
             <a:endParaRPr lang="ko-KR" altLang="en-US"/>
           </a:p>
@@ -2384,7 +2822,7 @@
           <a:p>
             <a:fld id="{65A9B928-B926-4726-B925-8AA4FF17755D}" type="datetimeFigureOut">
               <a:rPr lang="ko-KR" altLang="en-US" smtClean="0"/>
-              <a:t>2025-10-15</a:t>
+              <a:t>2025-10-16</a:t>
             </a:fld>
             <a:endParaRPr lang="ko-KR" altLang="en-US"/>
           </a:p>
@@ -2672,7 +3110,7 @@
           <a:p>
             <a:fld id="{65A9B928-B926-4726-B925-8AA4FF17755D}" type="datetimeFigureOut">
               <a:rPr lang="ko-KR" altLang="en-US" smtClean="0"/>
-              <a:t>2025-10-15</a:t>
+              <a:t>2025-10-16</a:t>
             </a:fld>
             <a:endParaRPr lang="ko-KR" altLang="en-US"/>
           </a:p>
@@ -2913,7 +3351,7 @@
           <a:p>
             <a:fld id="{65A9B928-B926-4726-B925-8AA4FF17755D}" type="datetimeFigureOut">
               <a:rPr lang="ko-KR" altLang="en-US" smtClean="0"/>
-              <a:t>2025-10-15</a:t>
+              <a:t>2025-10-16</a:t>
             </a:fld>
             <a:endParaRPr lang="ko-KR" altLang="en-US"/>
           </a:p>
@@ -4799,103 +5237,82 @@
           </a:prstGeom>
         </p:spPr>
       </p:pic>
-      <p:grpSp>
-        <p:nvGrpSpPr>
-          <p:cNvPr id="4" name="그룹 3">
-            <a:extLst>
-              <a:ext uri="{FF2B5EF4-FFF2-40B4-BE49-F238E27FC236}">
-                <a16:creationId xmlns:a16="http://schemas.microsoft.com/office/drawing/2014/main" id="{156DF2AF-75E0-F66D-64DD-734A60653487}"/>
-              </a:ext>
-            </a:extLst>
-          </p:cNvPr>
-          <p:cNvGrpSpPr/>
+      <p:pic>
+        <p:nvPicPr>
+          <p:cNvPr id="5" name="그림 4">
+            <a:extLst>
+              <a:ext uri="{FF2B5EF4-FFF2-40B4-BE49-F238E27FC236}">
+                <a16:creationId xmlns:a16="http://schemas.microsoft.com/office/drawing/2014/main" id="{3DEAC993-1BBA-4D35-3080-A136A561A844}"/>
+              </a:ext>
+            </a:extLst>
+          </p:cNvPr>
+          <p:cNvPicPr>
+            <a:picLocks noChangeAspect="1"/>
+          </p:cNvPicPr>
           <p:nvPr/>
-        </p:nvGrpSpPr>
-        <p:grpSpPr>
+        </p:nvPicPr>
+        <p:blipFill>
+          <a:blip r:embed="rId3"/>
+          <a:stretch>
+            <a:fillRect/>
+          </a:stretch>
+        </p:blipFill>
+        <p:spPr>
           <a:xfrm>
-            <a:off x="1027853" y="4412572"/>
-            <a:ext cx="5908448" cy="1819702"/>
-            <a:chOff x="943882" y="2670121"/>
-            <a:chExt cx="6849431" cy="2241445"/>
+            <a:off x="1027853" y="4476682"/>
+            <a:ext cx="5908448" cy="1755592"/>
           </a:xfrm>
-        </p:grpSpPr>
-        <p:pic>
-          <p:nvPicPr>
-            <p:cNvPr id="5" name="그림 4">
-              <a:extLst>
-                <a:ext uri="{FF2B5EF4-FFF2-40B4-BE49-F238E27FC236}">
-                  <a16:creationId xmlns:a16="http://schemas.microsoft.com/office/drawing/2014/main" id="{3DEAC993-1BBA-4D35-3080-A136A561A844}"/>
-                </a:ext>
-              </a:extLst>
-            </p:cNvPr>
-            <p:cNvPicPr>
-              <a:picLocks noChangeAspect="1"/>
-            </p:cNvPicPr>
-            <p:nvPr/>
-          </p:nvPicPr>
-          <p:blipFill>
-            <a:blip r:embed="rId3"/>
-            <a:stretch>
-              <a:fillRect/>
-            </a:stretch>
-          </p:blipFill>
-          <p:spPr>
-            <a:xfrm>
-              <a:off x="943882" y="2749089"/>
-              <a:ext cx="6849431" cy="2162477"/>
-            </a:xfrm>
-            <a:prstGeom prst="rect">
-              <a:avLst/>
-            </a:prstGeom>
-          </p:spPr>
-        </p:pic>
-        <p:sp>
-          <p:nvSpPr>
-            <p:cNvPr id="6" name="화살표: 아래쪽 5">
-              <a:extLst>
-                <a:ext uri="{FF2B5EF4-FFF2-40B4-BE49-F238E27FC236}">
-                  <a16:creationId xmlns:a16="http://schemas.microsoft.com/office/drawing/2014/main" id="{047167B9-CF7A-52CA-B2B3-0429F7E8F146}"/>
-                </a:ext>
-              </a:extLst>
-            </p:cNvPr>
-            <p:cNvSpPr/>
-            <p:nvPr/>
-          </p:nvSpPr>
-          <p:spPr>
-            <a:xfrm>
-              <a:off x="1165411" y="2670121"/>
-              <a:ext cx="268941" cy="379418"/>
-            </a:xfrm>
-            <a:prstGeom prst="downArrow">
-              <a:avLst/>
-            </a:prstGeom>
-          </p:spPr>
-          <p:style>
-            <a:lnRef idx="2">
-              <a:schemeClr val="accent1">
-                <a:shade val="15000"/>
-              </a:schemeClr>
-            </a:lnRef>
-            <a:fillRef idx="1">
-              <a:schemeClr val="accent1"/>
-            </a:fillRef>
-            <a:effectRef idx="0">
-              <a:schemeClr val="accent1"/>
-            </a:effectRef>
-            <a:fontRef idx="minor">
-              <a:schemeClr val="lt1"/>
-            </a:fontRef>
-          </p:style>
-          <p:txBody>
-            <a:bodyPr rtlCol="0" anchor="ctr"/>
-            <a:lstStyle/>
-            <a:p>
-              <a:pPr algn="ctr"/>
-              <a:endParaRPr lang="ko-KR" altLang="en-US"/>
-            </a:p>
-          </p:txBody>
-        </p:sp>
-      </p:grpSp>
+          <a:prstGeom prst="rect">
+            <a:avLst/>
+          </a:prstGeom>
+        </p:spPr>
+      </p:pic>
+      <p:sp>
+        <p:nvSpPr>
+          <p:cNvPr id="6" name="화살표: 아래쪽 5">
+            <a:extLst>
+              <a:ext uri="{FF2B5EF4-FFF2-40B4-BE49-F238E27FC236}">
+                <a16:creationId xmlns:a16="http://schemas.microsoft.com/office/drawing/2014/main" id="{047167B9-CF7A-52CA-B2B3-0429F7E8F146}"/>
+              </a:ext>
+            </a:extLst>
+          </p:cNvPr>
+          <p:cNvSpPr/>
+          <p:nvPr/>
+        </p:nvSpPr>
+        <p:spPr>
+          <a:xfrm>
+            <a:off x="1218948" y="4412572"/>
+            <a:ext cx="231994" cy="308028"/>
+          </a:xfrm>
+          <a:prstGeom prst="downArrow">
+            <a:avLst/>
+          </a:prstGeom>
+        </p:spPr>
+        <p:style>
+          <a:lnRef idx="2">
+            <a:schemeClr val="accent1">
+              <a:shade val="15000"/>
+            </a:schemeClr>
+          </a:lnRef>
+          <a:fillRef idx="1">
+            <a:schemeClr val="accent1"/>
+          </a:fillRef>
+          <a:effectRef idx="0">
+            <a:schemeClr val="accent1"/>
+          </a:effectRef>
+          <a:fontRef idx="minor">
+            <a:schemeClr val="lt1"/>
+          </a:fontRef>
+        </p:style>
+        <p:txBody>
+          <a:bodyPr rtlCol="0" anchor="ctr"/>
+          <a:lstStyle/>
+          <a:p>
+            <a:pPr algn="ctr"/>
+            <a:endParaRPr lang="ko-KR" altLang="en-US"/>
+          </a:p>
+        </p:txBody>
+      </p:sp>
       <p:sp>
         <p:nvSpPr>
           <p:cNvPr id="7" name="TextBox 6">
@@ -5178,71 +5595,12 @@
           <a:chExt cx="0" cy="0"/>
         </a:xfrm>
       </p:grpSpPr>
-      <p:sp>
-        <p:nvSpPr>
-          <p:cNvPr id="2" name="제목 1">
-            <a:extLst>
-              <a:ext uri="{FF2B5EF4-FFF2-40B4-BE49-F238E27FC236}">
-                <a16:creationId xmlns:a16="http://schemas.microsoft.com/office/drawing/2014/main" id="{7EB01459-8D8F-B9E0-8D1A-EC0993522E6A}"/>
-              </a:ext>
-            </a:extLst>
-          </p:cNvPr>
-          <p:cNvSpPr>
-            <a:spLocks noGrp="1"/>
-          </p:cNvSpPr>
-          <p:nvPr>
-            <p:ph type="title"/>
-          </p:nvPr>
-        </p:nvSpPr>
-        <p:spPr/>
-        <p:txBody>
-          <a:bodyPr/>
-          <a:lstStyle/>
-          <a:p>
-            <a:r>
-              <a:rPr lang="ko-KR" altLang="en-US" dirty="0"/>
-              <a:t>경로 추적하기 </a:t>
-            </a:r>
-          </a:p>
-        </p:txBody>
-      </p:sp>
-      <p:pic>
-        <p:nvPicPr>
-          <p:cNvPr id="3" name="그림 2">
-            <a:extLst>
-              <a:ext uri="{FF2B5EF4-FFF2-40B4-BE49-F238E27FC236}">
-                <a16:creationId xmlns:a16="http://schemas.microsoft.com/office/drawing/2014/main" id="{0565ADE9-DE84-43E7-0CFF-828D51D8DD1E}"/>
-              </a:ext>
-            </a:extLst>
-          </p:cNvPr>
-          <p:cNvPicPr>
-            <a:picLocks noChangeAspect="1"/>
-          </p:cNvPicPr>
-          <p:nvPr/>
-        </p:nvPicPr>
-        <p:blipFill>
-          <a:blip r:embed="rId2"/>
-          <a:srcRect t="2947"/>
-          <a:stretch>
-            <a:fillRect/>
-          </a:stretch>
-        </p:blipFill>
-        <p:spPr>
-          <a:xfrm>
-            <a:off x="7887736" y="2904509"/>
-            <a:ext cx="3059832" cy="2367248"/>
-          </a:xfrm>
-          <a:prstGeom prst="rect">
-            <a:avLst/>
-          </a:prstGeom>
-        </p:spPr>
-      </p:pic>
       <p:grpSp>
         <p:nvGrpSpPr>
-          <p:cNvPr id="4" name="그룹 3">
-            <a:extLst>
-              <a:ext uri="{FF2B5EF4-FFF2-40B4-BE49-F238E27FC236}">
-                <a16:creationId xmlns:a16="http://schemas.microsoft.com/office/drawing/2014/main" id="{B702F01D-7086-FDFB-9C06-E88967A2DEF0}"/>
+          <p:cNvPr id="2" name="그룹 1">
+            <a:extLst>
+              <a:ext uri="{FF2B5EF4-FFF2-40B4-BE49-F238E27FC236}">
+                <a16:creationId xmlns:a16="http://schemas.microsoft.com/office/drawing/2014/main" id="{855006AA-0C2E-4A4E-B68D-922849560449}"/>
               </a:ext>
             </a:extLst>
           </p:cNvPr>
@@ -5251,18 +5609,18 @@
         </p:nvGrpSpPr>
         <p:grpSpPr>
           <a:xfrm>
-            <a:off x="838200" y="2922439"/>
-            <a:ext cx="5908448" cy="1819702"/>
+            <a:off x="1610793" y="539009"/>
+            <a:ext cx="4563124" cy="1429045"/>
             <a:chOff x="943882" y="2670121"/>
             <a:chExt cx="6849431" cy="2241445"/>
           </a:xfrm>
         </p:grpSpPr>
         <p:pic>
           <p:nvPicPr>
-            <p:cNvPr id="5" name="그림 4">
+            <p:cNvPr id="3" name="그림 2">
               <a:extLst>
                 <a:ext uri="{FF2B5EF4-FFF2-40B4-BE49-F238E27FC236}">
-                  <a16:creationId xmlns:a16="http://schemas.microsoft.com/office/drawing/2014/main" id="{C1DBC3B9-C2B8-5B9B-5AAE-51C8E57A13C4}"/>
+                  <a16:creationId xmlns:a16="http://schemas.microsoft.com/office/drawing/2014/main" id="{14F5EA6D-CDD3-4CEB-9A03-A9F0D4FF4F81}"/>
                 </a:ext>
               </a:extLst>
             </p:cNvPr>
@@ -5289,10 +5647,10 @@
         </p:pic>
         <p:sp>
           <p:nvSpPr>
-            <p:cNvPr id="6" name="화살표: 아래쪽 5">
+            <p:cNvPr id="4" name="화살표: 아래쪽 3">
               <a:extLst>
                 <a:ext uri="{FF2B5EF4-FFF2-40B4-BE49-F238E27FC236}">
-                  <a16:creationId xmlns:a16="http://schemas.microsoft.com/office/drawing/2014/main" id="{A8E0E999-1140-6F8A-0F22-1688AF3DAD56}"/>
+                  <a16:creationId xmlns:a16="http://schemas.microsoft.com/office/drawing/2014/main" id="{3566FF1F-54F9-4F16-B088-A3FD488D6170}"/>
                 </a:ext>
               </a:extLst>
             </p:cNvPr>
@@ -5334,12 +5692,112 @@
           </p:txBody>
         </p:sp>
       </p:grpSp>
-      <p:sp>
-        <p:nvSpPr>
-          <p:cNvPr id="7" name="TextBox 6">
-            <a:extLst>
-              <a:ext uri="{FF2B5EF4-FFF2-40B4-BE49-F238E27FC236}">
-                <a16:creationId xmlns:a16="http://schemas.microsoft.com/office/drawing/2014/main" id="{CBECBF57-87F5-7791-BFC1-D076EDCA697F}"/>
+      <p:graphicFrame>
+        <p:nvGraphicFramePr>
+          <p:cNvPr id="6" name="표 5">
+            <a:extLst>
+              <a:ext uri="{FF2B5EF4-FFF2-40B4-BE49-F238E27FC236}">
+                <a16:creationId xmlns:a16="http://schemas.microsoft.com/office/drawing/2014/main" id="{C9C31A52-14E1-431C-B2D9-D8295FB067E8}"/>
+              </a:ext>
+            </a:extLst>
+          </p:cNvPr>
+          <p:cNvGraphicFramePr>
+            <a:graphicFrameLocks noGrp="1"/>
+          </p:cNvGraphicFramePr>
+          <p:nvPr>
+            <p:extLst>
+              <p:ext uri="{D42A27DB-BD31-4B8C-83A1-F6EECF244321}">
+                <p14:modId xmlns:p14="http://schemas.microsoft.com/office/powerpoint/2010/main" val="4081130635"/>
+              </p:ext>
+            </p:extLst>
+          </p:nvPr>
+        </p:nvGraphicFramePr>
+        <p:xfrm>
+          <a:off x="3864165" y="3200296"/>
+          <a:ext cx="483882" cy="274320"/>
+        </p:xfrm>
+        <a:graphic>
+          <a:graphicData uri="http://schemas.openxmlformats.org/drawingml/2006/table">
+            <a:tbl>
+              <a:tblPr firstRow="1" bandRow="1">
+                <a:tableStyleId>{5C22544A-7EE6-4342-B048-85BDC9FD1C3A}</a:tableStyleId>
+              </a:tblPr>
+              <a:tblGrid>
+                <a:gridCol w="483882">
+                  <a:extLst>
+                    <a:ext uri="{9D8B030D-6E8A-4147-A177-3AD203B41FA5}">
+                      <a16:colId xmlns:a16="http://schemas.microsoft.com/office/drawing/2014/main" val="865983756"/>
+                    </a:ext>
+                  </a:extLst>
+                </a:gridCol>
+              </a:tblGrid>
+              <a:tr h="212767">
+                <a:tc>
+                  <a:txBody>
+                    <a:bodyPr/>
+                    <a:lstStyle/>
+                    <a:p>
+                      <a:pPr latinLnBrk="1"/>
+                      <a:r>
+                        <a:rPr lang="en-US" altLang="ko-KR" sz="1200" dirty="0"/>
+                        <a:t>{1,0}</a:t>
+                      </a:r>
+                      <a:endParaRPr lang="ko-KR" altLang="en-US" sz="1200" dirty="0"/>
+                    </a:p>
+                  </a:txBody>
+                  <a:tcPr>
+                    <a:solidFill>
+                      <a:srgbClr val="C00000"/>
+                    </a:solidFill>
+                  </a:tcPr>
+                </a:tc>
+                <a:extLst>
+                  <a:ext uri="{0D108BD9-81ED-4DB2-BD59-A6C34878D82A}">
+                    <a16:rowId xmlns:a16="http://schemas.microsoft.com/office/drawing/2014/main" val="3372211219"/>
+                  </a:ext>
+                </a:extLst>
+              </a:tr>
+            </a:tbl>
+          </a:graphicData>
+        </a:graphic>
+      </p:graphicFrame>
+      <p:pic>
+        <p:nvPicPr>
+          <p:cNvPr id="13" name="그림 12">
+            <a:extLst>
+              <a:ext uri="{FF2B5EF4-FFF2-40B4-BE49-F238E27FC236}">
+                <a16:creationId xmlns:a16="http://schemas.microsoft.com/office/drawing/2014/main" id="{EE6C8F9E-0E67-4A89-99EB-40A78DC81F64}"/>
+              </a:ext>
+            </a:extLst>
+          </p:cNvPr>
+          <p:cNvPicPr>
+            <a:picLocks noChangeAspect="1"/>
+          </p:cNvPicPr>
+          <p:nvPr/>
+        </p:nvPicPr>
+        <p:blipFill rotWithShape="1">
+          <a:blip r:embed="rId4"/>
+          <a:srcRect l="37407" t="24238" r="11404" b="66081"/>
+          <a:stretch>
+            <a:fillRect/>
+          </a:stretch>
+        </p:blipFill>
+        <p:spPr>
+          <a:xfrm>
+            <a:off x="3864165" y="2860397"/>
+            <a:ext cx="1637369" cy="246862"/>
+          </a:xfrm>
+          <a:prstGeom prst="rect">
+            <a:avLst/>
+          </a:prstGeom>
+        </p:spPr>
+      </p:pic>
+      <p:sp>
+        <p:nvSpPr>
+          <p:cNvPr id="16" name="TextBox 15">
+            <a:extLst>
+              <a:ext uri="{FF2B5EF4-FFF2-40B4-BE49-F238E27FC236}">
+                <a16:creationId xmlns:a16="http://schemas.microsoft.com/office/drawing/2014/main" id="{A08DAF41-6137-41D9-BD95-81C54B5EAD76}"/>
               </a:ext>
             </a:extLst>
           </p:cNvPr>
@@ -5348,8 +5806,8 @@
         </p:nvSpPr>
         <p:spPr>
           <a:xfrm>
-            <a:off x="1472704" y="2612217"/>
-            <a:ext cx="1470274" cy="276999"/>
+            <a:off x="74916" y="2829802"/>
+            <a:ext cx="3612815" cy="3785652"/>
           </a:xfrm>
           <a:prstGeom prst="rect">
             <a:avLst/>
@@ -5357,29 +5815,247 @@
           <a:noFill/>
         </p:spPr>
         <p:txBody>
-          <a:bodyPr wrap="none" rtlCol="0">
+          <a:bodyPr wrap="square" rtlCol="0">
             <a:spAutoFit/>
           </a:bodyPr>
           <a:lstStyle/>
           <a:p>
             <a:r>
               <a:rPr lang="ko-KR" altLang="en-US" sz="1200" dirty="0"/>
-              <a:t>그래프와 </a:t>
+              <a:t>①  최단거리 배열에 </a:t>
             </a:r>
             <a:r>
               <a:rPr lang="ko-KR" altLang="en-US" sz="1200" dirty="0" err="1"/>
-              <a:t>시작노드</a:t>
+              <a:t>시작노드는</a:t>
+            </a:r>
+            <a:r>
+              <a:rPr lang="ko-KR" altLang="en-US" sz="1200" dirty="0"/>
+              <a:t> </a:t>
+            </a:r>
+            <a:r>
+              <a:rPr lang="en-US" altLang="ko-KR" sz="1200" dirty="0"/>
+              <a:t>0 </a:t>
+            </a:r>
+            <a:r>
+              <a:rPr lang="ko-KR" altLang="en-US" sz="1200" dirty="0"/>
+              <a:t>나머지는  최대값으로 누적 </a:t>
+            </a:r>
+            <a:r>
+              <a:rPr lang="ko-KR" altLang="en-US" sz="1200" dirty="0" err="1"/>
+              <a:t>거리값을</a:t>
+            </a:r>
+            <a:r>
+              <a:rPr lang="ko-KR" altLang="en-US" sz="1200" dirty="0"/>
+              <a:t> 초기화하고 우선순위 큐에 시작 노드</a:t>
+            </a:r>
+            <a:r>
+              <a:rPr lang="en-US" altLang="ko-KR" sz="1200" dirty="0"/>
+              <a:t>,</a:t>
+            </a:r>
+            <a:r>
+              <a:rPr lang="ko-KR" altLang="en-US" sz="1200" dirty="0"/>
+              <a:t>누적거리</a:t>
+            </a:r>
+            <a:r>
+              <a:rPr lang="en-US" altLang="ko-KR" sz="1200" dirty="0"/>
+              <a:t>0 </a:t>
+            </a:r>
+            <a:r>
+              <a:rPr lang="ko-KR" altLang="en-US" sz="1200" dirty="0"/>
+              <a:t>을 넣는다</a:t>
+            </a:r>
+            <a:endParaRPr lang="en-US" altLang="ko-KR" sz="1200" dirty="0"/>
+          </a:p>
+          <a:p>
+            <a:endParaRPr lang="en-US" altLang="ko-KR" sz="1200" dirty="0"/>
+          </a:p>
+          <a:p>
+            <a:r>
+              <a:rPr lang="ko-KR" altLang="en-US" sz="1200" dirty="0"/>
+              <a:t>② 우선 순위 큐에서 누적거리가 가장 작은 방문 노드 정보를 꺼낸다</a:t>
+            </a:r>
+            <a:r>
+              <a:rPr lang="en-US" altLang="ko-KR" sz="1200" dirty="0"/>
+              <a:t>.   { </a:t>
+            </a:r>
+            <a:r>
+              <a:rPr lang="ko-KR" altLang="en-US" sz="1200" b="1" dirty="0" err="1">
+                <a:solidFill>
+                  <a:srgbClr val="FF0000"/>
+                </a:solidFill>
+              </a:rPr>
+              <a:t>방문노드</a:t>
+            </a:r>
+            <a:r>
+              <a:rPr lang="ko-KR" altLang="en-US" sz="1200" b="1" dirty="0">
+                <a:solidFill>
+                  <a:srgbClr val="FF0000"/>
+                </a:solidFill>
+              </a:rPr>
+              <a:t> </a:t>
+            </a:r>
+            <a:r>
+              <a:rPr lang="en-US" altLang="ko-KR" sz="1200" b="1" dirty="0">
+                <a:solidFill>
+                  <a:srgbClr val="FF0000"/>
+                </a:solidFill>
+              </a:rPr>
+              <a:t>, </a:t>
+            </a:r>
+            <a:r>
+              <a:rPr lang="ko-KR" altLang="en-US" sz="1200" b="1" dirty="0">
+                <a:solidFill>
+                  <a:srgbClr val="FF0000"/>
+                </a:solidFill>
+              </a:rPr>
+              <a:t>누적거리 </a:t>
+            </a:r>
+            <a:r>
+              <a:rPr lang="en-US" altLang="ko-KR" sz="1200" dirty="0"/>
+              <a:t>}</a:t>
+            </a:r>
+          </a:p>
+          <a:p>
+            <a:r>
+              <a:rPr lang="en-US" altLang="ko-KR" sz="1200" dirty="0"/>
+              <a:t> </a:t>
+            </a:r>
+            <a:r>
+              <a:rPr lang="ko-KR" altLang="en-US" sz="1200" dirty="0"/>
+              <a:t>누적거리가 최단거리 배열보다 크면 무시한다</a:t>
+            </a:r>
+            <a:r>
+              <a:rPr lang="en-US" altLang="ko-KR" sz="1200" dirty="0"/>
+              <a:t>.</a:t>
             </a:r>
             <a:endParaRPr lang="ko-KR" altLang="en-US" sz="1200" dirty="0"/>
           </a:p>
-        </p:txBody>
-      </p:sp>
-      <p:sp>
-        <p:nvSpPr>
-          <p:cNvPr id="8" name="TextBox 7">
-            <a:extLst>
-              <a:ext uri="{FF2B5EF4-FFF2-40B4-BE49-F238E27FC236}">
-                <a16:creationId xmlns:a16="http://schemas.microsoft.com/office/drawing/2014/main" id="{CB6A3C34-02FD-595C-B2DB-932889208072}"/>
+          <a:p>
+            <a:endParaRPr lang="en-US" altLang="ko-KR" sz="1200" dirty="0"/>
+          </a:p>
+          <a:p>
+            <a:r>
+              <a:rPr lang="ko-KR" altLang="en-US" sz="1200" dirty="0"/>
+              <a:t>③ 방문 노드의 인접 노드 전체 목록에 대하여 인접 노드까지의  누적거리</a:t>
+            </a:r>
+            <a:r>
+              <a:rPr lang="en-US" altLang="ko-KR" sz="1200" dirty="0"/>
+              <a:t>(</a:t>
+            </a:r>
+            <a:r>
+              <a:rPr lang="ko-KR" altLang="en-US" sz="1200" b="1" dirty="0" err="1">
+                <a:solidFill>
+                  <a:srgbClr val="FF0000"/>
+                </a:solidFill>
+              </a:rPr>
+              <a:t>방문노드</a:t>
+            </a:r>
+            <a:r>
+              <a:rPr lang="ko-KR" altLang="en-US" sz="1200" b="1" dirty="0">
+                <a:solidFill>
+                  <a:srgbClr val="FF0000"/>
+                </a:solidFill>
+              </a:rPr>
+              <a:t> 누적거리</a:t>
+            </a:r>
+            <a:r>
+              <a:rPr lang="en-US" altLang="ko-KR" sz="1200" b="1" dirty="0">
+                <a:solidFill>
+                  <a:srgbClr val="FF0000"/>
+                </a:solidFill>
+              </a:rPr>
+              <a:t>+</a:t>
+            </a:r>
+            <a:r>
+              <a:rPr lang="ko-KR" altLang="en-US" sz="1200" b="1" dirty="0">
+                <a:solidFill>
+                  <a:srgbClr val="FF0000"/>
+                </a:solidFill>
+              </a:rPr>
+              <a:t>비용</a:t>
+            </a:r>
+            <a:r>
+              <a:rPr lang="en-US" altLang="ko-KR" sz="1200" dirty="0"/>
+              <a:t>)</a:t>
+            </a:r>
+            <a:r>
+              <a:rPr lang="ko-KR" altLang="en-US" sz="1200" dirty="0"/>
+              <a:t>를 최단거리 배열에 </a:t>
+            </a:r>
+            <a:r>
+              <a:rPr lang="ko-KR" altLang="en-US" sz="1200" b="1" dirty="0">
+                <a:solidFill>
+                  <a:srgbClr val="FF0000"/>
+                </a:solidFill>
+              </a:rPr>
+              <a:t>최소 값으로 갱신</a:t>
+            </a:r>
+            <a:r>
+              <a:rPr lang="ko-KR" altLang="en-US" sz="1200" dirty="0"/>
+              <a:t>한다</a:t>
+            </a:r>
+            <a:endParaRPr lang="en-US" altLang="ko-KR" sz="1200" dirty="0"/>
+          </a:p>
+          <a:p>
+            <a:pPr marL="228600" indent="-228600">
+              <a:buFontTx/>
+              <a:buAutoNum type="circleNumDbPlain" startAt="2"/>
+            </a:pPr>
+            <a:endParaRPr lang="en-US" altLang="ko-KR" sz="1200" dirty="0"/>
+          </a:p>
+          <a:p>
+            <a:r>
+              <a:rPr lang="ko-KR" altLang="en-US" sz="1200" dirty="0"/>
+              <a:t>④ 이미 기록된 최단거리 배열의 값보다 작은 값이면 새로운 더 비용이 적은 경로를 찾은 것 이므로 방문하기위해 노드 </a:t>
+            </a:r>
+            <a:r>
+              <a:rPr lang="en-US" altLang="ko-KR" sz="1200" dirty="0"/>
+              <a:t>index</a:t>
+            </a:r>
+            <a:r>
+              <a:rPr lang="ko-KR" altLang="en-US" sz="1200" dirty="0"/>
+              <a:t>와 누적거리를 우선순위 큐에 넣는다</a:t>
+            </a:r>
+            <a:r>
+              <a:rPr lang="en-US" altLang="ko-KR" sz="1200" dirty="0"/>
+              <a:t>.</a:t>
+            </a:r>
+          </a:p>
+          <a:p>
+            <a:pPr marL="228600" indent="-228600">
+              <a:buAutoNum type="circleNumDbPlain" startAt="2"/>
+            </a:pPr>
+            <a:endParaRPr lang="en-US" altLang="ko-KR" sz="1200" dirty="0"/>
+          </a:p>
+          <a:p>
+            <a:r>
+              <a:rPr lang="ko-KR" altLang="en-US" sz="1200" dirty="0"/>
+              <a:t>⑤ ②</a:t>
+            </a:r>
+            <a:r>
+              <a:rPr lang="en-US" altLang="ko-KR" sz="1200" dirty="0"/>
+              <a:t>~</a:t>
+            </a:r>
+            <a:r>
+              <a:rPr lang="ko-KR" altLang="en-US" sz="1200" dirty="0"/>
+              <a:t>④ 작업을 우선순위 큐가 비어 있을 때 까지 반복한다</a:t>
+            </a:r>
+            <a:endParaRPr lang="en-US" altLang="ko-KR" sz="1200" dirty="0"/>
+          </a:p>
+          <a:p>
+            <a:pPr marL="228600" indent="-228600">
+              <a:buAutoNum type="circleNumDbPlain" startAt="2"/>
+            </a:pPr>
+            <a:endParaRPr lang="ko-KR" altLang="en-US" sz="1200" dirty="0"/>
+          </a:p>
+        </p:txBody>
+      </p:sp>
+      <p:sp>
+        <p:nvSpPr>
+          <p:cNvPr id="18" name="TextBox 17">
+            <a:extLst>
+              <a:ext uri="{FF2B5EF4-FFF2-40B4-BE49-F238E27FC236}">
+                <a16:creationId xmlns:a16="http://schemas.microsoft.com/office/drawing/2014/main" id="{715585EE-937F-416A-A539-61103EC04CE9}"/>
               </a:ext>
             </a:extLst>
           </p:cNvPr>
@@ -5388,8 +6064,8 @@
         </p:nvSpPr>
         <p:spPr>
           <a:xfrm>
-            <a:off x="4893501" y="2593941"/>
-            <a:ext cx="1470274" cy="276999"/>
+            <a:off x="3432552" y="2582589"/>
+            <a:ext cx="2068982" cy="246221"/>
           </a:xfrm>
           <a:prstGeom prst="rect">
             <a:avLst/>
@@ -5397,24 +6073,145 @@
           <a:noFill/>
         </p:spPr>
         <p:txBody>
-          <a:bodyPr wrap="none" rtlCol="0">
+          <a:bodyPr wrap="square" rtlCol="0">
             <a:spAutoFit/>
           </a:bodyPr>
           <a:lstStyle/>
           <a:p>
             <a:r>
-              <a:rPr lang="ko-KR" altLang="en-US" sz="1200" dirty="0"/>
-              <a:t>인접리스트의 표현</a:t>
-            </a:r>
-          </a:p>
-        </p:txBody>
-      </p:sp>
-      <p:sp>
-        <p:nvSpPr>
-          <p:cNvPr id="9" name="TextBox 8">
-            <a:extLst>
-              <a:ext uri="{FF2B5EF4-FFF2-40B4-BE49-F238E27FC236}">
-                <a16:creationId xmlns:a16="http://schemas.microsoft.com/office/drawing/2014/main" id="{350C17A3-CCD6-673C-E7EF-23F1CAAEB23E}"/>
+              <a:rPr lang="en-US" altLang="ko-KR" sz="1000" dirty="0"/>
+              <a:t>    0     1      2      3     4      5</a:t>
+            </a:r>
+            <a:endParaRPr lang="ko-KR" altLang="en-US" sz="1000" dirty="0"/>
+          </a:p>
+        </p:txBody>
+      </p:sp>
+      <p:pic>
+        <p:nvPicPr>
+          <p:cNvPr id="28" name="그림 27">
+            <a:extLst>
+              <a:ext uri="{FF2B5EF4-FFF2-40B4-BE49-F238E27FC236}">
+                <a16:creationId xmlns:a16="http://schemas.microsoft.com/office/drawing/2014/main" id="{9500D6A3-24F0-4632-BFC6-6E55B4222EAF}"/>
+              </a:ext>
+            </a:extLst>
+          </p:cNvPr>
+          <p:cNvPicPr>
+            <a:picLocks noChangeAspect="1"/>
+          </p:cNvPicPr>
+          <p:nvPr/>
+        </p:nvPicPr>
+        <p:blipFill rotWithShape="1">
+          <a:blip r:embed="rId4"/>
+          <a:srcRect l="37407" t="34095" r="10431" b="56065"/>
+          <a:stretch/>
+        </p:blipFill>
+        <p:spPr>
+          <a:xfrm>
+            <a:off x="3829171" y="4565295"/>
+            <a:ext cx="1753377" cy="263666"/>
+          </a:xfrm>
+          <a:prstGeom prst="rect">
+            <a:avLst/>
+          </a:prstGeom>
+        </p:spPr>
+      </p:pic>
+      <p:graphicFrame>
+        <p:nvGraphicFramePr>
+          <p:cNvPr id="30" name="표 29">
+            <a:extLst>
+              <a:ext uri="{FF2B5EF4-FFF2-40B4-BE49-F238E27FC236}">
+                <a16:creationId xmlns:a16="http://schemas.microsoft.com/office/drawing/2014/main" id="{7CA807EF-4148-4D19-AAF8-4A1800B59F2F}"/>
+              </a:ext>
+            </a:extLst>
+          </p:cNvPr>
+          <p:cNvGraphicFramePr>
+            <a:graphicFrameLocks noGrp="1"/>
+          </p:cNvGraphicFramePr>
+          <p:nvPr>
+            <p:extLst>
+              <p:ext uri="{D42A27DB-BD31-4B8C-83A1-F6EECF244321}">
+                <p14:modId xmlns:p14="http://schemas.microsoft.com/office/powerpoint/2010/main" val="1435900710"/>
+              </p:ext>
+            </p:extLst>
+          </p:nvPr>
+        </p:nvGraphicFramePr>
+        <p:xfrm>
+          <a:off x="3874713" y="5188590"/>
+          <a:ext cx="924370" cy="274320"/>
+        </p:xfrm>
+        <a:graphic>
+          <a:graphicData uri="http://schemas.openxmlformats.org/drawingml/2006/table">
+            <a:tbl>
+              <a:tblPr firstRow="1" bandRow="1">
+                <a:tableStyleId>{5C22544A-7EE6-4342-B048-85BDC9FD1C3A}</a:tableStyleId>
+              </a:tblPr>
+              <a:tblGrid>
+                <a:gridCol w="462185">
+                  <a:extLst>
+                    <a:ext uri="{9D8B030D-6E8A-4147-A177-3AD203B41FA5}">
+                      <a16:colId xmlns:a16="http://schemas.microsoft.com/office/drawing/2014/main" val="865983756"/>
+                    </a:ext>
+                  </a:extLst>
+                </a:gridCol>
+                <a:gridCol w="462185">
+                  <a:extLst>
+                    <a:ext uri="{9D8B030D-6E8A-4147-A177-3AD203B41FA5}">
+                      <a16:colId xmlns:a16="http://schemas.microsoft.com/office/drawing/2014/main" val="807006515"/>
+                    </a:ext>
+                  </a:extLst>
+                </a:gridCol>
+              </a:tblGrid>
+              <a:tr h="256843">
+                <a:tc>
+                  <a:txBody>
+                    <a:bodyPr/>
+                    <a:lstStyle/>
+                    <a:p>
+                      <a:pPr latinLnBrk="1"/>
+                      <a:r>
+                        <a:rPr lang="en-US" altLang="ko-KR" sz="1200" dirty="0"/>
+                        <a:t>{3,3}</a:t>
+                      </a:r>
+                      <a:endParaRPr lang="ko-KR" altLang="en-US" sz="1200" dirty="0"/>
+                    </a:p>
+                  </a:txBody>
+                  <a:tcPr>
+                    <a:solidFill>
+                      <a:srgbClr val="C00000"/>
+                    </a:solidFill>
+                  </a:tcPr>
+                </a:tc>
+                <a:tc>
+                  <a:txBody>
+                    <a:bodyPr/>
+                    <a:lstStyle/>
+                    <a:p>
+                      <a:pPr latinLnBrk="1"/>
+                      <a:r>
+                        <a:rPr lang="en-US" altLang="ko-KR" sz="1200" dirty="0"/>
+                        <a:t>{2,8}</a:t>
+                      </a:r>
+                      <a:endParaRPr lang="ko-KR" altLang="en-US" sz="1200" dirty="0"/>
+                    </a:p>
+                  </a:txBody>
+                  <a:tcPr/>
+                </a:tc>
+                <a:extLst>
+                  <a:ext uri="{0D108BD9-81ED-4DB2-BD59-A6C34878D82A}">
+                    <a16:rowId xmlns:a16="http://schemas.microsoft.com/office/drawing/2014/main" val="3372211219"/>
+                  </a:ext>
+                </a:extLst>
+              </a:tr>
+            </a:tbl>
+          </a:graphicData>
+        </a:graphic>
+      </p:graphicFrame>
+      <p:sp>
+        <p:nvSpPr>
+          <p:cNvPr id="15" name="TextBox 14">
+            <a:extLst>
+              <a:ext uri="{FF2B5EF4-FFF2-40B4-BE49-F238E27FC236}">
+                <a16:creationId xmlns:a16="http://schemas.microsoft.com/office/drawing/2014/main" id="{150C86D5-1772-F1FD-C84C-56447B2E7F34}"/>
               </a:ext>
             </a:extLst>
           </p:cNvPr>
@@ -5423,8 +6220,8 @@
         </p:nvSpPr>
         <p:spPr>
           <a:xfrm>
-            <a:off x="8721654" y="2560718"/>
-            <a:ext cx="1986441" cy="276999"/>
+            <a:off x="3795774" y="3647994"/>
+            <a:ext cx="645780" cy="276999"/>
           </a:xfrm>
           <a:prstGeom prst="rect">
             <a:avLst/>
@@ -5432,24 +6229,64 @@
           <a:noFill/>
         </p:spPr>
         <p:txBody>
-          <a:bodyPr wrap="none" rtlCol="0">
+          <a:bodyPr wrap="square">
             <a:spAutoFit/>
           </a:bodyPr>
           <a:lstStyle/>
           <a:p>
-            <a:r>
-              <a:rPr lang="ko-KR" altLang="en-US" sz="1200" dirty="0"/>
-              <a:t>모든 노드까지의 최단거리</a:t>
-            </a:r>
-          </a:p>
-        </p:txBody>
-      </p:sp>
-      <p:sp>
-        <p:nvSpPr>
-          <p:cNvPr id="10" name="TextBox 9">
-            <a:extLst>
-              <a:ext uri="{FF2B5EF4-FFF2-40B4-BE49-F238E27FC236}">
-                <a16:creationId xmlns:a16="http://schemas.microsoft.com/office/drawing/2014/main" id="{7B03C8EA-F9C1-4E19-6B63-84AE4BB4B835}"/>
+            <a:pPr latinLnBrk="1"/>
+            <a:r>
+              <a:rPr lang="en-US" altLang="ko-KR" sz="1200" dirty="0"/>
+              <a:t>{ 1,0 }</a:t>
+            </a:r>
+            <a:endParaRPr lang="ko-KR" altLang="en-US" sz="1200" dirty="0"/>
+          </a:p>
+        </p:txBody>
+      </p:sp>
+      <p:cxnSp>
+        <p:nvCxnSpPr>
+          <p:cNvPr id="20" name="직선 연결선 19">
+            <a:extLst>
+              <a:ext uri="{FF2B5EF4-FFF2-40B4-BE49-F238E27FC236}">
+                <a16:creationId xmlns:a16="http://schemas.microsoft.com/office/drawing/2014/main" id="{174921CA-994E-4EA1-49B8-2662C32CE2DD}"/>
+              </a:ext>
+            </a:extLst>
+          </p:cNvPr>
+          <p:cNvCxnSpPr>
+            <a:cxnSpLocks/>
+          </p:cNvCxnSpPr>
+          <p:nvPr/>
+        </p:nvCxnSpPr>
+        <p:spPr>
+          <a:xfrm>
+            <a:off x="5676054" y="2756189"/>
+            <a:ext cx="0" cy="3141897"/>
+          </a:xfrm>
+          <a:prstGeom prst="line">
+            <a:avLst/>
+          </a:prstGeom>
+        </p:spPr>
+        <p:style>
+          <a:lnRef idx="1">
+            <a:schemeClr val="accent1"/>
+          </a:lnRef>
+          <a:fillRef idx="0">
+            <a:schemeClr val="accent1"/>
+          </a:fillRef>
+          <a:effectRef idx="0">
+            <a:schemeClr val="accent1"/>
+          </a:effectRef>
+          <a:fontRef idx="minor">
+            <a:schemeClr val="tx1"/>
+          </a:fontRef>
+        </p:style>
+      </p:cxnSp>
+      <p:sp>
+        <p:nvSpPr>
+          <p:cNvPr id="35" name="TextBox 34">
+            <a:extLst>
+              <a:ext uri="{FF2B5EF4-FFF2-40B4-BE49-F238E27FC236}">
+                <a16:creationId xmlns:a16="http://schemas.microsoft.com/office/drawing/2014/main" id="{1C8D8CF8-74A8-214F-1CD6-A8C40E87EA7F}"/>
               </a:ext>
             </a:extLst>
           </p:cNvPr>
@@ -5458,8 +6295,8 @@
         </p:nvSpPr>
         <p:spPr>
           <a:xfrm>
-            <a:off x="562187" y="1603355"/>
-            <a:ext cx="11426613" cy="923330"/>
+            <a:off x="5769561" y="3651934"/>
+            <a:ext cx="689046" cy="276999"/>
           </a:xfrm>
           <a:prstGeom prst="rect">
             <a:avLst/>
@@ -5467,110 +6304,1363 @@
           <a:noFill/>
         </p:spPr>
         <p:txBody>
+          <a:bodyPr wrap="square">
+            <a:spAutoFit/>
+          </a:bodyPr>
+          <a:lstStyle/>
+          <a:p>
+            <a:pPr latinLnBrk="1"/>
+            <a:r>
+              <a:rPr lang="en-US" altLang="ko-KR" sz="1200" dirty="0"/>
+              <a:t>{ 3, 3 }</a:t>
+            </a:r>
+            <a:endParaRPr lang="ko-KR" altLang="en-US" sz="1200" dirty="0"/>
+          </a:p>
+        </p:txBody>
+      </p:sp>
+      <p:graphicFrame>
+        <p:nvGraphicFramePr>
+          <p:cNvPr id="36" name="표 35">
+            <a:extLst>
+              <a:ext uri="{FF2B5EF4-FFF2-40B4-BE49-F238E27FC236}">
+                <a16:creationId xmlns:a16="http://schemas.microsoft.com/office/drawing/2014/main" id="{6BFD0FB2-C932-C13A-A77A-D4666275B726}"/>
+              </a:ext>
+            </a:extLst>
+          </p:cNvPr>
+          <p:cNvGraphicFramePr>
+            <a:graphicFrameLocks noGrp="1"/>
+          </p:cNvGraphicFramePr>
+          <p:nvPr>
+            <p:extLst>
+              <p:ext uri="{D42A27DB-BD31-4B8C-83A1-F6EECF244321}">
+                <p14:modId xmlns:p14="http://schemas.microsoft.com/office/powerpoint/2010/main" val="3551708002"/>
+              </p:ext>
+            </p:extLst>
+          </p:nvPr>
+        </p:nvGraphicFramePr>
+        <p:xfrm>
+          <a:off x="4467043" y="3659589"/>
+          <a:ext cx="483882" cy="274320"/>
+        </p:xfrm>
+        <a:graphic>
+          <a:graphicData uri="http://schemas.openxmlformats.org/drawingml/2006/table">
+            <a:tbl>
+              <a:tblPr firstRow="1" bandRow="1">
+                <a:tableStyleId>{5C22544A-7EE6-4342-B048-85BDC9FD1C3A}</a:tableStyleId>
+              </a:tblPr>
+              <a:tblGrid>
+                <a:gridCol w="483882">
+                  <a:extLst>
+                    <a:ext uri="{9D8B030D-6E8A-4147-A177-3AD203B41FA5}">
+                      <a16:colId xmlns:a16="http://schemas.microsoft.com/office/drawing/2014/main" val="865983756"/>
+                    </a:ext>
+                  </a:extLst>
+                </a:gridCol>
+              </a:tblGrid>
+              <a:tr h="212767">
+                <a:tc>
+                  <a:txBody>
+                    <a:bodyPr/>
+                    <a:lstStyle/>
+                    <a:p>
+                      <a:pPr latinLnBrk="1"/>
+                      <a:endParaRPr lang="ko-KR" altLang="en-US" sz="1200" dirty="0"/>
+                    </a:p>
+                  </a:txBody>
+                  <a:tcPr>
+                    <a:solidFill>
+                      <a:srgbClr val="C00000"/>
+                    </a:solidFill>
+                  </a:tcPr>
+                </a:tc>
+                <a:extLst>
+                  <a:ext uri="{0D108BD9-81ED-4DB2-BD59-A6C34878D82A}">
+                    <a16:rowId xmlns:a16="http://schemas.microsoft.com/office/drawing/2014/main" val="3372211219"/>
+                  </a:ext>
+                </a:extLst>
+              </a:tr>
+            </a:tbl>
+          </a:graphicData>
+        </a:graphic>
+      </p:graphicFrame>
+      <p:graphicFrame>
+        <p:nvGraphicFramePr>
+          <p:cNvPr id="37" name="표 36">
+            <a:extLst>
+              <a:ext uri="{FF2B5EF4-FFF2-40B4-BE49-F238E27FC236}">
+                <a16:creationId xmlns:a16="http://schemas.microsoft.com/office/drawing/2014/main" id="{2239C9C1-2659-6E16-9B13-26AFE61562E2}"/>
+              </a:ext>
+            </a:extLst>
+          </p:cNvPr>
+          <p:cNvGraphicFramePr>
+            <a:graphicFrameLocks noGrp="1"/>
+          </p:cNvGraphicFramePr>
+          <p:nvPr>
+            <p:extLst>
+              <p:ext uri="{D42A27DB-BD31-4B8C-83A1-F6EECF244321}">
+                <p14:modId xmlns:p14="http://schemas.microsoft.com/office/powerpoint/2010/main" val="2959209222"/>
+              </p:ext>
+            </p:extLst>
+          </p:nvPr>
+        </p:nvGraphicFramePr>
+        <p:xfrm>
+          <a:off x="6513926" y="3646924"/>
+          <a:ext cx="462185" cy="274320"/>
+        </p:xfrm>
+        <a:graphic>
+          <a:graphicData uri="http://schemas.openxmlformats.org/drawingml/2006/table">
+            <a:tbl>
+              <a:tblPr firstRow="1" bandRow="1">
+                <a:tableStyleId>{5C22544A-7EE6-4342-B048-85BDC9FD1C3A}</a:tableStyleId>
+              </a:tblPr>
+              <a:tblGrid>
+                <a:gridCol w="462185">
+                  <a:extLst>
+                    <a:ext uri="{9D8B030D-6E8A-4147-A177-3AD203B41FA5}">
+                      <a16:colId xmlns:a16="http://schemas.microsoft.com/office/drawing/2014/main" val="865983756"/>
+                    </a:ext>
+                  </a:extLst>
+                </a:gridCol>
+              </a:tblGrid>
+              <a:tr h="256843">
+                <a:tc>
+                  <a:txBody>
+                    <a:bodyPr/>
+                    <a:lstStyle/>
+                    <a:p>
+                      <a:pPr latinLnBrk="1"/>
+                      <a:r>
+                        <a:rPr lang="en-US" altLang="ko-KR" sz="1200" dirty="0"/>
+                        <a:t>{2,8}</a:t>
+                      </a:r>
+                      <a:endParaRPr lang="ko-KR" altLang="en-US" sz="1200" dirty="0"/>
+                    </a:p>
+                  </a:txBody>
+                  <a:tcPr>
+                    <a:solidFill>
+                      <a:srgbClr val="C00000"/>
+                    </a:solidFill>
+                  </a:tcPr>
+                </a:tc>
+                <a:extLst>
+                  <a:ext uri="{0D108BD9-81ED-4DB2-BD59-A6C34878D82A}">
+                    <a16:rowId xmlns:a16="http://schemas.microsoft.com/office/drawing/2014/main" val="3372211219"/>
+                  </a:ext>
+                </a:extLst>
+              </a:tr>
+            </a:tbl>
+          </a:graphicData>
+        </a:graphic>
+      </p:graphicFrame>
+      <p:pic>
+        <p:nvPicPr>
+          <p:cNvPr id="39" name="그림 38">
+            <a:extLst>
+              <a:ext uri="{FF2B5EF4-FFF2-40B4-BE49-F238E27FC236}">
+                <a16:creationId xmlns:a16="http://schemas.microsoft.com/office/drawing/2014/main" id="{588E7F26-6061-ED64-8B61-5ECD03188CAE}"/>
+              </a:ext>
+            </a:extLst>
+          </p:cNvPr>
+          <p:cNvPicPr>
+            <a:picLocks noChangeAspect="1"/>
+          </p:cNvPicPr>
+          <p:nvPr/>
+        </p:nvPicPr>
+        <p:blipFill rotWithShape="1">
+          <a:blip r:embed="rId4"/>
+          <a:srcRect l="36299" t="43882" r="11539" b="45728"/>
+          <a:stretch>
+            <a:fillRect/>
+          </a:stretch>
+        </p:blipFill>
+        <p:spPr>
+          <a:xfrm>
+            <a:off x="5783977" y="4554859"/>
+            <a:ext cx="1727607" cy="274320"/>
+          </a:xfrm>
+          <a:prstGeom prst="rect">
+            <a:avLst/>
+          </a:prstGeom>
+        </p:spPr>
+      </p:pic>
+      <p:sp>
+        <p:nvSpPr>
+          <p:cNvPr id="40" name="TextBox 39">
+            <a:extLst>
+              <a:ext uri="{FF2B5EF4-FFF2-40B4-BE49-F238E27FC236}">
+                <a16:creationId xmlns:a16="http://schemas.microsoft.com/office/drawing/2014/main" id="{FEDAAFFC-B481-2935-7FDE-5485EF1B9B5C}"/>
+              </a:ext>
+            </a:extLst>
+          </p:cNvPr>
+          <p:cNvSpPr txBox="1"/>
+          <p:nvPr/>
+        </p:nvSpPr>
+        <p:spPr>
+          <a:xfrm>
+            <a:off x="3418528" y="4056104"/>
+            <a:ext cx="2068982" cy="246221"/>
+          </a:xfrm>
+          <a:prstGeom prst="rect">
+            <a:avLst/>
+          </a:prstGeom>
+          <a:noFill/>
+        </p:spPr>
+        <p:txBody>
           <a:bodyPr wrap="square" rtlCol="0">
             <a:spAutoFit/>
           </a:bodyPr>
           <a:lstStyle/>
           <a:p>
             <a:r>
-              <a:rPr lang="ko-KR" altLang="en-US" dirty="0"/>
-              <a:t>최단 거리 배열에 누적거리 최소값을 갱신 </a:t>
-            </a:r>
-            <a:r>
-              <a:rPr lang="ko-KR" altLang="en-US" dirty="0" err="1"/>
-              <a:t>할때</a:t>
-            </a:r>
-            <a:r>
-              <a:rPr lang="ko-KR" altLang="en-US" dirty="0"/>
-              <a:t> 이전 노드를 기록한다면 모든 노드에서 역추적이 가능하다</a:t>
-            </a:r>
-            <a:r>
-              <a:rPr lang="en-US" altLang="ko-KR" dirty="0"/>
+              <a:rPr lang="en-US" altLang="ko-KR" sz="1000" dirty="0"/>
+              <a:t>    0     1      2      3     4      5</a:t>
+            </a:r>
+            <a:endParaRPr lang="ko-KR" altLang="en-US" sz="1000" dirty="0"/>
+          </a:p>
+        </p:txBody>
+      </p:sp>
+      <p:sp>
+        <p:nvSpPr>
+          <p:cNvPr id="41" name="TextBox 40">
+            <a:extLst>
+              <a:ext uri="{FF2B5EF4-FFF2-40B4-BE49-F238E27FC236}">
+                <a16:creationId xmlns:a16="http://schemas.microsoft.com/office/drawing/2014/main" id="{8E22C5D9-6A5B-B01B-7486-5B93324C03F1}"/>
+              </a:ext>
+            </a:extLst>
+          </p:cNvPr>
+          <p:cNvSpPr txBox="1"/>
+          <p:nvPr/>
+        </p:nvSpPr>
+        <p:spPr>
+          <a:xfrm>
+            <a:off x="5420710" y="4060044"/>
+            <a:ext cx="2068982" cy="246221"/>
+          </a:xfrm>
+          <a:prstGeom prst="rect">
+            <a:avLst/>
+          </a:prstGeom>
+          <a:noFill/>
+        </p:spPr>
+        <p:txBody>
+          <a:bodyPr wrap="square" rtlCol="0">
+            <a:spAutoFit/>
+          </a:bodyPr>
+          <a:lstStyle/>
+          <a:p>
+            <a:r>
+              <a:rPr lang="en-US" altLang="ko-KR" sz="1000" dirty="0"/>
+              <a:t>    0     1      2      3     4      5</a:t>
+            </a:r>
+            <a:endParaRPr lang="ko-KR" altLang="en-US" sz="1000" dirty="0"/>
+          </a:p>
+        </p:txBody>
+      </p:sp>
+      <p:pic>
+        <p:nvPicPr>
+          <p:cNvPr id="42" name="그림 41">
+            <a:extLst>
+              <a:ext uri="{FF2B5EF4-FFF2-40B4-BE49-F238E27FC236}">
+                <a16:creationId xmlns:a16="http://schemas.microsoft.com/office/drawing/2014/main" id="{0F23B020-DC22-C260-B5E7-419E17B6EE85}"/>
+              </a:ext>
+            </a:extLst>
+          </p:cNvPr>
+          <p:cNvPicPr>
+            <a:picLocks noChangeAspect="1"/>
+          </p:cNvPicPr>
+          <p:nvPr/>
+        </p:nvPicPr>
+        <p:blipFill rotWithShape="1">
+          <a:blip r:embed="rId4"/>
+          <a:srcRect l="37407" t="24238" r="11404" b="66081"/>
+          <a:stretch>
+            <a:fillRect/>
+          </a:stretch>
+        </p:blipFill>
+        <p:spPr>
+          <a:xfrm>
+            <a:off x="3828033" y="4284697"/>
+            <a:ext cx="1719735" cy="259280"/>
+          </a:xfrm>
+          <a:prstGeom prst="rect">
+            <a:avLst/>
+          </a:prstGeom>
+        </p:spPr>
+      </p:pic>
+      <p:pic>
+        <p:nvPicPr>
+          <p:cNvPr id="43" name="그림 42">
+            <a:extLst>
+              <a:ext uri="{FF2B5EF4-FFF2-40B4-BE49-F238E27FC236}">
+                <a16:creationId xmlns:a16="http://schemas.microsoft.com/office/drawing/2014/main" id="{AA26A5D5-5C1A-BF2E-6F9E-E327E3BBB36F}"/>
+              </a:ext>
+            </a:extLst>
+          </p:cNvPr>
+          <p:cNvPicPr>
+            <a:picLocks noChangeAspect="1"/>
+          </p:cNvPicPr>
+          <p:nvPr/>
+        </p:nvPicPr>
+        <p:blipFill rotWithShape="1">
+          <a:blip r:embed="rId5">
+            <a:extLst>
+              <a:ext uri="{28A0092B-C50C-407E-A947-70E740481C1C}">
+                <a14:useLocalDpi xmlns:a14="http://schemas.microsoft.com/office/drawing/2010/main" val="0"/>
+              </a:ext>
+            </a:extLst>
+          </a:blip>
+          <a:srcRect t="786" b="786"/>
+          <a:stretch/>
+        </p:blipFill>
+        <p:spPr>
+          <a:xfrm>
+            <a:off x="5803265" y="4263351"/>
+            <a:ext cx="1753377" cy="263666"/>
+          </a:xfrm>
+          <a:prstGeom prst="rect">
+            <a:avLst/>
+          </a:prstGeom>
+        </p:spPr>
+      </p:pic>
+      <p:graphicFrame>
+        <p:nvGraphicFramePr>
+          <p:cNvPr id="44" name="표 43">
+            <a:extLst>
+              <a:ext uri="{FF2B5EF4-FFF2-40B4-BE49-F238E27FC236}">
+                <a16:creationId xmlns:a16="http://schemas.microsoft.com/office/drawing/2014/main" id="{B8FC0AC9-6B35-BD42-527A-EBA2A433F926}"/>
+              </a:ext>
+            </a:extLst>
+          </p:cNvPr>
+          <p:cNvGraphicFramePr>
+            <a:graphicFrameLocks noGrp="1"/>
+          </p:cNvGraphicFramePr>
+          <p:nvPr>
+            <p:extLst>
+              <p:ext uri="{D42A27DB-BD31-4B8C-83A1-F6EECF244321}">
+                <p14:modId xmlns:p14="http://schemas.microsoft.com/office/powerpoint/2010/main" val="3326802969"/>
+              </p:ext>
+            </p:extLst>
+          </p:nvPr>
+        </p:nvGraphicFramePr>
+        <p:xfrm>
+          <a:off x="5815571" y="5164322"/>
+          <a:ext cx="1094984" cy="298588"/>
+        </p:xfrm>
+        <a:graphic>
+          <a:graphicData uri="http://schemas.openxmlformats.org/drawingml/2006/table">
+            <a:tbl>
+              <a:tblPr firstRow="1" bandRow="1">
+                <a:tableStyleId>{5C22544A-7EE6-4342-B048-85BDC9FD1C3A}</a:tableStyleId>
+              </a:tblPr>
+              <a:tblGrid>
+                <a:gridCol w="547492">
+                  <a:extLst>
+                    <a:ext uri="{9D8B030D-6E8A-4147-A177-3AD203B41FA5}">
+                      <a16:colId xmlns:a16="http://schemas.microsoft.com/office/drawing/2014/main" val="865983756"/>
+                    </a:ext>
+                  </a:extLst>
+                </a:gridCol>
+                <a:gridCol w="547492">
+                  <a:extLst>
+                    <a:ext uri="{9D8B030D-6E8A-4147-A177-3AD203B41FA5}">
+                      <a16:colId xmlns:a16="http://schemas.microsoft.com/office/drawing/2014/main" val="807006515"/>
+                    </a:ext>
+                  </a:extLst>
+                </a:gridCol>
+              </a:tblGrid>
+              <a:tr h="298588">
+                <a:tc>
+                  <a:txBody>
+                    <a:bodyPr/>
+                    <a:lstStyle/>
+                    <a:p>
+                      <a:pPr latinLnBrk="1"/>
+                      <a:r>
+                        <a:rPr lang="en-US" altLang="ko-KR" sz="1200" dirty="0"/>
+                        <a:t>{2,8}</a:t>
+                      </a:r>
+                      <a:endParaRPr lang="ko-KR" altLang="en-US" sz="1200" dirty="0"/>
+                    </a:p>
+                  </a:txBody>
+                  <a:tcPr>
+                    <a:solidFill>
+                      <a:srgbClr val="C00000"/>
+                    </a:solidFill>
+                  </a:tcPr>
+                </a:tc>
+                <a:tc>
+                  <a:txBody>
+                    <a:bodyPr/>
+                    <a:lstStyle/>
+                    <a:p>
+                      <a:pPr latinLnBrk="1"/>
+                      <a:r>
+                        <a:rPr lang="en-US" altLang="ko-KR" sz="1200" dirty="0"/>
+                        <a:t>{4,16}</a:t>
+                      </a:r>
+                      <a:endParaRPr lang="ko-KR" altLang="en-US" sz="1200" dirty="0"/>
+                    </a:p>
+                  </a:txBody>
+                  <a:tcPr/>
+                </a:tc>
+                <a:extLst>
+                  <a:ext uri="{0D108BD9-81ED-4DB2-BD59-A6C34878D82A}">
+                    <a16:rowId xmlns:a16="http://schemas.microsoft.com/office/drawing/2014/main" val="3372211219"/>
+                  </a:ext>
+                </a:extLst>
+              </a:tr>
+            </a:tbl>
+          </a:graphicData>
+        </a:graphic>
+      </p:graphicFrame>
+      <p:cxnSp>
+        <p:nvCxnSpPr>
+          <p:cNvPr id="45" name="직선 연결선 44">
+            <a:extLst>
+              <a:ext uri="{FF2B5EF4-FFF2-40B4-BE49-F238E27FC236}">
+                <a16:creationId xmlns:a16="http://schemas.microsoft.com/office/drawing/2014/main" id="{7A427713-6D4A-7DC1-ABDF-139DB501E4CA}"/>
+              </a:ext>
+            </a:extLst>
+          </p:cNvPr>
+          <p:cNvCxnSpPr>
+            <a:cxnSpLocks/>
+          </p:cNvCxnSpPr>
+          <p:nvPr/>
+        </p:nvCxnSpPr>
+        <p:spPr>
+          <a:xfrm>
+            <a:off x="7542065" y="2784768"/>
+            <a:ext cx="0" cy="3141897"/>
+          </a:xfrm>
+          <a:prstGeom prst="line">
+            <a:avLst/>
+          </a:prstGeom>
+        </p:spPr>
+        <p:style>
+          <a:lnRef idx="1">
+            <a:schemeClr val="accent1"/>
+          </a:lnRef>
+          <a:fillRef idx="0">
+            <a:schemeClr val="accent1"/>
+          </a:fillRef>
+          <a:effectRef idx="0">
+            <a:schemeClr val="accent1"/>
+          </a:effectRef>
+          <a:fontRef idx="minor">
+            <a:schemeClr val="tx1"/>
+          </a:fontRef>
+        </p:style>
+      </p:cxnSp>
+      <p:sp>
+        <p:nvSpPr>
+          <p:cNvPr id="47" name="TextBox 46">
+            <a:extLst>
+              <a:ext uri="{FF2B5EF4-FFF2-40B4-BE49-F238E27FC236}">
+                <a16:creationId xmlns:a16="http://schemas.microsoft.com/office/drawing/2014/main" id="{D9614F57-6E36-7A1C-D6C8-C278EF01D8BF}"/>
+              </a:ext>
+            </a:extLst>
+          </p:cNvPr>
+          <p:cNvSpPr txBox="1"/>
+          <p:nvPr/>
+        </p:nvSpPr>
+        <p:spPr>
+          <a:xfrm>
+            <a:off x="7577176" y="3647994"/>
+            <a:ext cx="689046" cy="276999"/>
+          </a:xfrm>
+          <a:prstGeom prst="rect">
+            <a:avLst/>
+          </a:prstGeom>
+          <a:noFill/>
+        </p:spPr>
+        <p:txBody>
+          <a:bodyPr wrap="square">
+            <a:spAutoFit/>
+          </a:bodyPr>
+          <a:lstStyle/>
+          <a:p>
+            <a:pPr latinLnBrk="1"/>
+            <a:r>
+              <a:rPr lang="en-US" altLang="ko-KR" sz="1200" dirty="0"/>
+              <a:t>{ 2, 8 }</a:t>
+            </a:r>
+            <a:endParaRPr lang="ko-KR" altLang="en-US" sz="1200" dirty="0"/>
+          </a:p>
+        </p:txBody>
+      </p:sp>
+      <p:pic>
+        <p:nvPicPr>
+          <p:cNvPr id="48" name="그림 47">
+            <a:extLst>
+              <a:ext uri="{FF2B5EF4-FFF2-40B4-BE49-F238E27FC236}">
+                <a16:creationId xmlns:a16="http://schemas.microsoft.com/office/drawing/2014/main" id="{D0AFD3D1-79D6-C674-9638-4DA02CD4E3DC}"/>
+              </a:ext>
+            </a:extLst>
+          </p:cNvPr>
+          <p:cNvPicPr>
+            <a:picLocks noChangeAspect="1"/>
+          </p:cNvPicPr>
+          <p:nvPr/>
+        </p:nvPicPr>
+        <p:blipFill>
+          <a:blip r:embed="rId4"/>
+          <a:srcRect t="2947"/>
+          <a:stretch>
+            <a:fillRect/>
+          </a:stretch>
+        </p:blipFill>
+        <p:spPr>
+          <a:xfrm>
+            <a:off x="7015305" y="95080"/>
+            <a:ext cx="3059832" cy="2367248"/>
+          </a:xfrm>
+          <a:prstGeom prst="rect">
+            <a:avLst/>
+          </a:prstGeom>
+        </p:spPr>
+      </p:pic>
+      <p:graphicFrame>
+        <p:nvGraphicFramePr>
+          <p:cNvPr id="50" name="표 49">
+            <a:extLst>
+              <a:ext uri="{FF2B5EF4-FFF2-40B4-BE49-F238E27FC236}">
+                <a16:creationId xmlns:a16="http://schemas.microsoft.com/office/drawing/2014/main" id="{493E718F-587C-FD37-3C5B-D965F594988B}"/>
+              </a:ext>
+            </a:extLst>
+          </p:cNvPr>
+          <p:cNvGraphicFramePr>
+            <a:graphicFrameLocks noGrp="1"/>
+          </p:cNvGraphicFramePr>
+          <p:nvPr>
+            <p:extLst>
+              <p:ext uri="{D42A27DB-BD31-4B8C-83A1-F6EECF244321}">
+                <p14:modId xmlns:p14="http://schemas.microsoft.com/office/powerpoint/2010/main" val="2109380463"/>
+              </p:ext>
+            </p:extLst>
+          </p:nvPr>
+        </p:nvGraphicFramePr>
+        <p:xfrm>
+          <a:off x="8350328" y="3646924"/>
+          <a:ext cx="550391" cy="274320"/>
+        </p:xfrm>
+        <a:graphic>
+          <a:graphicData uri="http://schemas.openxmlformats.org/drawingml/2006/table">
+            <a:tbl>
+              <a:tblPr firstRow="1" bandRow="1">
+                <a:tableStyleId>{5C22544A-7EE6-4342-B048-85BDC9FD1C3A}</a:tableStyleId>
+              </a:tblPr>
+              <a:tblGrid>
+                <a:gridCol w="550391">
+                  <a:extLst>
+                    <a:ext uri="{9D8B030D-6E8A-4147-A177-3AD203B41FA5}">
+                      <a16:colId xmlns:a16="http://schemas.microsoft.com/office/drawing/2014/main" val="865983756"/>
+                    </a:ext>
+                  </a:extLst>
+                </a:gridCol>
+              </a:tblGrid>
+              <a:tr h="274320">
+                <a:tc>
+                  <a:txBody>
+                    <a:bodyPr/>
+                    <a:lstStyle/>
+                    <a:p>
+                      <a:pPr latinLnBrk="1"/>
+                      <a:r>
+                        <a:rPr lang="en-US" altLang="ko-KR" sz="1200" dirty="0"/>
+                        <a:t>{4,16}</a:t>
+                      </a:r>
+                      <a:endParaRPr lang="ko-KR" altLang="en-US" sz="1200" dirty="0"/>
+                    </a:p>
+                  </a:txBody>
+                  <a:tcPr>
+                    <a:solidFill>
+                      <a:srgbClr val="C00000"/>
+                    </a:solidFill>
+                  </a:tcPr>
+                </a:tc>
+                <a:extLst>
+                  <a:ext uri="{0D108BD9-81ED-4DB2-BD59-A6C34878D82A}">
+                    <a16:rowId xmlns:a16="http://schemas.microsoft.com/office/drawing/2014/main" val="3372211219"/>
+                  </a:ext>
+                </a:extLst>
+              </a:tr>
+            </a:tbl>
+          </a:graphicData>
+        </a:graphic>
+      </p:graphicFrame>
+      <p:pic>
+        <p:nvPicPr>
+          <p:cNvPr id="51" name="그림 50">
+            <a:extLst>
+              <a:ext uri="{FF2B5EF4-FFF2-40B4-BE49-F238E27FC236}">
+                <a16:creationId xmlns:a16="http://schemas.microsoft.com/office/drawing/2014/main" id="{B3D18CAB-2D96-2D2E-ECA5-0BC4185F1C67}"/>
+              </a:ext>
+            </a:extLst>
+          </p:cNvPr>
+          <p:cNvPicPr>
+            <a:picLocks noChangeAspect="1"/>
+          </p:cNvPicPr>
+          <p:nvPr/>
+        </p:nvPicPr>
+        <p:blipFill rotWithShape="1">
+          <a:blip r:embed="rId6">
+            <a:extLst>
+              <a:ext uri="{28A0092B-C50C-407E-A947-70E740481C1C}">
+                <a14:useLocalDpi xmlns:a14="http://schemas.microsoft.com/office/drawing/2010/main" val="0"/>
+              </a:ext>
+            </a:extLst>
+          </a:blip>
+          <a:srcRect l="799" r="799"/>
+          <a:stretch/>
+        </p:blipFill>
+        <p:spPr>
+          <a:xfrm>
+            <a:off x="7676302" y="4258024"/>
+            <a:ext cx="1727607" cy="274320"/>
+          </a:xfrm>
+          <a:prstGeom prst="rect">
+            <a:avLst/>
+          </a:prstGeom>
+        </p:spPr>
+      </p:pic>
+      <p:sp>
+        <p:nvSpPr>
+          <p:cNvPr id="52" name="TextBox 51">
+            <a:extLst>
+              <a:ext uri="{FF2B5EF4-FFF2-40B4-BE49-F238E27FC236}">
+                <a16:creationId xmlns:a16="http://schemas.microsoft.com/office/drawing/2014/main" id="{06F1A221-B02F-AD16-8D3F-16381B104CF4}"/>
+              </a:ext>
+            </a:extLst>
+          </p:cNvPr>
+          <p:cNvSpPr txBox="1"/>
+          <p:nvPr/>
+        </p:nvSpPr>
+        <p:spPr>
+          <a:xfrm>
+            <a:off x="7287210" y="4009326"/>
+            <a:ext cx="2068982" cy="246221"/>
+          </a:xfrm>
+          <a:prstGeom prst="rect">
+            <a:avLst/>
+          </a:prstGeom>
+          <a:noFill/>
+        </p:spPr>
+        <p:txBody>
+          <a:bodyPr wrap="square" rtlCol="0">
+            <a:spAutoFit/>
+          </a:bodyPr>
+          <a:lstStyle/>
+          <a:p>
+            <a:r>
+              <a:rPr lang="en-US" altLang="ko-KR" sz="1000" dirty="0"/>
+              <a:t>    0     1      2      3     4      5</a:t>
+            </a:r>
+            <a:endParaRPr lang="ko-KR" altLang="en-US" sz="1000" dirty="0"/>
+          </a:p>
+        </p:txBody>
+      </p:sp>
+      <p:pic>
+        <p:nvPicPr>
+          <p:cNvPr id="53" name="그림 52">
+            <a:extLst>
+              <a:ext uri="{FF2B5EF4-FFF2-40B4-BE49-F238E27FC236}">
+                <a16:creationId xmlns:a16="http://schemas.microsoft.com/office/drawing/2014/main" id="{33CF89AB-D7C8-F740-5AE4-641BAB57B904}"/>
+              </a:ext>
+            </a:extLst>
+          </p:cNvPr>
+          <p:cNvPicPr>
+            <a:picLocks noChangeAspect="1"/>
+          </p:cNvPicPr>
+          <p:nvPr/>
+        </p:nvPicPr>
+        <p:blipFill rotWithShape="1">
+          <a:blip r:embed="rId4"/>
+          <a:srcRect l="36546" t="53519" r="11292" b="36091"/>
+          <a:stretch>
+            <a:fillRect/>
+          </a:stretch>
+        </p:blipFill>
+        <p:spPr>
+          <a:xfrm>
+            <a:off x="7680469" y="4554641"/>
+            <a:ext cx="1727607" cy="274320"/>
+          </a:xfrm>
+          <a:prstGeom prst="rect">
+            <a:avLst/>
+          </a:prstGeom>
+        </p:spPr>
+      </p:pic>
+      <p:graphicFrame>
+        <p:nvGraphicFramePr>
+          <p:cNvPr id="54" name="표 53">
+            <a:extLst>
+              <a:ext uri="{FF2B5EF4-FFF2-40B4-BE49-F238E27FC236}">
+                <a16:creationId xmlns:a16="http://schemas.microsoft.com/office/drawing/2014/main" id="{2ADCAC6A-6E1F-FACA-4722-B39CCF344A96}"/>
+              </a:ext>
+            </a:extLst>
+          </p:cNvPr>
+          <p:cNvGraphicFramePr>
+            <a:graphicFrameLocks noGrp="1"/>
+          </p:cNvGraphicFramePr>
+          <p:nvPr>
+            <p:extLst>
+              <p:ext uri="{D42A27DB-BD31-4B8C-83A1-F6EECF244321}">
+                <p14:modId xmlns:p14="http://schemas.microsoft.com/office/powerpoint/2010/main" val="2366740097"/>
+              </p:ext>
+            </p:extLst>
+          </p:nvPr>
+        </p:nvGraphicFramePr>
+        <p:xfrm>
+          <a:off x="7657920" y="5174940"/>
+          <a:ext cx="1740189" cy="287970"/>
+        </p:xfrm>
+        <a:graphic>
+          <a:graphicData uri="http://schemas.openxmlformats.org/drawingml/2006/table">
+            <a:tbl>
+              <a:tblPr firstRow="1" bandRow="1">
+                <a:tableStyleId>{5C22544A-7EE6-4342-B048-85BDC9FD1C3A}</a:tableStyleId>
+              </a:tblPr>
+              <a:tblGrid>
+                <a:gridCol w="580063">
+                  <a:extLst>
+                    <a:ext uri="{9D8B030D-6E8A-4147-A177-3AD203B41FA5}">
+                      <a16:colId xmlns:a16="http://schemas.microsoft.com/office/drawing/2014/main" val="865983756"/>
+                    </a:ext>
+                  </a:extLst>
+                </a:gridCol>
+                <a:gridCol w="580063">
+                  <a:extLst>
+                    <a:ext uri="{9D8B030D-6E8A-4147-A177-3AD203B41FA5}">
+                      <a16:colId xmlns:a16="http://schemas.microsoft.com/office/drawing/2014/main" val="807006515"/>
+                    </a:ext>
+                  </a:extLst>
+                </a:gridCol>
+                <a:gridCol w="580063">
+                  <a:extLst>
+                    <a:ext uri="{9D8B030D-6E8A-4147-A177-3AD203B41FA5}">
+                      <a16:colId xmlns:a16="http://schemas.microsoft.com/office/drawing/2014/main" val="1264006341"/>
+                    </a:ext>
+                  </a:extLst>
+                </a:gridCol>
+              </a:tblGrid>
+              <a:tr h="287970">
+                <a:tc>
+                  <a:txBody>
+                    <a:bodyPr/>
+                    <a:lstStyle/>
+                    <a:p>
+                      <a:pPr latinLnBrk="1"/>
+                      <a:r>
+                        <a:rPr lang="en-US" altLang="ko-KR" sz="1200" dirty="0"/>
+                        <a:t>{4,12}</a:t>
+                      </a:r>
+                      <a:endParaRPr lang="ko-KR" altLang="en-US" sz="1200" dirty="0"/>
+                    </a:p>
+                  </a:txBody>
+                  <a:tcPr>
+                    <a:solidFill>
+                      <a:srgbClr val="C00000"/>
+                    </a:solidFill>
+                  </a:tcPr>
+                </a:tc>
+                <a:tc>
+                  <a:txBody>
+                    <a:bodyPr/>
+                    <a:lstStyle/>
+                    <a:p>
+                      <a:pPr latinLnBrk="1"/>
+                      <a:r>
+                        <a:rPr lang="en-US" altLang="ko-KR" sz="1200" dirty="0"/>
+                        <a:t>{4,16}</a:t>
+                      </a:r>
+                      <a:endParaRPr lang="ko-KR" altLang="en-US" sz="1200" dirty="0"/>
+                    </a:p>
+                  </a:txBody>
+                  <a:tcPr/>
+                </a:tc>
+                <a:tc>
+                  <a:txBody>
+                    <a:bodyPr/>
+                    <a:lstStyle/>
+                    <a:p>
+                      <a:pPr latinLnBrk="1"/>
+                      <a:r>
+                        <a:rPr lang="en-US" altLang="ko-KR" sz="1200" dirty="0"/>
+                        <a:t>{5,23}</a:t>
+                      </a:r>
+                      <a:endParaRPr lang="ko-KR" altLang="en-US" sz="1200" dirty="0"/>
+                    </a:p>
+                  </a:txBody>
+                  <a:tcPr/>
+                </a:tc>
+                <a:extLst>
+                  <a:ext uri="{0D108BD9-81ED-4DB2-BD59-A6C34878D82A}">
+                    <a16:rowId xmlns:a16="http://schemas.microsoft.com/office/drawing/2014/main" val="3372211219"/>
+                  </a:ext>
+                </a:extLst>
+              </a:tr>
+            </a:tbl>
+          </a:graphicData>
+        </a:graphic>
+      </p:graphicFrame>
+      <p:cxnSp>
+        <p:nvCxnSpPr>
+          <p:cNvPr id="55" name="직선 연결선 54">
+            <a:extLst>
+              <a:ext uri="{FF2B5EF4-FFF2-40B4-BE49-F238E27FC236}">
+                <a16:creationId xmlns:a16="http://schemas.microsoft.com/office/drawing/2014/main" id="{698BAC73-CEB3-4EA5-8AA1-8CA6B6D47940}"/>
+              </a:ext>
+            </a:extLst>
+          </p:cNvPr>
+          <p:cNvCxnSpPr>
+            <a:cxnSpLocks/>
+          </p:cNvCxnSpPr>
+          <p:nvPr/>
+        </p:nvCxnSpPr>
+        <p:spPr>
+          <a:xfrm>
+            <a:off x="9475852" y="2759368"/>
+            <a:ext cx="0" cy="3141897"/>
+          </a:xfrm>
+          <a:prstGeom prst="line">
+            <a:avLst/>
+          </a:prstGeom>
+        </p:spPr>
+        <p:style>
+          <a:lnRef idx="1">
+            <a:schemeClr val="accent1"/>
+          </a:lnRef>
+          <a:fillRef idx="0">
+            <a:schemeClr val="accent1"/>
+          </a:fillRef>
+          <a:effectRef idx="0">
+            <a:schemeClr val="accent1"/>
+          </a:effectRef>
+          <a:fontRef idx="minor">
+            <a:schemeClr val="tx1"/>
+          </a:fontRef>
+        </p:style>
+      </p:cxnSp>
+      <p:sp>
+        <p:nvSpPr>
+          <p:cNvPr id="56" name="TextBox 55">
+            <a:extLst>
+              <a:ext uri="{FF2B5EF4-FFF2-40B4-BE49-F238E27FC236}">
+                <a16:creationId xmlns:a16="http://schemas.microsoft.com/office/drawing/2014/main" id="{FF7A4368-D34B-2591-B5DE-9983FDD96133}"/>
+              </a:ext>
+            </a:extLst>
+          </p:cNvPr>
+          <p:cNvSpPr txBox="1"/>
+          <p:nvPr/>
+        </p:nvSpPr>
+        <p:spPr>
+          <a:xfrm>
+            <a:off x="9408076" y="3626742"/>
+            <a:ext cx="689046" cy="276999"/>
+          </a:xfrm>
+          <a:prstGeom prst="rect">
+            <a:avLst/>
+          </a:prstGeom>
+          <a:noFill/>
+        </p:spPr>
+        <p:txBody>
+          <a:bodyPr wrap="square">
+            <a:spAutoFit/>
+          </a:bodyPr>
+          <a:lstStyle/>
+          <a:p>
+            <a:pPr latinLnBrk="1"/>
+            <a:r>
+              <a:rPr lang="en-US" altLang="ko-KR" sz="1200" dirty="0"/>
+              <a:t>{ 4,12 }</a:t>
+            </a:r>
+            <a:endParaRPr lang="ko-KR" altLang="en-US" sz="1200" dirty="0"/>
+          </a:p>
+        </p:txBody>
+      </p:sp>
+      <p:pic>
+        <p:nvPicPr>
+          <p:cNvPr id="57" name="그림 56">
+            <a:extLst>
+              <a:ext uri="{FF2B5EF4-FFF2-40B4-BE49-F238E27FC236}">
+                <a16:creationId xmlns:a16="http://schemas.microsoft.com/office/drawing/2014/main" id="{01B023C2-E0DE-B8E6-9797-253E769E6A39}"/>
+              </a:ext>
+            </a:extLst>
+          </p:cNvPr>
+          <p:cNvPicPr>
+            <a:picLocks noChangeAspect="1"/>
+          </p:cNvPicPr>
+          <p:nvPr/>
+        </p:nvPicPr>
+        <p:blipFill rotWithShape="1">
+          <a:blip r:embed="rId7">
+            <a:extLst>
+              <a:ext uri="{28A0092B-C50C-407E-A947-70E740481C1C}">
+                <a14:useLocalDpi xmlns:a14="http://schemas.microsoft.com/office/drawing/2010/main" val="0"/>
+              </a:ext>
+            </a:extLst>
+          </a:blip>
+          <a:srcRect l="799" r="799"/>
+          <a:stretch/>
+        </p:blipFill>
+        <p:spPr>
+          <a:xfrm>
+            <a:off x="9527735" y="4263351"/>
+            <a:ext cx="1727607" cy="274320"/>
+          </a:xfrm>
+          <a:prstGeom prst="rect">
+            <a:avLst/>
+          </a:prstGeom>
+        </p:spPr>
+      </p:pic>
+      <p:pic>
+        <p:nvPicPr>
+          <p:cNvPr id="58" name="그림 57">
+            <a:extLst>
+              <a:ext uri="{FF2B5EF4-FFF2-40B4-BE49-F238E27FC236}">
+                <a16:creationId xmlns:a16="http://schemas.microsoft.com/office/drawing/2014/main" id="{9EFC5B68-A1B3-20F4-9029-0DCE64E6206B}"/>
+              </a:ext>
+            </a:extLst>
+          </p:cNvPr>
+          <p:cNvPicPr>
+            <a:picLocks noChangeAspect="1"/>
+          </p:cNvPicPr>
+          <p:nvPr/>
+        </p:nvPicPr>
+        <p:blipFill rotWithShape="1">
+          <a:blip r:embed="rId4"/>
+          <a:srcRect l="36918" t="63945" r="10920" b="25665"/>
+          <a:stretch>
+            <a:fillRect/>
+          </a:stretch>
+        </p:blipFill>
+        <p:spPr>
+          <a:xfrm>
+            <a:off x="9527736" y="4557071"/>
+            <a:ext cx="1727607" cy="274320"/>
+          </a:xfrm>
+          <a:prstGeom prst="rect">
+            <a:avLst/>
+          </a:prstGeom>
+        </p:spPr>
+      </p:pic>
+      <p:graphicFrame>
+        <p:nvGraphicFramePr>
+          <p:cNvPr id="59" name="표 58">
+            <a:extLst>
+              <a:ext uri="{FF2B5EF4-FFF2-40B4-BE49-F238E27FC236}">
+                <a16:creationId xmlns:a16="http://schemas.microsoft.com/office/drawing/2014/main" id="{0368C00F-8034-BAB7-76A5-2B4C07EF4161}"/>
+              </a:ext>
+            </a:extLst>
+          </p:cNvPr>
+          <p:cNvGraphicFramePr>
+            <a:graphicFrameLocks noGrp="1"/>
+          </p:cNvGraphicFramePr>
+          <p:nvPr>
+            <p:extLst>
+              <p:ext uri="{D42A27DB-BD31-4B8C-83A1-F6EECF244321}">
+                <p14:modId xmlns:p14="http://schemas.microsoft.com/office/powerpoint/2010/main" val="4072610085"/>
+              </p:ext>
+            </p:extLst>
+          </p:nvPr>
+        </p:nvGraphicFramePr>
+        <p:xfrm>
+          <a:off x="10042573" y="3607342"/>
+          <a:ext cx="1160126" cy="287970"/>
+        </p:xfrm>
+        <a:graphic>
+          <a:graphicData uri="http://schemas.openxmlformats.org/drawingml/2006/table">
+            <a:tbl>
+              <a:tblPr firstRow="1" bandRow="1">
+                <a:tableStyleId>{5C22544A-7EE6-4342-B048-85BDC9FD1C3A}</a:tableStyleId>
+              </a:tblPr>
+              <a:tblGrid>
+                <a:gridCol w="580063">
+                  <a:extLst>
+                    <a:ext uri="{9D8B030D-6E8A-4147-A177-3AD203B41FA5}">
+                      <a16:colId xmlns:a16="http://schemas.microsoft.com/office/drawing/2014/main" val="865983756"/>
+                    </a:ext>
+                  </a:extLst>
+                </a:gridCol>
+                <a:gridCol w="580063">
+                  <a:extLst>
+                    <a:ext uri="{9D8B030D-6E8A-4147-A177-3AD203B41FA5}">
+                      <a16:colId xmlns:a16="http://schemas.microsoft.com/office/drawing/2014/main" val="807006515"/>
+                    </a:ext>
+                  </a:extLst>
+                </a:gridCol>
+              </a:tblGrid>
+              <a:tr h="287970">
+                <a:tc>
+                  <a:txBody>
+                    <a:bodyPr/>
+                    <a:lstStyle/>
+                    <a:p>
+                      <a:pPr latinLnBrk="1"/>
+                      <a:r>
+                        <a:rPr lang="en-US" altLang="ko-KR" sz="1200" dirty="0"/>
+                        <a:t>{4,16}</a:t>
+                      </a:r>
+                      <a:endParaRPr lang="ko-KR" altLang="en-US" sz="1200" dirty="0"/>
+                    </a:p>
+                  </a:txBody>
+                  <a:tcPr>
+                    <a:solidFill>
+                      <a:srgbClr val="C00000"/>
+                    </a:solidFill>
+                  </a:tcPr>
+                </a:tc>
+                <a:tc>
+                  <a:txBody>
+                    <a:bodyPr/>
+                    <a:lstStyle/>
+                    <a:p>
+                      <a:pPr latinLnBrk="1"/>
+                      <a:r>
+                        <a:rPr lang="en-US" altLang="ko-KR" sz="1200" dirty="0"/>
+                        <a:t>{5,23}</a:t>
+                      </a:r>
+                      <a:endParaRPr lang="ko-KR" altLang="en-US" sz="1200" dirty="0"/>
+                    </a:p>
+                  </a:txBody>
+                  <a:tcPr/>
+                </a:tc>
+                <a:extLst>
+                  <a:ext uri="{0D108BD9-81ED-4DB2-BD59-A6C34878D82A}">
+                    <a16:rowId xmlns:a16="http://schemas.microsoft.com/office/drawing/2014/main" val="3372211219"/>
+                  </a:ext>
+                </a:extLst>
+              </a:tr>
+            </a:tbl>
+          </a:graphicData>
+        </a:graphic>
+      </p:graphicFrame>
+      <p:sp>
+        <p:nvSpPr>
+          <p:cNvPr id="60" name="TextBox 59">
+            <a:extLst>
+              <a:ext uri="{FF2B5EF4-FFF2-40B4-BE49-F238E27FC236}">
+                <a16:creationId xmlns:a16="http://schemas.microsoft.com/office/drawing/2014/main" id="{39C05E90-EA3E-AC2B-0B2B-88AA3644436B}"/>
+              </a:ext>
+            </a:extLst>
+          </p:cNvPr>
+          <p:cNvSpPr txBox="1"/>
+          <p:nvPr/>
+        </p:nvSpPr>
+        <p:spPr>
+          <a:xfrm>
+            <a:off x="9174916" y="4012320"/>
+            <a:ext cx="2068982" cy="246221"/>
+          </a:xfrm>
+          <a:prstGeom prst="rect">
+            <a:avLst/>
+          </a:prstGeom>
+          <a:noFill/>
+        </p:spPr>
+        <p:txBody>
+          <a:bodyPr wrap="square" rtlCol="0">
+            <a:spAutoFit/>
+          </a:bodyPr>
+          <a:lstStyle/>
+          <a:p>
+            <a:r>
+              <a:rPr lang="en-US" altLang="ko-KR" sz="1000" dirty="0"/>
+              <a:t>    0     1      2      3     4      5</a:t>
+            </a:r>
+            <a:endParaRPr lang="ko-KR" altLang="en-US" sz="1000" dirty="0"/>
+          </a:p>
+        </p:txBody>
+      </p:sp>
+      <p:graphicFrame>
+        <p:nvGraphicFramePr>
+          <p:cNvPr id="61" name="표 60">
+            <a:extLst>
+              <a:ext uri="{FF2B5EF4-FFF2-40B4-BE49-F238E27FC236}">
+                <a16:creationId xmlns:a16="http://schemas.microsoft.com/office/drawing/2014/main" id="{FE6E1393-F78D-5F62-DA5F-864B0BA0CF94}"/>
+              </a:ext>
+            </a:extLst>
+          </p:cNvPr>
+          <p:cNvGraphicFramePr>
+            <a:graphicFrameLocks noGrp="1"/>
+          </p:cNvGraphicFramePr>
+          <p:nvPr>
+            <p:extLst>
+              <p:ext uri="{D42A27DB-BD31-4B8C-83A1-F6EECF244321}">
+                <p14:modId xmlns:p14="http://schemas.microsoft.com/office/powerpoint/2010/main" val="3670946643"/>
+              </p:ext>
+            </p:extLst>
+          </p:nvPr>
+        </p:nvGraphicFramePr>
+        <p:xfrm>
+          <a:off x="9604764" y="5150072"/>
+          <a:ext cx="2235024" cy="312837"/>
+        </p:xfrm>
+        <a:graphic>
+          <a:graphicData uri="http://schemas.openxmlformats.org/drawingml/2006/table">
+            <a:tbl>
+              <a:tblPr firstRow="1" bandRow="1">
+                <a:tableStyleId>{5C22544A-7EE6-4342-B048-85BDC9FD1C3A}</a:tableStyleId>
+              </a:tblPr>
+              <a:tblGrid>
+                <a:gridCol w="745008">
+                  <a:extLst>
+                    <a:ext uri="{9D8B030D-6E8A-4147-A177-3AD203B41FA5}">
+                      <a16:colId xmlns:a16="http://schemas.microsoft.com/office/drawing/2014/main" val="865983756"/>
+                    </a:ext>
+                  </a:extLst>
+                </a:gridCol>
+                <a:gridCol w="745008">
+                  <a:extLst>
+                    <a:ext uri="{9D8B030D-6E8A-4147-A177-3AD203B41FA5}">
+                      <a16:colId xmlns:a16="http://schemas.microsoft.com/office/drawing/2014/main" val="807006515"/>
+                    </a:ext>
+                  </a:extLst>
+                </a:gridCol>
+                <a:gridCol w="745008">
+                  <a:extLst>
+                    <a:ext uri="{9D8B030D-6E8A-4147-A177-3AD203B41FA5}">
+                      <a16:colId xmlns:a16="http://schemas.microsoft.com/office/drawing/2014/main" val="3316198644"/>
+                    </a:ext>
+                  </a:extLst>
+                </a:gridCol>
+              </a:tblGrid>
+              <a:tr h="312837">
+                <a:tc>
+                  <a:txBody>
+                    <a:bodyPr/>
+                    <a:lstStyle/>
+                    <a:p>
+                      <a:pPr latinLnBrk="1"/>
+                      <a:r>
+                        <a:rPr lang="en-US" altLang="ko-KR" sz="1200" dirty="0"/>
+                        <a:t>{5,14}</a:t>
+                      </a:r>
+                      <a:endParaRPr lang="ko-KR" altLang="en-US" sz="1200" dirty="0"/>
+                    </a:p>
+                  </a:txBody>
+                  <a:tcPr>
+                    <a:solidFill>
+                      <a:srgbClr val="C00000"/>
+                    </a:solidFill>
+                  </a:tcPr>
+                </a:tc>
+                <a:tc>
+                  <a:txBody>
+                    <a:bodyPr/>
+                    <a:lstStyle/>
+                    <a:p>
+                      <a:pPr latinLnBrk="1"/>
+                      <a:r>
+                        <a:rPr lang="en-US" altLang="ko-KR" sz="1200" dirty="0"/>
+                        <a:t>{4,16}</a:t>
+                      </a:r>
+                      <a:endParaRPr lang="ko-KR" altLang="en-US" sz="1200" dirty="0"/>
+                    </a:p>
+                  </a:txBody>
+                  <a:tcPr/>
+                </a:tc>
+                <a:tc>
+                  <a:txBody>
+                    <a:bodyPr/>
+                    <a:lstStyle/>
+                    <a:p>
+                      <a:pPr marL="0" marR="0" lvl="0" indent="0" algn="l" defTabSz="914400" rtl="0" eaLnBrk="1" fontAlgn="auto" latinLnBrk="1" hangingPunct="1">
+                        <a:lnSpc>
+                          <a:spcPct val="100000"/>
+                        </a:lnSpc>
+                        <a:spcBef>
+                          <a:spcPts val="0"/>
+                        </a:spcBef>
+                        <a:spcAft>
+                          <a:spcPts val="0"/>
+                        </a:spcAft>
+                        <a:buClrTx/>
+                        <a:buSzTx/>
+                        <a:buFontTx/>
+                        <a:buNone/>
+                        <a:tabLst/>
+                        <a:defRPr/>
+                      </a:pPr>
+                      <a:r>
+                        <a:rPr lang="en-US" altLang="ko-KR" sz="1200" dirty="0"/>
+                        <a:t>{5,23}</a:t>
+                      </a:r>
+                      <a:endParaRPr lang="ko-KR" altLang="en-US" sz="1200" dirty="0"/>
+                    </a:p>
+                  </a:txBody>
+                  <a:tcPr/>
+                </a:tc>
+                <a:extLst>
+                  <a:ext uri="{0D108BD9-81ED-4DB2-BD59-A6C34878D82A}">
+                    <a16:rowId xmlns:a16="http://schemas.microsoft.com/office/drawing/2014/main" val="3372211219"/>
+                  </a:ext>
+                </a:extLst>
+              </a:tr>
+            </a:tbl>
+          </a:graphicData>
+        </a:graphic>
+      </p:graphicFrame>
+      <p:sp>
+        <p:nvSpPr>
+          <p:cNvPr id="66" name="TextBox 65">
+            <a:extLst>
+              <a:ext uri="{FF2B5EF4-FFF2-40B4-BE49-F238E27FC236}">
+                <a16:creationId xmlns:a16="http://schemas.microsoft.com/office/drawing/2014/main" id="{32581A68-CEE0-1721-C7EC-B1423EB86F80}"/>
+              </a:ext>
+            </a:extLst>
+          </p:cNvPr>
+          <p:cNvSpPr txBox="1"/>
+          <p:nvPr/>
+        </p:nvSpPr>
+        <p:spPr>
+          <a:xfrm>
+            <a:off x="8625523" y="5884538"/>
+            <a:ext cx="3340979" cy="830997"/>
+          </a:xfrm>
+          <a:prstGeom prst="rect">
+            <a:avLst/>
+          </a:prstGeom>
+          <a:noFill/>
+        </p:spPr>
+        <p:txBody>
+          <a:bodyPr wrap="none" rtlCol="0">
+            <a:spAutoFit/>
+          </a:bodyPr>
+          <a:lstStyle/>
+          <a:p>
+            <a:r>
+              <a:rPr lang="ko-KR" altLang="en-US" sz="1200" dirty="0"/>
+              <a:t>우선 순위 큐에 </a:t>
+            </a:r>
+            <a:r>
+              <a:rPr lang="ko-KR" altLang="en-US" sz="1200" dirty="0" err="1"/>
+              <a:t>남은것들은</a:t>
+            </a:r>
+            <a:r>
+              <a:rPr lang="en-US" altLang="ko-KR" sz="1200" dirty="0"/>
+              <a:t>…</a:t>
+            </a:r>
+            <a:r>
+              <a:rPr lang="ko-KR" altLang="en-US" sz="1200" dirty="0" err="1"/>
+              <a:t>꺼낸후</a:t>
+            </a:r>
+            <a:r>
+              <a:rPr lang="ko-KR" altLang="en-US" sz="1200" dirty="0"/>
+              <a:t> 처리할 때</a:t>
+            </a:r>
+            <a:endParaRPr lang="en-US" altLang="ko-KR" sz="1200" dirty="0"/>
+          </a:p>
+          <a:p>
+            <a:r>
+              <a:rPr lang="en-US" altLang="ko-KR" sz="1200" dirty="0"/>
+              <a:t>{5,14} -&gt; </a:t>
+            </a:r>
+            <a:r>
+              <a:rPr lang="ko-KR" altLang="en-US" sz="1200" dirty="0"/>
+              <a:t>인접 리스트 없으므로 </a:t>
+            </a:r>
+            <a:r>
+              <a:rPr lang="ko-KR" altLang="en-US" sz="1200" dirty="0" err="1"/>
+              <a:t>처리없음</a:t>
+            </a:r>
+            <a:endParaRPr lang="en-US" altLang="ko-KR" sz="1200" dirty="0"/>
+          </a:p>
+          <a:p>
+            <a:r>
+              <a:rPr lang="en-US" altLang="ko-KR" sz="1200" dirty="0"/>
+              <a:t>{4,16} -&gt;</a:t>
+            </a:r>
+            <a:r>
+              <a:rPr lang="ko-KR" altLang="en-US" sz="1200" dirty="0"/>
+              <a:t> 최소값 아니므로 </a:t>
+            </a:r>
+            <a:r>
+              <a:rPr lang="ko-KR" altLang="en-US" sz="1200" dirty="0" err="1"/>
+              <a:t>처리없음</a:t>
+            </a:r>
+            <a:endParaRPr lang="en-US" altLang="ko-KR" sz="1200" dirty="0"/>
+          </a:p>
+          <a:p>
+            <a:r>
+              <a:rPr lang="en-US" altLang="ko-KR" sz="1200" dirty="0"/>
+              <a:t>{5,23} -&gt;</a:t>
+            </a:r>
+            <a:r>
+              <a:rPr lang="ko-KR" altLang="en-US" sz="1200" dirty="0"/>
+              <a:t> 인접 리스트 없으므로 </a:t>
+            </a:r>
+            <a:r>
+              <a:rPr lang="ko-KR" altLang="en-US" sz="1200" dirty="0" err="1"/>
+              <a:t>처리없음</a:t>
+            </a:r>
+            <a:r>
+              <a:rPr lang="ko-KR" altLang="en-US" sz="1200" dirty="0"/>
+              <a:t> </a:t>
+            </a:r>
+          </a:p>
+        </p:txBody>
+      </p:sp>
+      <p:sp>
+        <p:nvSpPr>
+          <p:cNvPr id="67" name="TextBox 66">
+            <a:extLst>
+              <a:ext uri="{FF2B5EF4-FFF2-40B4-BE49-F238E27FC236}">
+                <a16:creationId xmlns:a16="http://schemas.microsoft.com/office/drawing/2014/main" id="{BBEB66CC-0287-6662-A1E8-B5D1D7AAB171}"/>
+              </a:ext>
+            </a:extLst>
+          </p:cNvPr>
+          <p:cNvSpPr txBox="1"/>
+          <p:nvPr/>
+        </p:nvSpPr>
+        <p:spPr>
+          <a:xfrm>
+            <a:off x="153629" y="2095462"/>
+            <a:ext cx="3493264" cy="461665"/>
+          </a:xfrm>
+          <a:prstGeom prst="rect">
+            <a:avLst/>
+          </a:prstGeom>
+          <a:noFill/>
+        </p:spPr>
+        <p:txBody>
+          <a:bodyPr wrap="none" rtlCol="0">
+            <a:spAutoFit/>
+          </a:bodyPr>
+          <a:lstStyle/>
+          <a:p>
+            <a:r>
+              <a:rPr lang="ko-KR" altLang="en-US" sz="1200" dirty="0"/>
+              <a:t>최단 거리 배열에서 </a:t>
+            </a:r>
+            <a:r>
+              <a:rPr lang="en-US" altLang="ko-KR" sz="1200" dirty="0"/>
+              <a:t>0</a:t>
+            </a:r>
+            <a:r>
+              <a:rPr lang="ko-KR" altLang="en-US" sz="1200" dirty="0"/>
+              <a:t>번 인덱스는 편의상 사용 </a:t>
+            </a:r>
+            <a:r>
+              <a:rPr lang="en-US" altLang="ko-KR" sz="1200" dirty="0"/>
+              <a:t>x</a:t>
+            </a:r>
+          </a:p>
+          <a:p>
+            <a:r>
+              <a:rPr lang="ko-KR" altLang="en-US" sz="1200" dirty="0"/>
+              <a:t>우선순위 큐는 누적거리 작은순으로 정렬 함</a:t>
+            </a:r>
+            <a:r>
+              <a:rPr lang="en-US" altLang="ko-KR" sz="1200" dirty="0"/>
               <a:t>.</a:t>
             </a:r>
-          </a:p>
-          <a:p>
-            <a:r>
-              <a:rPr lang="ko-KR" altLang="en-US" dirty="0"/>
-              <a:t>예</a:t>
-            </a:r>
-            <a:r>
-              <a:rPr lang="en-US" altLang="ko-KR" dirty="0"/>
-              <a:t>) </a:t>
-            </a:r>
-            <a:r>
-              <a:rPr lang="ko-KR" altLang="en-US" dirty="0"/>
-              <a:t>노드 </a:t>
-            </a:r>
-            <a:r>
-              <a:rPr lang="en-US" altLang="ko-KR" dirty="0"/>
-              <a:t>4 </a:t>
-            </a:r>
-            <a:r>
-              <a:rPr lang="ko-KR" altLang="en-US" dirty="0"/>
-              <a:t>에 도착하는 경우는 두가지이다</a:t>
-            </a:r>
-            <a:r>
-              <a:rPr lang="en-US" altLang="ko-KR" dirty="0"/>
-              <a:t>.</a:t>
-            </a:r>
-          </a:p>
-          <a:p>
-            <a:r>
-              <a:rPr lang="en-US" altLang="ko-KR" dirty="0"/>
-              <a:t>   </a:t>
-            </a:r>
-            <a:r>
-              <a:rPr lang="ko-KR" altLang="en-US" dirty="0"/>
-              <a:t> 최소값으로 갱신하는 처음은 노드</a:t>
-            </a:r>
-            <a:r>
-              <a:rPr lang="en-US" altLang="ko-KR" dirty="0"/>
-              <a:t>3</a:t>
-            </a:r>
-            <a:r>
-              <a:rPr lang="ko-KR" altLang="en-US" dirty="0"/>
-              <a:t>의 </a:t>
-            </a:r>
-            <a:r>
-              <a:rPr lang="en-US" altLang="ko-KR" dirty="0"/>
-              <a:t>index, </a:t>
-            </a:r>
-            <a:r>
-              <a:rPr lang="ko-KR" altLang="en-US" dirty="0"/>
-              <a:t>다음은 노드</a:t>
-            </a:r>
-            <a:r>
-              <a:rPr lang="en-US" altLang="ko-KR" dirty="0"/>
-              <a:t>2</a:t>
-            </a:r>
-            <a:r>
-              <a:rPr lang="ko-KR" altLang="en-US" dirty="0"/>
-              <a:t>의 </a:t>
-            </a:r>
-            <a:r>
-              <a:rPr lang="en-US" altLang="ko-KR" dirty="0"/>
-              <a:t>index</a:t>
-            </a:r>
-            <a:r>
-              <a:rPr lang="ko-KR" altLang="en-US" dirty="0"/>
-              <a:t>를 기록한다</a:t>
-            </a:r>
-            <a:r>
-              <a:rPr lang="en-US" altLang="ko-KR" dirty="0"/>
-              <a:t>.</a:t>
-            </a:r>
-            <a:r>
-              <a:rPr lang="ko-KR" altLang="en-US" dirty="0"/>
-              <a:t> </a:t>
-            </a:r>
+            <a:endParaRPr lang="ko-KR" altLang="en-US" sz="1200" dirty="0"/>
           </a:p>
         </p:txBody>
       </p:sp>
     </p:spTree>
     <p:extLst>
       <p:ext uri="{BB962C8B-B14F-4D97-AF65-F5344CB8AC3E}">
-        <p14:creationId xmlns:p14="http://schemas.microsoft.com/office/powerpoint/2010/main" val="2146020315"/>
+        <p14:creationId xmlns:p14="http://schemas.microsoft.com/office/powerpoint/2010/main" val="2086490905"/>
       </p:ext>
     </p:extLst>
   </p:cSld>
@@ -5602,6 +7692,1881 @@
           <p:cNvPr id="2" name="제목 1">
             <a:extLst>
               <a:ext uri="{FF2B5EF4-FFF2-40B4-BE49-F238E27FC236}">
+                <a16:creationId xmlns:a16="http://schemas.microsoft.com/office/drawing/2014/main" id="{7EB01459-8D8F-B9E0-8D1A-EC0993522E6A}"/>
+              </a:ext>
+            </a:extLst>
+          </p:cNvPr>
+          <p:cNvSpPr>
+            <a:spLocks noGrp="1"/>
+          </p:cNvSpPr>
+          <p:nvPr>
+            <p:ph type="title"/>
+          </p:nvPr>
+        </p:nvSpPr>
+        <p:spPr/>
+        <p:txBody>
+          <a:bodyPr/>
+          <a:lstStyle/>
+          <a:p>
+            <a:r>
+              <a:rPr lang="ko-KR" altLang="en-US" dirty="0"/>
+              <a:t>경로 추적하기 </a:t>
+            </a:r>
+          </a:p>
+        </p:txBody>
+      </p:sp>
+      <p:sp>
+        <p:nvSpPr>
+          <p:cNvPr id="10" name="TextBox 9">
+            <a:extLst>
+              <a:ext uri="{FF2B5EF4-FFF2-40B4-BE49-F238E27FC236}">
+                <a16:creationId xmlns:a16="http://schemas.microsoft.com/office/drawing/2014/main" id="{7B03C8EA-F9C1-4E19-6B63-84AE4BB4B835}"/>
+              </a:ext>
+            </a:extLst>
+          </p:cNvPr>
+          <p:cNvSpPr txBox="1"/>
+          <p:nvPr/>
+        </p:nvSpPr>
+        <p:spPr>
+          <a:xfrm>
+            <a:off x="562187" y="1603355"/>
+            <a:ext cx="11426613" cy="923330"/>
+          </a:xfrm>
+          <a:prstGeom prst="rect">
+            <a:avLst/>
+          </a:prstGeom>
+          <a:noFill/>
+        </p:spPr>
+        <p:txBody>
+          <a:bodyPr wrap="square" rtlCol="0">
+            <a:spAutoFit/>
+          </a:bodyPr>
+          <a:lstStyle/>
+          <a:p>
+            <a:r>
+              <a:rPr lang="ko-KR" altLang="en-US" dirty="0"/>
+              <a:t>최단 거리 배열에 누적거리 최소값을 갱신 </a:t>
+            </a:r>
+            <a:r>
+              <a:rPr lang="ko-KR" altLang="en-US" dirty="0" err="1"/>
+              <a:t>할때</a:t>
+            </a:r>
+            <a:r>
+              <a:rPr lang="ko-KR" altLang="en-US" dirty="0"/>
+              <a:t> 이전 노드를 기록한다면 모든 노드에서 역추적이 가능하다</a:t>
+            </a:r>
+            <a:r>
+              <a:rPr lang="en-US" altLang="ko-KR" dirty="0"/>
+              <a:t>.</a:t>
+            </a:r>
+          </a:p>
+          <a:p>
+            <a:r>
+              <a:rPr lang="ko-KR" altLang="en-US" dirty="0"/>
+              <a:t>예</a:t>
+            </a:r>
+            <a:r>
+              <a:rPr lang="en-US" altLang="ko-KR" dirty="0"/>
+              <a:t>) </a:t>
+            </a:r>
+            <a:r>
+              <a:rPr lang="ko-KR" altLang="en-US" dirty="0"/>
+              <a:t>노드 </a:t>
+            </a:r>
+            <a:r>
+              <a:rPr lang="en-US" altLang="ko-KR" dirty="0"/>
+              <a:t>4 </a:t>
+            </a:r>
+            <a:r>
+              <a:rPr lang="ko-KR" altLang="en-US" dirty="0"/>
+              <a:t>에 도착하는 경우는 두가지이다</a:t>
+            </a:r>
+            <a:r>
+              <a:rPr lang="en-US" altLang="ko-KR" dirty="0"/>
+              <a:t>.</a:t>
+            </a:r>
+          </a:p>
+          <a:p>
+            <a:r>
+              <a:rPr lang="en-US" altLang="ko-KR" dirty="0"/>
+              <a:t>   </a:t>
+            </a:r>
+            <a:r>
+              <a:rPr lang="ko-KR" altLang="en-US" dirty="0"/>
+              <a:t> 최소값으로 갱신하는 처음은 노드</a:t>
+            </a:r>
+            <a:r>
+              <a:rPr lang="en-US" altLang="ko-KR" dirty="0"/>
+              <a:t>3</a:t>
+            </a:r>
+            <a:r>
+              <a:rPr lang="ko-KR" altLang="en-US" dirty="0"/>
+              <a:t>의 </a:t>
+            </a:r>
+            <a:r>
+              <a:rPr lang="en-US" altLang="ko-KR" dirty="0"/>
+              <a:t>index, </a:t>
+            </a:r>
+            <a:r>
+              <a:rPr lang="ko-KR" altLang="en-US" dirty="0"/>
+              <a:t>다음은 노드</a:t>
+            </a:r>
+            <a:r>
+              <a:rPr lang="en-US" altLang="ko-KR" dirty="0"/>
+              <a:t>2</a:t>
+            </a:r>
+            <a:r>
+              <a:rPr lang="ko-KR" altLang="en-US" dirty="0"/>
+              <a:t>의 </a:t>
+            </a:r>
+            <a:r>
+              <a:rPr lang="en-US" altLang="ko-KR" dirty="0"/>
+              <a:t>index</a:t>
+            </a:r>
+            <a:r>
+              <a:rPr lang="ko-KR" altLang="en-US" dirty="0"/>
+              <a:t>를 기록한다</a:t>
+            </a:r>
+            <a:r>
+              <a:rPr lang="en-US" altLang="ko-KR" dirty="0"/>
+              <a:t>.</a:t>
+            </a:r>
+            <a:r>
+              <a:rPr lang="ko-KR" altLang="en-US" dirty="0"/>
+              <a:t> </a:t>
+            </a:r>
+          </a:p>
+        </p:txBody>
+      </p:sp>
+      <p:graphicFrame>
+        <p:nvGraphicFramePr>
+          <p:cNvPr id="11" name="표 10">
+            <a:extLst>
+              <a:ext uri="{FF2B5EF4-FFF2-40B4-BE49-F238E27FC236}">
+                <a16:creationId xmlns:a16="http://schemas.microsoft.com/office/drawing/2014/main" id="{D83C91BF-1AAF-C3C5-108D-41E2118081F1}"/>
+              </a:ext>
+            </a:extLst>
+          </p:cNvPr>
+          <p:cNvGraphicFramePr>
+            <a:graphicFrameLocks noGrp="1"/>
+          </p:cNvGraphicFramePr>
+          <p:nvPr>
+            <p:extLst>
+              <p:ext uri="{D42A27DB-BD31-4B8C-83A1-F6EECF244321}">
+                <p14:modId xmlns:p14="http://schemas.microsoft.com/office/powerpoint/2010/main" val="3794122097"/>
+              </p:ext>
+            </p:extLst>
+          </p:nvPr>
+        </p:nvGraphicFramePr>
+        <p:xfrm>
+          <a:off x="906531" y="5522739"/>
+          <a:ext cx="483882" cy="274320"/>
+        </p:xfrm>
+        <a:graphic>
+          <a:graphicData uri="http://schemas.openxmlformats.org/drawingml/2006/table">
+            <a:tbl>
+              <a:tblPr firstRow="1" bandRow="1">
+                <a:tableStyleId>{5C22544A-7EE6-4342-B048-85BDC9FD1C3A}</a:tableStyleId>
+              </a:tblPr>
+              <a:tblGrid>
+                <a:gridCol w="483882">
+                  <a:extLst>
+                    <a:ext uri="{9D8B030D-6E8A-4147-A177-3AD203B41FA5}">
+                      <a16:colId xmlns:a16="http://schemas.microsoft.com/office/drawing/2014/main" val="865983756"/>
+                    </a:ext>
+                  </a:extLst>
+                </a:gridCol>
+              </a:tblGrid>
+              <a:tr h="212767">
+                <a:tc>
+                  <a:txBody>
+                    <a:bodyPr/>
+                    <a:lstStyle/>
+                    <a:p>
+                      <a:pPr latinLnBrk="1"/>
+                      <a:r>
+                        <a:rPr lang="en-US" altLang="ko-KR" sz="1200" dirty="0"/>
+                        <a:t>{1,0}</a:t>
+                      </a:r>
+                      <a:endParaRPr lang="ko-KR" altLang="en-US" sz="1200" dirty="0"/>
+                    </a:p>
+                  </a:txBody>
+                  <a:tcPr>
+                    <a:solidFill>
+                      <a:srgbClr val="C00000"/>
+                    </a:solidFill>
+                  </a:tcPr>
+                </a:tc>
+                <a:extLst>
+                  <a:ext uri="{0D108BD9-81ED-4DB2-BD59-A6C34878D82A}">
+                    <a16:rowId xmlns:a16="http://schemas.microsoft.com/office/drawing/2014/main" val="3372211219"/>
+                  </a:ext>
+                </a:extLst>
+              </a:tr>
+            </a:tbl>
+          </a:graphicData>
+        </a:graphic>
+      </p:graphicFrame>
+      <p:pic>
+        <p:nvPicPr>
+          <p:cNvPr id="12" name="그림 11">
+            <a:extLst>
+              <a:ext uri="{FF2B5EF4-FFF2-40B4-BE49-F238E27FC236}">
+                <a16:creationId xmlns:a16="http://schemas.microsoft.com/office/drawing/2014/main" id="{A8FAED45-095C-5714-20A9-ACF2503BDF3B}"/>
+              </a:ext>
+            </a:extLst>
+          </p:cNvPr>
+          <p:cNvPicPr>
+            <a:picLocks noChangeAspect="1"/>
+          </p:cNvPicPr>
+          <p:nvPr/>
+        </p:nvPicPr>
+        <p:blipFill rotWithShape="1">
+          <a:blip r:embed="rId2"/>
+          <a:srcRect l="37407" t="24238" r="11404" b="66081"/>
+          <a:stretch>
+            <a:fillRect/>
+          </a:stretch>
+        </p:blipFill>
+        <p:spPr>
+          <a:xfrm>
+            <a:off x="898821" y="4630980"/>
+            <a:ext cx="1637369" cy="246862"/>
+          </a:xfrm>
+          <a:prstGeom prst="rect">
+            <a:avLst/>
+          </a:prstGeom>
+        </p:spPr>
+      </p:pic>
+      <p:pic>
+        <p:nvPicPr>
+          <p:cNvPr id="13" name="그림 12">
+            <a:extLst>
+              <a:ext uri="{FF2B5EF4-FFF2-40B4-BE49-F238E27FC236}">
+                <a16:creationId xmlns:a16="http://schemas.microsoft.com/office/drawing/2014/main" id="{439AC47A-D4B9-E13A-0009-C1F91FAEAA4E}"/>
+              </a:ext>
+            </a:extLst>
+          </p:cNvPr>
+          <p:cNvPicPr>
+            <a:picLocks noChangeAspect="1"/>
+          </p:cNvPicPr>
+          <p:nvPr/>
+        </p:nvPicPr>
+        <p:blipFill rotWithShape="1">
+          <a:blip r:embed="rId2"/>
+          <a:srcRect l="37407" t="34095" r="10431" b="56065"/>
+          <a:stretch/>
+        </p:blipFill>
+        <p:spPr>
+          <a:xfrm>
+            <a:off x="2791828" y="4911578"/>
+            <a:ext cx="1753377" cy="263666"/>
+          </a:xfrm>
+          <a:prstGeom prst="rect">
+            <a:avLst/>
+          </a:prstGeom>
+        </p:spPr>
+      </p:pic>
+      <p:graphicFrame>
+        <p:nvGraphicFramePr>
+          <p:cNvPr id="14" name="표 13">
+            <a:extLst>
+              <a:ext uri="{FF2B5EF4-FFF2-40B4-BE49-F238E27FC236}">
+                <a16:creationId xmlns:a16="http://schemas.microsoft.com/office/drawing/2014/main" id="{141167B7-644E-F09E-55E1-4A186C9664A2}"/>
+              </a:ext>
+            </a:extLst>
+          </p:cNvPr>
+          <p:cNvGraphicFramePr>
+            <a:graphicFrameLocks noGrp="1"/>
+          </p:cNvGraphicFramePr>
+          <p:nvPr>
+            <p:extLst>
+              <p:ext uri="{D42A27DB-BD31-4B8C-83A1-F6EECF244321}">
+                <p14:modId xmlns:p14="http://schemas.microsoft.com/office/powerpoint/2010/main" val="796160756"/>
+              </p:ext>
+            </p:extLst>
+          </p:nvPr>
+        </p:nvGraphicFramePr>
+        <p:xfrm>
+          <a:off x="2837370" y="5534873"/>
+          <a:ext cx="924370" cy="274320"/>
+        </p:xfrm>
+        <a:graphic>
+          <a:graphicData uri="http://schemas.openxmlformats.org/drawingml/2006/table">
+            <a:tbl>
+              <a:tblPr firstRow="1" bandRow="1">
+                <a:tableStyleId>{5C22544A-7EE6-4342-B048-85BDC9FD1C3A}</a:tableStyleId>
+              </a:tblPr>
+              <a:tblGrid>
+                <a:gridCol w="462185">
+                  <a:extLst>
+                    <a:ext uri="{9D8B030D-6E8A-4147-A177-3AD203B41FA5}">
+                      <a16:colId xmlns:a16="http://schemas.microsoft.com/office/drawing/2014/main" val="865983756"/>
+                    </a:ext>
+                  </a:extLst>
+                </a:gridCol>
+                <a:gridCol w="462185">
+                  <a:extLst>
+                    <a:ext uri="{9D8B030D-6E8A-4147-A177-3AD203B41FA5}">
+                      <a16:colId xmlns:a16="http://schemas.microsoft.com/office/drawing/2014/main" val="807006515"/>
+                    </a:ext>
+                  </a:extLst>
+                </a:gridCol>
+              </a:tblGrid>
+              <a:tr h="256843">
+                <a:tc>
+                  <a:txBody>
+                    <a:bodyPr/>
+                    <a:lstStyle/>
+                    <a:p>
+                      <a:pPr latinLnBrk="1"/>
+                      <a:r>
+                        <a:rPr lang="en-US" altLang="ko-KR" sz="1200" dirty="0"/>
+                        <a:t>{3,3}</a:t>
+                      </a:r>
+                      <a:endParaRPr lang="ko-KR" altLang="en-US" sz="1200" dirty="0"/>
+                    </a:p>
+                  </a:txBody>
+                  <a:tcPr>
+                    <a:solidFill>
+                      <a:srgbClr val="C00000"/>
+                    </a:solidFill>
+                  </a:tcPr>
+                </a:tc>
+                <a:tc>
+                  <a:txBody>
+                    <a:bodyPr/>
+                    <a:lstStyle/>
+                    <a:p>
+                      <a:pPr latinLnBrk="1"/>
+                      <a:r>
+                        <a:rPr lang="en-US" altLang="ko-KR" sz="1200" dirty="0"/>
+                        <a:t>{2,8}</a:t>
+                      </a:r>
+                      <a:endParaRPr lang="ko-KR" altLang="en-US" sz="1200" dirty="0"/>
+                    </a:p>
+                  </a:txBody>
+                  <a:tcPr/>
+                </a:tc>
+                <a:extLst>
+                  <a:ext uri="{0D108BD9-81ED-4DB2-BD59-A6C34878D82A}">
+                    <a16:rowId xmlns:a16="http://schemas.microsoft.com/office/drawing/2014/main" val="3372211219"/>
+                  </a:ext>
+                </a:extLst>
+              </a:tr>
+            </a:tbl>
+          </a:graphicData>
+        </a:graphic>
+      </p:graphicFrame>
+      <p:sp>
+        <p:nvSpPr>
+          <p:cNvPr id="15" name="TextBox 14">
+            <a:extLst>
+              <a:ext uri="{FF2B5EF4-FFF2-40B4-BE49-F238E27FC236}">
+                <a16:creationId xmlns:a16="http://schemas.microsoft.com/office/drawing/2014/main" id="{617A72CA-848F-3D21-E236-AAFC50DC9B1B}"/>
+              </a:ext>
+            </a:extLst>
+          </p:cNvPr>
+          <p:cNvSpPr txBox="1"/>
+          <p:nvPr/>
+        </p:nvSpPr>
+        <p:spPr>
+          <a:xfrm>
+            <a:off x="2758431" y="3994277"/>
+            <a:ext cx="645780" cy="276999"/>
+          </a:xfrm>
+          <a:prstGeom prst="rect">
+            <a:avLst/>
+          </a:prstGeom>
+          <a:noFill/>
+        </p:spPr>
+        <p:txBody>
+          <a:bodyPr wrap="square">
+            <a:spAutoFit/>
+          </a:bodyPr>
+          <a:lstStyle/>
+          <a:p>
+            <a:pPr latinLnBrk="1"/>
+            <a:r>
+              <a:rPr lang="en-US" altLang="ko-KR" sz="1200" dirty="0"/>
+              <a:t>{ 1,0 }</a:t>
+            </a:r>
+            <a:endParaRPr lang="ko-KR" altLang="en-US" sz="1200" dirty="0"/>
+          </a:p>
+        </p:txBody>
+      </p:sp>
+      <p:sp>
+        <p:nvSpPr>
+          <p:cNvPr id="16" name="TextBox 15">
+            <a:extLst>
+              <a:ext uri="{FF2B5EF4-FFF2-40B4-BE49-F238E27FC236}">
+                <a16:creationId xmlns:a16="http://schemas.microsoft.com/office/drawing/2014/main" id="{0DC44520-D394-AE5C-15A4-AB6CE3DFE145}"/>
+              </a:ext>
+            </a:extLst>
+          </p:cNvPr>
+          <p:cNvSpPr txBox="1"/>
+          <p:nvPr/>
+        </p:nvSpPr>
+        <p:spPr>
+          <a:xfrm>
+            <a:off x="4732218" y="3998217"/>
+            <a:ext cx="689046" cy="276999"/>
+          </a:xfrm>
+          <a:prstGeom prst="rect">
+            <a:avLst/>
+          </a:prstGeom>
+          <a:noFill/>
+        </p:spPr>
+        <p:txBody>
+          <a:bodyPr wrap="square">
+            <a:spAutoFit/>
+          </a:bodyPr>
+          <a:lstStyle/>
+          <a:p>
+            <a:pPr latinLnBrk="1"/>
+            <a:r>
+              <a:rPr lang="en-US" altLang="ko-KR" sz="1200" dirty="0"/>
+              <a:t>{ 3, 3 }</a:t>
+            </a:r>
+            <a:endParaRPr lang="ko-KR" altLang="en-US" sz="1200" dirty="0"/>
+          </a:p>
+        </p:txBody>
+      </p:sp>
+      <p:graphicFrame>
+        <p:nvGraphicFramePr>
+          <p:cNvPr id="17" name="표 16">
+            <a:extLst>
+              <a:ext uri="{FF2B5EF4-FFF2-40B4-BE49-F238E27FC236}">
+                <a16:creationId xmlns:a16="http://schemas.microsoft.com/office/drawing/2014/main" id="{1E05FF6C-9FC3-244D-BD93-D9DD7DF70FA7}"/>
+              </a:ext>
+            </a:extLst>
+          </p:cNvPr>
+          <p:cNvGraphicFramePr>
+            <a:graphicFrameLocks noGrp="1"/>
+          </p:cNvGraphicFramePr>
+          <p:nvPr>
+            <p:extLst>
+              <p:ext uri="{D42A27DB-BD31-4B8C-83A1-F6EECF244321}">
+                <p14:modId xmlns:p14="http://schemas.microsoft.com/office/powerpoint/2010/main" val="996652677"/>
+              </p:ext>
+            </p:extLst>
+          </p:nvPr>
+        </p:nvGraphicFramePr>
+        <p:xfrm>
+          <a:off x="3429700" y="4005872"/>
+          <a:ext cx="483882" cy="274320"/>
+        </p:xfrm>
+        <a:graphic>
+          <a:graphicData uri="http://schemas.openxmlformats.org/drawingml/2006/table">
+            <a:tbl>
+              <a:tblPr firstRow="1" bandRow="1">
+                <a:tableStyleId>{5C22544A-7EE6-4342-B048-85BDC9FD1C3A}</a:tableStyleId>
+              </a:tblPr>
+              <a:tblGrid>
+                <a:gridCol w="483882">
+                  <a:extLst>
+                    <a:ext uri="{9D8B030D-6E8A-4147-A177-3AD203B41FA5}">
+                      <a16:colId xmlns:a16="http://schemas.microsoft.com/office/drawing/2014/main" val="865983756"/>
+                    </a:ext>
+                  </a:extLst>
+                </a:gridCol>
+              </a:tblGrid>
+              <a:tr h="212767">
+                <a:tc>
+                  <a:txBody>
+                    <a:bodyPr/>
+                    <a:lstStyle/>
+                    <a:p>
+                      <a:pPr latinLnBrk="1"/>
+                      <a:endParaRPr lang="ko-KR" altLang="en-US" sz="1200" dirty="0"/>
+                    </a:p>
+                  </a:txBody>
+                  <a:tcPr>
+                    <a:solidFill>
+                      <a:srgbClr val="C00000"/>
+                    </a:solidFill>
+                  </a:tcPr>
+                </a:tc>
+                <a:extLst>
+                  <a:ext uri="{0D108BD9-81ED-4DB2-BD59-A6C34878D82A}">
+                    <a16:rowId xmlns:a16="http://schemas.microsoft.com/office/drawing/2014/main" val="3372211219"/>
+                  </a:ext>
+                </a:extLst>
+              </a:tr>
+            </a:tbl>
+          </a:graphicData>
+        </a:graphic>
+      </p:graphicFrame>
+      <p:graphicFrame>
+        <p:nvGraphicFramePr>
+          <p:cNvPr id="18" name="표 17">
+            <a:extLst>
+              <a:ext uri="{FF2B5EF4-FFF2-40B4-BE49-F238E27FC236}">
+                <a16:creationId xmlns:a16="http://schemas.microsoft.com/office/drawing/2014/main" id="{A650D08D-15D1-7C93-97B4-6C838DBA9318}"/>
+              </a:ext>
+            </a:extLst>
+          </p:cNvPr>
+          <p:cNvGraphicFramePr>
+            <a:graphicFrameLocks noGrp="1"/>
+          </p:cNvGraphicFramePr>
+          <p:nvPr>
+            <p:extLst>
+              <p:ext uri="{D42A27DB-BD31-4B8C-83A1-F6EECF244321}">
+                <p14:modId xmlns:p14="http://schemas.microsoft.com/office/powerpoint/2010/main" val="650335400"/>
+              </p:ext>
+            </p:extLst>
+          </p:nvPr>
+        </p:nvGraphicFramePr>
+        <p:xfrm>
+          <a:off x="5476583" y="3993207"/>
+          <a:ext cx="462185" cy="274320"/>
+        </p:xfrm>
+        <a:graphic>
+          <a:graphicData uri="http://schemas.openxmlformats.org/drawingml/2006/table">
+            <a:tbl>
+              <a:tblPr firstRow="1" bandRow="1">
+                <a:tableStyleId>{5C22544A-7EE6-4342-B048-85BDC9FD1C3A}</a:tableStyleId>
+              </a:tblPr>
+              <a:tblGrid>
+                <a:gridCol w="462185">
+                  <a:extLst>
+                    <a:ext uri="{9D8B030D-6E8A-4147-A177-3AD203B41FA5}">
+                      <a16:colId xmlns:a16="http://schemas.microsoft.com/office/drawing/2014/main" val="865983756"/>
+                    </a:ext>
+                  </a:extLst>
+                </a:gridCol>
+              </a:tblGrid>
+              <a:tr h="256843">
+                <a:tc>
+                  <a:txBody>
+                    <a:bodyPr/>
+                    <a:lstStyle/>
+                    <a:p>
+                      <a:pPr latinLnBrk="1"/>
+                      <a:r>
+                        <a:rPr lang="en-US" altLang="ko-KR" sz="1200" dirty="0"/>
+                        <a:t>{2,8}</a:t>
+                      </a:r>
+                      <a:endParaRPr lang="ko-KR" altLang="en-US" sz="1200" dirty="0"/>
+                    </a:p>
+                  </a:txBody>
+                  <a:tcPr>
+                    <a:solidFill>
+                      <a:srgbClr val="C00000"/>
+                    </a:solidFill>
+                  </a:tcPr>
+                </a:tc>
+                <a:extLst>
+                  <a:ext uri="{0D108BD9-81ED-4DB2-BD59-A6C34878D82A}">
+                    <a16:rowId xmlns:a16="http://schemas.microsoft.com/office/drawing/2014/main" val="3372211219"/>
+                  </a:ext>
+                </a:extLst>
+              </a:tr>
+            </a:tbl>
+          </a:graphicData>
+        </a:graphic>
+      </p:graphicFrame>
+      <p:pic>
+        <p:nvPicPr>
+          <p:cNvPr id="19" name="그림 18">
+            <a:extLst>
+              <a:ext uri="{FF2B5EF4-FFF2-40B4-BE49-F238E27FC236}">
+                <a16:creationId xmlns:a16="http://schemas.microsoft.com/office/drawing/2014/main" id="{88B640DC-BAA5-457E-08B1-894DE6469F87}"/>
+              </a:ext>
+            </a:extLst>
+          </p:cNvPr>
+          <p:cNvPicPr>
+            <a:picLocks noChangeAspect="1"/>
+          </p:cNvPicPr>
+          <p:nvPr/>
+        </p:nvPicPr>
+        <p:blipFill rotWithShape="1">
+          <a:blip r:embed="rId2"/>
+          <a:srcRect l="36299" t="43882" r="11539" b="45728"/>
+          <a:stretch>
+            <a:fillRect/>
+          </a:stretch>
+        </p:blipFill>
+        <p:spPr>
+          <a:xfrm>
+            <a:off x="4746634" y="4901142"/>
+            <a:ext cx="1727607" cy="274320"/>
+          </a:xfrm>
+          <a:prstGeom prst="rect">
+            <a:avLst/>
+          </a:prstGeom>
+        </p:spPr>
+      </p:pic>
+      <p:sp>
+        <p:nvSpPr>
+          <p:cNvPr id="20" name="TextBox 19">
+            <a:extLst>
+              <a:ext uri="{FF2B5EF4-FFF2-40B4-BE49-F238E27FC236}">
+                <a16:creationId xmlns:a16="http://schemas.microsoft.com/office/drawing/2014/main" id="{3E2DC652-866D-5D33-5220-EEEE0EBD2C80}"/>
+              </a:ext>
+            </a:extLst>
+          </p:cNvPr>
+          <p:cNvSpPr txBox="1"/>
+          <p:nvPr/>
+        </p:nvSpPr>
+        <p:spPr>
+          <a:xfrm>
+            <a:off x="4383367" y="4406327"/>
+            <a:ext cx="2068982" cy="246221"/>
+          </a:xfrm>
+          <a:prstGeom prst="rect">
+            <a:avLst/>
+          </a:prstGeom>
+          <a:noFill/>
+        </p:spPr>
+        <p:txBody>
+          <a:bodyPr wrap="square" rtlCol="0">
+            <a:spAutoFit/>
+          </a:bodyPr>
+          <a:lstStyle/>
+          <a:p>
+            <a:r>
+              <a:rPr lang="en-US" altLang="ko-KR" sz="1000" dirty="0"/>
+              <a:t>    0     1      2      3     4      5</a:t>
+            </a:r>
+            <a:endParaRPr lang="ko-KR" altLang="en-US" sz="1000" dirty="0"/>
+          </a:p>
+        </p:txBody>
+      </p:sp>
+      <p:pic>
+        <p:nvPicPr>
+          <p:cNvPr id="21" name="그림 20">
+            <a:extLst>
+              <a:ext uri="{FF2B5EF4-FFF2-40B4-BE49-F238E27FC236}">
+                <a16:creationId xmlns:a16="http://schemas.microsoft.com/office/drawing/2014/main" id="{6AE0EBB8-5B2A-9F20-0E69-F5ACC273A93B}"/>
+              </a:ext>
+            </a:extLst>
+          </p:cNvPr>
+          <p:cNvPicPr>
+            <a:picLocks noChangeAspect="1"/>
+          </p:cNvPicPr>
+          <p:nvPr/>
+        </p:nvPicPr>
+        <p:blipFill rotWithShape="1">
+          <a:blip r:embed="rId2"/>
+          <a:srcRect l="37407" t="24238" r="11404" b="66081"/>
+          <a:stretch>
+            <a:fillRect/>
+          </a:stretch>
+        </p:blipFill>
+        <p:spPr>
+          <a:xfrm>
+            <a:off x="2790690" y="4630980"/>
+            <a:ext cx="1719735" cy="259280"/>
+          </a:xfrm>
+          <a:prstGeom prst="rect">
+            <a:avLst/>
+          </a:prstGeom>
+        </p:spPr>
+      </p:pic>
+      <p:pic>
+        <p:nvPicPr>
+          <p:cNvPr id="22" name="그림 21">
+            <a:extLst>
+              <a:ext uri="{FF2B5EF4-FFF2-40B4-BE49-F238E27FC236}">
+                <a16:creationId xmlns:a16="http://schemas.microsoft.com/office/drawing/2014/main" id="{9518CBAE-1A2C-1A8E-244D-DE2138206B8E}"/>
+              </a:ext>
+            </a:extLst>
+          </p:cNvPr>
+          <p:cNvPicPr>
+            <a:picLocks noChangeAspect="1"/>
+          </p:cNvPicPr>
+          <p:nvPr/>
+        </p:nvPicPr>
+        <p:blipFill rotWithShape="1">
+          <a:blip r:embed="rId3">
+            <a:extLst>
+              <a:ext uri="{28A0092B-C50C-407E-A947-70E740481C1C}">
+                <a14:useLocalDpi xmlns:a14="http://schemas.microsoft.com/office/drawing/2010/main" val="0"/>
+              </a:ext>
+            </a:extLst>
+          </a:blip>
+          <a:srcRect t="786" b="786"/>
+          <a:stretch/>
+        </p:blipFill>
+        <p:spPr>
+          <a:xfrm>
+            <a:off x="4765922" y="4609634"/>
+            <a:ext cx="1753377" cy="263666"/>
+          </a:xfrm>
+          <a:prstGeom prst="rect">
+            <a:avLst/>
+          </a:prstGeom>
+        </p:spPr>
+      </p:pic>
+      <p:graphicFrame>
+        <p:nvGraphicFramePr>
+          <p:cNvPr id="23" name="표 22">
+            <a:extLst>
+              <a:ext uri="{FF2B5EF4-FFF2-40B4-BE49-F238E27FC236}">
+                <a16:creationId xmlns:a16="http://schemas.microsoft.com/office/drawing/2014/main" id="{ECC827B2-329D-02C2-50FD-79C61C8C3A6E}"/>
+              </a:ext>
+            </a:extLst>
+          </p:cNvPr>
+          <p:cNvGraphicFramePr>
+            <a:graphicFrameLocks noGrp="1"/>
+          </p:cNvGraphicFramePr>
+          <p:nvPr>
+            <p:extLst>
+              <p:ext uri="{D42A27DB-BD31-4B8C-83A1-F6EECF244321}">
+                <p14:modId xmlns:p14="http://schemas.microsoft.com/office/powerpoint/2010/main" val="3668600460"/>
+              </p:ext>
+            </p:extLst>
+          </p:nvPr>
+        </p:nvGraphicFramePr>
+        <p:xfrm>
+          <a:off x="4778228" y="5510605"/>
+          <a:ext cx="1094984" cy="298588"/>
+        </p:xfrm>
+        <a:graphic>
+          <a:graphicData uri="http://schemas.openxmlformats.org/drawingml/2006/table">
+            <a:tbl>
+              <a:tblPr firstRow="1" bandRow="1">
+                <a:tableStyleId>{5C22544A-7EE6-4342-B048-85BDC9FD1C3A}</a:tableStyleId>
+              </a:tblPr>
+              <a:tblGrid>
+                <a:gridCol w="547492">
+                  <a:extLst>
+                    <a:ext uri="{9D8B030D-6E8A-4147-A177-3AD203B41FA5}">
+                      <a16:colId xmlns:a16="http://schemas.microsoft.com/office/drawing/2014/main" val="865983756"/>
+                    </a:ext>
+                  </a:extLst>
+                </a:gridCol>
+                <a:gridCol w="547492">
+                  <a:extLst>
+                    <a:ext uri="{9D8B030D-6E8A-4147-A177-3AD203B41FA5}">
+                      <a16:colId xmlns:a16="http://schemas.microsoft.com/office/drawing/2014/main" val="807006515"/>
+                    </a:ext>
+                  </a:extLst>
+                </a:gridCol>
+              </a:tblGrid>
+              <a:tr h="298588">
+                <a:tc>
+                  <a:txBody>
+                    <a:bodyPr/>
+                    <a:lstStyle/>
+                    <a:p>
+                      <a:pPr latinLnBrk="1"/>
+                      <a:r>
+                        <a:rPr lang="en-US" altLang="ko-KR" sz="1200" dirty="0"/>
+                        <a:t>{2,8}</a:t>
+                      </a:r>
+                      <a:endParaRPr lang="ko-KR" altLang="en-US" sz="1200" dirty="0"/>
+                    </a:p>
+                  </a:txBody>
+                  <a:tcPr>
+                    <a:solidFill>
+                      <a:srgbClr val="C00000"/>
+                    </a:solidFill>
+                  </a:tcPr>
+                </a:tc>
+                <a:tc>
+                  <a:txBody>
+                    <a:bodyPr/>
+                    <a:lstStyle/>
+                    <a:p>
+                      <a:pPr latinLnBrk="1"/>
+                      <a:r>
+                        <a:rPr lang="en-US" altLang="ko-KR" sz="1200" dirty="0"/>
+                        <a:t>{4,16}</a:t>
+                      </a:r>
+                      <a:endParaRPr lang="ko-KR" altLang="en-US" sz="1200" dirty="0"/>
+                    </a:p>
+                  </a:txBody>
+                  <a:tcPr/>
+                </a:tc>
+                <a:extLst>
+                  <a:ext uri="{0D108BD9-81ED-4DB2-BD59-A6C34878D82A}">
+                    <a16:rowId xmlns:a16="http://schemas.microsoft.com/office/drawing/2014/main" val="3372211219"/>
+                  </a:ext>
+                </a:extLst>
+              </a:tr>
+            </a:tbl>
+          </a:graphicData>
+        </a:graphic>
+      </p:graphicFrame>
+      <p:sp>
+        <p:nvSpPr>
+          <p:cNvPr id="24" name="TextBox 23">
+            <a:extLst>
+              <a:ext uri="{FF2B5EF4-FFF2-40B4-BE49-F238E27FC236}">
+                <a16:creationId xmlns:a16="http://schemas.microsoft.com/office/drawing/2014/main" id="{193A197B-DFF1-813E-9A7E-2EC99C33F1B2}"/>
+              </a:ext>
+            </a:extLst>
+          </p:cNvPr>
+          <p:cNvSpPr txBox="1"/>
+          <p:nvPr/>
+        </p:nvSpPr>
+        <p:spPr>
+          <a:xfrm>
+            <a:off x="6539833" y="3994277"/>
+            <a:ext cx="689046" cy="276999"/>
+          </a:xfrm>
+          <a:prstGeom prst="rect">
+            <a:avLst/>
+          </a:prstGeom>
+          <a:noFill/>
+        </p:spPr>
+        <p:txBody>
+          <a:bodyPr wrap="square">
+            <a:spAutoFit/>
+          </a:bodyPr>
+          <a:lstStyle/>
+          <a:p>
+            <a:pPr latinLnBrk="1"/>
+            <a:r>
+              <a:rPr lang="en-US" altLang="ko-KR" sz="1200" dirty="0"/>
+              <a:t>{ 2, 8 }</a:t>
+            </a:r>
+            <a:endParaRPr lang="ko-KR" altLang="en-US" sz="1200" dirty="0"/>
+          </a:p>
+        </p:txBody>
+      </p:sp>
+      <p:graphicFrame>
+        <p:nvGraphicFramePr>
+          <p:cNvPr id="25" name="표 24">
+            <a:extLst>
+              <a:ext uri="{FF2B5EF4-FFF2-40B4-BE49-F238E27FC236}">
+                <a16:creationId xmlns:a16="http://schemas.microsoft.com/office/drawing/2014/main" id="{F3895D76-BCE6-0E26-7C96-30056FDD4D2A}"/>
+              </a:ext>
+            </a:extLst>
+          </p:cNvPr>
+          <p:cNvGraphicFramePr>
+            <a:graphicFrameLocks noGrp="1"/>
+          </p:cNvGraphicFramePr>
+          <p:nvPr>
+            <p:extLst>
+              <p:ext uri="{D42A27DB-BD31-4B8C-83A1-F6EECF244321}">
+                <p14:modId xmlns:p14="http://schemas.microsoft.com/office/powerpoint/2010/main" val="1733443105"/>
+              </p:ext>
+            </p:extLst>
+          </p:nvPr>
+        </p:nvGraphicFramePr>
+        <p:xfrm>
+          <a:off x="7312985" y="3993207"/>
+          <a:ext cx="550391" cy="274320"/>
+        </p:xfrm>
+        <a:graphic>
+          <a:graphicData uri="http://schemas.openxmlformats.org/drawingml/2006/table">
+            <a:tbl>
+              <a:tblPr firstRow="1" bandRow="1">
+                <a:tableStyleId>{5C22544A-7EE6-4342-B048-85BDC9FD1C3A}</a:tableStyleId>
+              </a:tblPr>
+              <a:tblGrid>
+                <a:gridCol w="550391">
+                  <a:extLst>
+                    <a:ext uri="{9D8B030D-6E8A-4147-A177-3AD203B41FA5}">
+                      <a16:colId xmlns:a16="http://schemas.microsoft.com/office/drawing/2014/main" val="865983756"/>
+                    </a:ext>
+                  </a:extLst>
+                </a:gridCol>
+              </a:tblGrid>
+              <a:tr h="274320">
+                <a:tc>
+                  <a:txBody>
+                    <a:bodyPr/>
+                    <a:lstStyle/>
+                    <a:p>
+                      <a:pPr latinLnBrk="1"/>
+                      <a:r>
+                        <a:rPr lang="en-US" altLang="ko-KR" sz="1200" dirty="0"/>
+                        <a:t>{4,16}</a:t>
+                      </a:r>
+                      <a:endParaRPr lang="ko-KR" altLang="en-US" sz="1200" dirty="0"/>
+                    </a:p>
+                  </a:txBody>
+                  <a:tcPr>
+                    <a:solidFill>
+                      <a:srgbClr val="C00000"/>
+                    </a:solidFill>
+                  </a:tcPr>
+                </a:tc>
+                <a:extLst>
+                  <a:ext uri="{0D108BD9-81ED-4DB2-BD59-A6C34878D82A}">
+                    <a16:rowId xmlns:a16="http://schemas.microsoft.com/office/drawing/2014/main" val="3372211219"/>
+                  </a:ext>
+                </a:extLst>
+              </a:tr>
+            </a:tbl>
+          </a:graphicData>
+        </a:graphic>
+      </p:graphicFrame>
+      <p:pic>
+        <p:nvPicPr>
+          <p:cNvPr id="26" name="그림 25">
+            <a:extLst>
+              <a:ext uri="{FF2B5EF4-FFF2-40B4-BE49-F238E27FC236}">
+                <a16:creationId xmlns:a16="http://schemas.microsoft.com/office/drawing/2014/main" id="{B4DC13B0-E47E-D3B2-3AF4-91203CFF3582}"/>
+              </a:ext>
+            </a:extLst>
+          </p:cNvPr>
+          <p:cNvPicPr>
+            <a:picLocks noChangeAspect="1"/>
+          </p:cNvPicPr>
+          <p:nvPr/>
+        </p:nvPicPr>
+        <p:blipFill rotWithShape="1">
+          <a:blip r:embed="rId4">
+            <a:extLst>
+              <a:ext uri="{28A0092B-C50C-407E-A947-70E740481C1C}">
+                <a14:useLocalDpi xmlns:a14="http://schemas.microsoft.com/office/drawing/2010/main" val="0"/>
+              </a:ext>
+            </a:extLst>
+          </a:blip>
+          <a:srcRect l="799" r="799"/>
+          <a:stretch/>
+        </p:blipFill>
+        <p:spPr>
+          <a:xfrm>
+            <a:off x="6638959" y="4604307"/>
+            <a:ext cx="1727607" cy="274320"/>
+          </a:xfrm>
+          <a:prstGeom prst="rect">
+            <a:avLst/>
+          </a:prstGeom>
+        </p:spPr>
+      </p:pic>
+      <p:sp>
+        <p:nvSpPr>
+          <p:cNvPr id="27" name="TextBox 26">
+            <a:extLst>
+              <a:ext uri="{FF2B5EF4-FFF2-40B4-BE49-F238E27FC236}">
+                <a16:creationId xmlns:a16="http://schemas.microsoft.com/office/drawing/2014/main" id="{A4E08F53-2213-6AFE-1180-B052F086A47E}"/>
+              </a:ext>
+            </a:extLst>
+          </p:cNvPr>
+          <p:cNvSpPr txBox="1"/>
+          <p:nvPr/>
+        </p:nvSpPr>
+        <p:spPr>
+          <a:xfrm>
+            <a:off x="6249867" y="4355609"/>
+            <a:ext cx="2068982" cy="246221"/>
+          </a:xfrm>
+          <a:prstGeom prst="rect">
+            <a:avLst/>
+          </a:prstGeom>
+          <a:noFill/>
+        </p:spPr>
+        <p:txBody>
+          <a:bodyPr wrap="square" rtlCol="0">
+            <a:spAutoFit/>
+          </a:bodyPr>
+          <a:lstStyle/>
+          <a:p>
+            <a:r>
+              <a:rPr lang="en-US" altLang="ko-KR" sz="1000" dirty="0"/>
+              <a:t>    0     1      2      3     4      5</a:t>
+            </a:r>
+            <a:endParaRPr lang="ko-KR" altLang="en-US" sz="1000" dirty="0"/>
+          </a:p>
+        </p:txBody>
+      </p:sp>
+      <p:pic>
+        <p:nvPicPr>
+          <p:cNvPr id="28" name="그림 27">
+            <a:extLst>
+              <a:ext uri="{FF2B5EF4-FFF2-40B4-BE49-F238E27FC236}">
+                <a16:creationId xmlns:a16="http://schemas.microsoft.com/office/drawing/2014/main" id="{2755EFDD-B086-9FE0-FA22-94E5C318F44C}"/>
+              </a:ext>
+            </a:extLst>
+          </p:cNvPr>
+          <p:cNvPicPr>
+            <a:picLocks noChangeAspect="1"/>
+          </p:cNvPicPr>
+          <p:nvPr/>
+        </p:nvPicPr>
+        <p:blipFill rotWithShape="1">
+          <a:blip r:embed="rId2"/>
+          <a:srcRect l="36546" t="53519" r="11292" b="36091"/>
+          <a:stretch>
+            <a:fillRect/>
+          </a:stretch>
+        </p:blipFill>
+        <p:spPr>
+          <a:xfrm>
+            <a:off x="6643126" y="4900924"/>
+            <a:ext cx="1727607" cy="274320"/>
+          </a:xfrm>
+          <a:prstGeom prst="rect">
+            <a:avLst/>
+          </a:prstGeom>
+        </p:spPr>
+      </p:pic>
+      <p:graphicFrame>
+        <p:nvGraphicFramePr>
+          <p:cNvPr id="29" name="표 28">
+            <a:extLst>
+              <a:ext uri="{FF2B5EF4-FFF2-40B4-BE49-F238E27FC236}">
+                <a16:creationId xmlns:a16="http://schemas.microsoft.com/office/drawing/2014/main" id="{19659E9F-609E-2602-756F-8B394EE1C00A}"/>
+              </a:ext>
+            </a:extLst>
+          </p:cNvPr>
+          <p:cNvGraphicFramePr>
+            <a:graphicFrameLocks noGrp="1"/>
+          </p:cNvGraphicFramePr>
+          <p:nvPr>
+            <p:extLst>
+              <p:ext uri="{D42A27DB-BD31-4B8C-83A1-F6EECF244321}">
+                <p14:modId xmlns:p14="http://schemas.microsoft.com/office/powerpoint/2010/main" val="2072997895"/>
+              </p:ext>
+            </p:extLst>
+          </p:nvPr>
+        </p:nvGraphicFramePr>
+        <p:xfrm>
+          <a:off x="6620577" y="5521223"/>
+          <a:ext cx="1740189" cy="287970"/>
+        </p:xfrm>
+        <a:graphic>
+          <a:graphicData uri="http://schemas.openxmlformats.org/drawingml/2006/table">
+            <a:tbl>
+              <a:tblPr firstRow="1" bandRow="1">
+                <a:tableStyleId>{5C22544A-7EE6-4342-B048-85BDC9FD1C3A}</a:tableStyleId>
+              </a:tblPr>
+              <a:tblGrid>
+                <a:gridCol w="580063">
+                  <a:extLst>
+                    <a:ext uri="{9D8B030D-6E8A-4147-A177-3AD203B41FA5}">
+                      <a16:colId xmlns:a16="http://schemas.microsoft.com/office/drawing/2014/main" val="865983756"/>
+                    </a:ext>
+                  </a:extLst>
+                </a:gridCol>
+                <a:gridCol w="580063">
+                  <a:extLst>
+                    <a:ext uri="{9D8B030D-6E8A-4147-A177-3AD203B41FA5}">
+                      <a16:colId xmlns:a16="http://schemas.microsoft.com/office/drawing/2014/main" val="807006515"/>
+                    </a:ext>
+                  </a:extLst>
+                </a:gridCol>
+                <a:gridCol w="580063">
+                  <a:extLst>
+                    <a:ext uri="{9D8B030D-6E8A-4147-A177-3AD203B41FA5}">
+                      <a16:colId xmlns:a16="http://schemas.microsoft.com/office/drawing/2014/main" val="1264006341"/>
+                    </a:ext>
+                  </a:extLst>
+                </a:gridCol>
+              </a:tblGrid>
+              <a:tr h="287970">
+                <a:tc>
+                  <a:txBody>
+                    <a:bodyPr/>
+                    <a:lstStyle/>
+                    <a:p>
+                      <a:pPr latinLnBrk="1"/>
+                      <a:r>
+                        <a:rPr lang="en-US" altLang="ko-KR" sz="1200" dirty="0"/>
+                        <a:t>{4,12}</a:t>
+                      </a:r>
+                      <a:endParaRPr lang="ko-KR" altLang="en-US" sz="1200" dirty="0"/>
+                    </a:p>
+                  </a:txBody>
+                  <a:tcPr>
+                    <a:solidFill>
+                      <a:srgbClr val="C00000"/>
+                    </a:solidFill>
+                  </a:tcPr>
+                </a:tc>
+                <a:tc>
+                  <a:txBody>
+                    <a:bodyPr/>
+                    <a:lstStyle/>
+                    <a:p>
+                      <a:pPr latinLnBrk="1"/>
+                      <a:r>
+                        <a:rPr lang="en-US" altLang="ko-KR" sz="1200" dirty="0"/>
+                        <a:t>{4,16}</a:t>
+                      </a:r>
+                      <a:endParaRPr lang="ko-KR" altLang="en-US" sz="1200" dirty="0"/>
+                    </a:p>
+                  </a:txBody>
+                  <a:tcPr/>
+                </a:tc>
+                <a:tc>
+                  <a:txBody>
+                    <a:bodyPr/>
+                    <a:lstStyle/>
+                    <a:p>
+                      <a:pPr latinLnBrk="1"/>
+                      <a:r>
+                        <a:rPr lang="en-US" altLang="ko-KR" sz="1200" dirty="0"/>
+                        <a:t>{5,23}</a:t>
+                      </a:r>
+                      <a:endParaRPr lang="ko-KR" altLang="en-US" sz="1200" dirty="0"/>
+                    </a:p>
+                  </a:txBody>
+                  <a:tcPr/>
+                </a:tc>
+                <a:extLst>
+                  <a:ext uri="{0D108BD9-81ED-4DB2-BD59-A6C34878D82A}">
+                    <a16:rowId xmlns:a16="http://schemas.microsoft.com/office/drawing/2014/main" val="3372211219"/>
+                  </a:ext>
+                </a:extLst>
+              </a:tr>
+            </a:tbl>
+          </a:graphicData>
+        </a:graphic>
+      </p:graphicFrame>
+      <p:sp>
+        <p:nvSpPr>
+          <p:cNvPr id="30" name="TextBox 29">
+            <a:extLst>
+              <a:ext uri="{FF2B5EF4-FFF2-40B4-BE49-F238E27FC236}">
+                <a16:creationId xmlns:a16="http://schemas.microsoft.com/office/drawing/2014/main" id="{680EC484-5DD3-25DA-0E99-C2C9038CC691}"/>
+              </a:ext>
+            </a:extLst>
+          </p:cNvPr>
+          <p:cNvSpPr txBox="1"/>
+          <p:nvPr/>
+        </p:nvSpPr>
+        <p:spPr>
+          <a:xfrm>
+            <a:off x="8370733" y="3973025"/>
+            <a:ext cx="689046" cy="276999"/>
+          </a:xfrm>
+          <a:prstGeom prst="rect">
+            <a:avLst/>
+          </a:prstGeom>
+          <a:noFill/>
+        </p:spPr>
+        <p:txBody>
+          <a:bodyPr wrap="square">
+            <a:spAutoFit/>
+          </a:bodyPr>
+          <a:lstStyle/>
+          <a:p>
+            <a:pPr latinLnBrk="1"/>
+            <a:r>
+              <a:rPr lang="en-US" altLang="ko-KR" sz="1200" dirty="0"/>
+              <a:t>{ 4,12 }</a:t>
+            </a:r>
+            <a:endParaRPr lang="ko-KR" altLang="en-US" sz="1200" dirty="0"/>
+          </a:p>
+        </p:txBody>
+      </p:sp>
+      <p:pic>
+        <p:nvPicPr>
+          <p:cNvPr id="31" name="그림 30">
+            <a:extLst>
+              <a:ext uri="{FF2B5EF4-FFF2-40B4-BE49-F238E27FC236}">
+                <a16:creationId xmlns:a16="http://schemas.microsoft.com/office/drawing/2014/main" id="{3E6BA36A-07EE-D0AB-AA95-4C6082C17342}"/>
+              </a:ext>
+            </a:extLst>
+          </p:cNvPr>
+          <p:cNvPicPr>
+            <a:picLocks noChangeAspect="1"/>
+          </p:cNvPicPr>
+          <p:nvPr/>
+        </p:nvPicPr>
+        <p:blipFill rotWithShape="1">
+          <a:blip r:embed="rId5">
+            <a:extLst>
+              <a:ext uri="{28A0092B-C50C-407E-A947-70E740481C1C}">
+                <a14:useLocalDpi xmlns:a14="http://schemas.microsoft.com/office/drawing/2010/main" val="0"/>
+              </a:ext>
+            </a:extLst>
+          </a:blip>
+          <a:srcRect l="799" r="799"/>
+          <a:stretch/>
+        </p:blipFill>
+        <p:spPr>
+          <a:xfrm>
+            <a:off x="8490392" y="4609634"/>
+            <a:ext cx="1727607" cy="274320"/>
+          </a:xfrm>
+          <a:prstGeom prst="rect">
+            <a:avLst/>
+          </a:prstGeom>
+        </p:spPr>
+      </p:pic>
+      <p:pic>
+        <p:nvPicPr>
+          <p:cNvPr id="32" name="그림 31">
+            <a:extLst>
+              <a:ext uri="{FF2B5EF4-FFF2-40B4-BE49-F238E27FC236}">
+                <a16:creationId xmlns:a16="http://schemas.microsoft.com/office/drawing/2014/main" id="{92B34250-4DF2-863A-003F-A9BB42418465}"/>
+              </a:ext>
+            </a:extLst>
+          </p:cNvPr>
+          <p:cNvPicPr>
+            <a:picLocks noChangeAspect="1"/>
+          </p:cNvPicPr>
+          <p:nvPr/>
+        </p:nvPicPr>
+        <p:blipFill rotWithShape="1">
+          <a:blip r:embed="rId2"/>
+          <a:srcRect l="36918" t="63945" r="10920" b="25665"/>
+          <a:stretch>
+            <a:fillRect/>
+          </a:stretch>
+        </p:blipFill>
+        <p:spPr>
+          <a:xfrm>
+            <a:off x="8490393" y="4903354"/>
+            <a:ext cx="1727607" cy="274320"/>
+          </a:xfrm>
+          <a:prstGeom prst="rect">
+            <a:avLst/>
+          </a:prstGeom>
+        </p:spPr>
+      </p:pic>
+      <p:graphicFrame>
+        <p:nvGraphicFramePr>
+          <p:cNvPr id="33" name="표 32">
+            <a:extLst>
+              <a:ext uri="{FF2B5EF4-FFF2-40B4-BE49-F238E27FC236}">
+                <a16:creationId xmlns:a16="http://schemas.microsoft.com/office/drawing/2014/main" id="{2CCE9CB7-86DE-9871-82BF-766B4396E752}"/>
+              </a:ext>
+            </a:extLst>
+          </p:cNvPr>
+          <p:cNvGraphicFramePr>
+            <a:graphicFrameLocks noGrp="1"/>
+          </p:cNvGraphicFramePr>
+          <p:nvPr>
+            <p:extLst>
+              <p:ext uri="{D42A27DB-BD31-4B8C-83A1-F6EECF244321}">
+                <p14:modId xmlns:p14="http://schemas.microsoft.com/office/powerpoint/2010/main" val="4120012939"/>
+              </p:ext>
+            </p:extLst>
+          </p:nvPr>
+        </p:nvGraphicFramePr>
+        <p:xfrm>
+          <a:off x="9005230" y="3953625"/>
+          <a:ext cx="1160126" cy="287970"/>
+        </p:xfrm>
+        <a:graphic>
+          <a:graphicData uri="http://schemas.openxmlformats.org/drawingml/2006/table">
+            <a:tbl>
+              <a:tblPr firstRow="1" bandRow="1">
+                <a:tableStyleId>{5C22544A-7EE6-4342-B048-85BDC9FD1C3A}</a:tableStyleId>
+              </a:tblPr>
+              <a:tblGrid>
+                <a:gridCol w="580063">
+                  <a:extLst>
+                    <a:ext uri="{9D8B030D-6E8A-4147-A177-3AD203B41FA5}">
+                      <a16:colId xmlns:a16="http://schemas.microsoft.com/office/drawing/2014/main" val="865983756"/>
+                    </a:ext>
+                  </a:extLst>
+                </a:gridCol>
+                <a:gridCol w="580063">
+                  <a:extLst>
+                    <a:ext uri="{9D8B030D-6E8A-4147-A177-3AD203B41FA5}">
+                      <a16:colId xmlns:a16="http://schemas.microsoft.com/office/drawing/2014/main" val="807006515"/>
+                    </a:ext>
+                  </a:extLst>
+                </a:gridCol>
+              </a:tblGrid>
+              <a:tr h="287970">
+                <a:tc>
+                  <a:txBody>
+                    <a:bodyPr/>
+                    <a:lstStyle/>
+                    <a:p>
+                      <a:pPr latinLnBrk="1"/>
+                      <a:r>
+                        <a:rPr lang="en-US" altLang="ko-KR" sz="1200" dirty="0"/>
+                        <a:t>{4,16}</a:t>
+                      </a:r>
+                      <a:endParaRPr lang="ko-KR" altLang="en-US" sz="1200" dirty="0"/>
+                    </a:p>
+                  </a:txBody>
+                  <a:tcPr>
+                    <a:solidFill>
+                      <a:srgbClr val="C00000"/>
+                    </a:solidFill>
+                  </a:tcPr>
+                </a:tc>
+                <a:tc>
+                  <a:txBody>
+                    <a:bodyPr/>
+                    <a:lstStyle/>
+                    <a:p>
+                      <a:pPr latinLnBrk="1"/>
+                      <a:r>
+                        <a:rPr lang="en-US" altLang="ko-KR" sz="1200" dirty="0"/>
+                        <a:t>{5,23}</a:t>
+                      </a:r>
+                      <a:endParaRPr lang="ko-KR" altLang="en-US" sz="1200" dirty="0"/>
+                    </a:p>
+                  </a:txBody>
+                  <a:tcPr/>
+                </a:tc>
+                <a:extLst>
+                  <a:ext uri="{0D108BD9-81ED-4DB2-BD59-A6C34878D82A}">
+                    <a16:rowId xmlns:a16="http://schemas.microsoft.com/office/drawing/2014/main" val="3372211219"/>
+                  </a:ext>
+                </a:extLst>
+              </a:tr>
+            </a:tbl>
+          </a:graphicData>
+        </a:graphic>
+      </p:graphicFrame>
+      <p:sp>
+        <p:nvSpPr>
+          <p:cNvPr id="34" name="TextBox 33">
+            <a:extLst>
+              <a:ext uri="{FF2B5EF4-FFF2-40B4-BE49-F238E27FC236}">
+                <a16:creationId xmlns:a16="http://schemas.microsoft.com/office/drawing/2014/main" id="{FEC84A87-BD10-5C23-2590-396D5875E1E7}"/>
+              </a:ext>
+            </a:extLst>
+          </p:cNvPr>
+          <p:cNvSpPr txBox="1"/>
+          <p:nvPr/>
+        </p:nvSpPr>
+        <p:spPr>
+          <a:xfrm>
+            <a:off x="8137573" y="4358603"/>
+            <a:ext cx="2068982" cy="246221"/>
+          </a:xfrm>
+          <a:prstGeom prst="rect">
+            <a:avLst/>
+          </a:prstGeom>
+          <a:noFill/>
+        </p:spPr>
+        <p:txBody>
+          <a:bodyPr wrap="square" rtlCol="0">
+            <a:spAutoFit/>
+          </a:bodyPr>
+          <a:lstStyle/>
+          <a:p>
+            <a:r>
+              <a:rPr lang="en-US" altLang="ko-KR" sz="1000" dirty="0"/>
+              <a:t>    0     1      2      3     4      5</a:t>
+            </a:r>
+            <a:endParaRPr lang="ko-KR" altLang="en-US" sz="1000" dirty="0"/>
+          </a:p>
+        </p:txBody>
+      </p:sp>
+      <p:graphicFrame>
+        <p:nvGraphicFramePr>
+          <p:cNvPr id="35" name="표 34">
+            <a:extLst>
+              <a:ext uri="{FF2B5EF4-FFF2-40B4-BE49-F238E27FC236}">
+                <a16:creationId xmlns:a16="http://schemas.microsoft.com/office/drawing/2014/main" id="{83C886EB-BCB4-D450-6097-4B0A26559019}"/>
+              </a:ext>
+            </a:extLst>
+          </p:cNvPr>
+          <p:cNvGraphicFramePr>
+            <a:graphicFrameLocks noGrp="1"/>
+          </p:cNvGraphicFramePr>
+          <p:nvPr>
+            <p:extLst>
+              <p:ext uri="{D42A27DB-BD31-4B8C-83A1-F6EECF244321}">
+                <p14:modId xmlns:p14="http://schemas.microsoft.com/office/powerpoint/2010/main" val="4103829225"/>
+              </p:ext>
+            </p:extLst>
+          </p:nvPr>
+        </p:nvGraphicFramePr>
+        <p:xfrm>
+          <a:off x="8567421" y="5496355"/>
+          <a:ext cx="2235024" cy="312837"/>
+        </p:xfrm>
+        <a:graphic>
+          <a:graphicData uri="http://schemas.openxmlformats.org/drawingml/2006/table">
+            <a:tbl>
+              <a:tblPr firstRow="1" bandRow="1">
+                <a:tableStyleId>{5C22544A-7EE6-4342-B048-85BDC9FD1C3A}</a:tableStyleId>
+              </a:tblPr>
+              <a:tblGrid>
+                <a:gridCol w="745008">
+                  <a:extLst>
+                    <a:ext uri="{9D8B030D-6E8A-4147-A177-3AD203B41FA5}">
+                      <a16:colId xmlns:a16="http://schemas.microsoft.com/office/drawing/2014/main" val="865983756"/>
+                    </a:ext>
+                  </a:extLst>
+                </a:gridCol>
+                <a:gridCol w="745008">
+                  <a:extLst>
+                    <a:ext uri="{9D8B030D-6E8A-4147-A177-3AD203B41FA5}">
+                      <a16:colId xmlns:a16="http://schemas.microsoft.com/office/drawing/2014/main" val="807006515"/>
+                    </a:ext>
+                  </a:extLst>
+                </a:gridCol>
+                <a:gridCol w="745008">
+                  <a:extLst>
+                    <a:ext uri="{9D8B030D-6E8A-4147-A177-3AD203B41FA5}">
+                      <a16:colId xmlns:a16="http://schemas.microsoft.com/office/drawing/2014/main" val="3316198644"/>
+                    </a:ext>
+                  </a:extLst>
+                </a:gridCol>
+              </a:tblGrid>
+              <a:tr h="312837">
+                <a:tc>
+                  <a:txBody>
+                    <a:bodyPr/>
+                    <a:lstStyle/>
+                    <a:p>
+                      <a:pPr latinLnBrk="1"/>
+                      <a:r>
+                        <a:rPr lang="en-US" altLang="ko-KR" sz="1200" dirty="0"/>
+                        <a:t>{5,14}</a:t>
+                      </a:r>
+                      <a:endParaRPr lang="ko-KR" altLang="en-US" sz="1200" dirty="0"/>
+                    </a:p>
+                  </a:txBody>
+                  <a:tcPr>
+                    <a:solidFill>
+                      <a:srgbClr val="C00000"/>
+                    </a:solidFill>
+                  </a:tcPr>
+                </a:tc>
+                <a:tc>
+                  <a:txBody>
+                    <a:bodyPr/>
+                    <a:lstStyle/>
+                    <a:p>
+                      <a:pPr latinLnBrk="1"/>
+                      <a:r>
+                        <a:rPr lang="en-US" altLang="ko-KR" sz="1200" dirty="0"/>
+                        <a:t>{4,16}</a:t>
+                      </a:r>
+                      <a:endParaRPr lang="ko-KR" altLang="en-US" sz="1200" dirty="0"/>
+                    </a:p>
+                  </a:txBody>
+                  <a:tcPr/>
+                </a:tc>
+                <a:tc>
+                  <a:txBody>
+                    <a:bodyPr/>
+                    <a:lstStyle/>
+                    <a:p>
+                      <a:pPr marL="0" marR="0" lvl="0" indent="0" algn="l" defTabSz="914400" rtl="0" eaLnBrk="1" fontAlgn="auto" latinLnBrk="1" hangingPunct="1">
+                        <a:lnSpc>
+                          <a:spcPct val="100000"/>
+                        </a:lnSpc>
+                        <a:spcBef>
+                          <a:spcPts val="0"/>
+                        </a:spcBef>
+                        <a:spcAft>
+                          <a:spcPts val="0"/>
+                        </a:spcAft>
+                        <a:buClrTx/>
+                        <a:buSzTx/>
+                        <a:buFontTx/>
+                        <a:buNone/>
+                        <a:tabLst/>
+                        <a:defRPr/>
+                      </a:pPr>
+                      <a:r>
+                        <a:rPr lang="en-US" altLang="ko-KR" sz="1200" dirty="0"/>
+                        <a:t>{5,23}</a:t>
+                      </a:r>
+                      <a:endParaRPr lang="ko-KR" altLang="en-US" sz="1200" dirty="0"/>
+                    </a:p>
+                  </a:txBody>
+                  <a:tcPr/>
+                </a:tc>
+                <a:extLst>
+                  <a:ext uri="{0D108BD9-81ED-4DB2-BD59-A6C34878D82A}">
+                    <a16:rowId xmlns:a16="http://schemas.microsoft.com/office/drawing/2014/main" val="3372211219"/>
+                  </a:ext>
+                </a:extLst>
+              </a:tr>
+            </a:tbl>
+          </a:graphicData>
+        </a:graphic>
+      </p:graphicFrame>
+      <p:cxnSp>
+        <p:nvCxnSpPr>
+          <p:cNvPr id="36" name="직선 연결선 35">
+            <a:extLst>
+              <a:ext uri="{FF2B5EF4-FFF2-40B4-BE49-F238E27FC236}">
+                <a16:creationId xmlns:a16="http://schemas.microsoft.com/office/drawing/2014/main" id="{2C0F1928-2B67-367A-C1EC-33DF194952A9}"/>
+              </a:ext>
+            </a:extLst>
+          </p:cNvPr>
+          <p:cNvCxnSpPr>
+            <a:cxnSpLocks/>
+          </p:cNvCxnSpPr>
+          <p:nvPr/>
+        </p:nvCxnSpPr>
+        <p:spPr>
+          <a:xfrm>
+            <a:off x="4560968" y="2925739"/>
+            <a:ext cx="0" cy="3141897"/>
+          </a:xfrm>
+          <a:prstGeom prst="line">
+            <a:avLst/>
+          </a:prstGeom>
+        </p:spPr>
+        <p:style>
+          <a:lnRef idx="1">
+            <a:schemeClr val="accent1"/>
+          </a:lnRef>
+          <a:fillRef idx="0">
+            <a:schemeClr val="accent1"/>
+          </a:fillRef>
+          <a:effectRef idx="0">
+            <a:schemeClr val="accent1"/>
+          </a:effectRef>
+          <a:fontRef idx="minor">
+            <a:schemeClr val="tx1"/>
+          </a:fontRef>
+        </p:style>
+      </p:cxnSp>
+      <p:cxnSp>
+        <p:nvCxnSpPr>
+          <p:cNvPr id="37" name="직선 연결선 36">
+            <a:extLst>
+              <a:ext uri="{FF2B5EF4-FFF2-40B4-BE49-F238E27FC236}">
+                <a16:creationId xmlns:a16="http://schemas.microsoft.com/office/drawing/2014/main" id="{BB7166A4-8923-C5C3-7347-82B45F57A087}"/>
+              </a:ext>
+            </a:extLst>
+          </p:cNvPr>
+          <p:cNvCxnSpPr>
+            <a:cxnSpLocks/>
+          </p:cNvCxnSpPr>
+          <p:nvPr/>
+        </p:nvCxnSpPr>
+        <p:spPr>
+          <a:xfrm>
+            <a:off x="6426979" y="2954318"/>
+            <a:ext cx="0" cy="3141897"/>
+          </a:xfrm>
+          <a:prstGeom prst="line">
+            <a:avLst/>
+          </a:prstGeom>
+        </p:spPr>
+        <p:style>
+          <a:lnRef idx="1">
+            <a:schemeClr val="accent1"/>
+          </a:lnRef>
+          <a:fillRef idx="0">
+            <a:schemeClr val="accent1"/>
+          </a:fillRef>
+          <a:effectRef idx="0">
+            <a:schemeClr val="accent1"/>
+          </a:effectRef>
+          <a:fontRef idx="minor">
+            <a:schemeClr val="tx1"/>
+          </a:fontRef>
+        </p:style>
+      </p:cxnSp>
+      <p:cxnSp>
+        <p:nvCxnSpPr>
+          <p:cNvPr id="38" name="직선 연결선 37">
+            <a:extLst>
+              <a:ext uri="{FF2B5EF4-FFF2-40B4-BE49-F238E27FC236}">
+                <a16:creationId xmlns:a16="http://schemas.microsoft.com/office/drawing/2014/main" id="{C600D6D1-2BE0-3444-4678-32F32DEE5141}"/>
+              </a:ext>
+            </a:extLst>
+          </p:cNvPr>
+          <p:cNvCxnSpPr>
+            <a:cxnSpLocks/>
+          </p:cNvCxnSpPr>
+          <p:nvPr/>
+        </p:nvCxnSpPr>
+        <p:spPr>
+          <a:xfrm>
+            <a:off x="8360766" y="2928918"/>
+            <a:ext cx="0" cy="3141897"/>
+          </a:xfrm>
+          <a:prstGeom prst="line">
+            <a:avLst/>
+          </a:prstGeom>
+        </p:spPr>
+        <p:style>
+          <a:lnRef idx="1">
+            <a:schemeClr val="accent1"/>
+          </a:lnRef>
+          <a:fillRef idx="0">
+            <a:schemeClr val="accent1"/>
+          </a:fillRef>
+          <a:effectRef idx="0">
+            <a:schemeClr val="accent1"/>
+          </a:effectRef>
+          <a:fontRef idx="minor">
+            <a:schemeClr val="tx1"/>
+          </a:fontRef>
+        </p:style>
+      </p:cxnSp>
+      <p:cxnSp>
+        <p:nvCxnSpPr>
+          <p:cNvPr id="41" name="직선 연결선 40">
+            <a:extLst>
+              <a:ext uri="{FF2B5EF4-FFF2-40B4-BE49-F238E27FC236}">
+                <a16:creationId xmlns:a16="http://schemas.microsoft.com/office/drawing/2014/main" id="{CCF7A6CB-88D9-9D4E-CA56-BDD3DBA8130A}"/>
+              </a:ext>
+            </a:extLst>
+          </p:cNvPr>
+          <p:cNvCxnSpPr>
+            <a:cxnSpLocks/>
+          </p:cNvCxnSpPr>
+          <p:nvPr/>
+        </p:nvCxnSpPr>
+        <p:spPr>
+          <a:xfrm>
+            <a:off x="2654047" y="2907770"/>
+            <a:ext cx="0" cy="3141897"/>
+          </a:xfrm>
+          <a:prstGeom prst="line">
+            <a:avLst/>
+          </a:prstGeom>
+        </p:spPr>
+        <p:style>
+          <a:lnRef idx="1">
+            <a:schemeClr val="accent1"/>
+          </a:lnRef>
+          <a:fillRef idx="0">
+            <a:schemeClr val="accent1"/>
+          </a:fillRef>
+          <a:effectRef idx="0">
+            <a:schemeClr val="accent1"/>
+          </a:effectRef>
+          <a:fontRef idx="minor">
+            <a:schemeClr val="tx1"/>
+          </a:fontRef>
+        </p:style>
+      </p:cxnSp>
+    </p:spTree>
+    <p:extLst>
+      <p:ext uri="{BB962C8B-B14F-4D97-AF65-F5344CB8AC3E}">
+        <p14:creationId xmlns:p14="http://schemas.microsoft.com/office/powerpoint/2010/main" val="2146020315"/>
+      </p:ext>
+    </p:extLst>
+  </p:cSld>
+  <p:clrMapOvr>
+    <a:masterClrMapping/>
+  </p:clrMapOvr>
+</p:sld>
+</file>
+
+<file path=ppt/slides/slide6.xml><?xml version="1.0" encoding="utf-8"?>
+<p:sld xmlns:a="http://schemas.openxmlformats.org/drawingml/2006/main" xmlns:r="http://schemas.openxmlformats.org/officeDocument/2006/relationships" xmlns:p="http://schemas.openxmlformats.org/presentationml/2006/main">
+  <p:cSld>
+    <p:spTree>
+      <p:nvGrpSpPr>
+        <p:cNvPr id="1" name=""/>
+        <p:cNvGrpSpPr/>
+        <p:nvPr/>
+      </p:nvGrpSpPr>
+      <p:grpSpPr>
+        <a:xfrm>
+          <a:off x="0" y="0"/>
+          <a:ext cx="0" cy="0"/>
+          <a:chOff x="0" y="0"/>
+          <a:chExt cx="0" cy="0"/>
+        </a:xfrm>
+      </p:grpSpPr>
+      <p:sp>
+        <p:nvSpPr>
+          <p:cNvPr id="2" name="제목 1">
+            <a:extLst>
+              <a:ext uri="{FF2B5EF4-FFF2-40B4-BE49-F238E27FC236}">
+                <a16:creationId xmlns:a16="http://schemas.microsoft.com/office/drawing/2014/main" id="{A9A498BF-557B-E7C6-D78A-A3C6BEA0A59A}"/>
+              </a:ext>
+            </a:extLst>
+          </p:cNvPr>
+          <p:cNvSpPr>
+            <a:spLocks noGrp="1"/>
+          </p:cNvSpPr>
+          <p:nvPr>
+            <p:ph type="title"/>
+          </p:nvPr>
+        </p:nvSpPr>
+        <p:spPr/>
+        <p:txBody>
+          <a:bodyPr/>
+          <a:lstStyle/>
+          <a:p>
+            <a:r>
+              <a:rPr lang="ko-KR" altLang="en-US" dirty="0"/>
+              <a:t>알고리즘 특징</a:t>
+            </a:r>
+          </a:p>
+        </p:txBody>
+      </p:sp>
+      <p:sp>
+        <p:nvSpPr>
+          <p:cNvPr id="3" name="TextBox 2">
+            <a:extLst>
+              <a:ext uri="{FF2B5EF4-FFF2-40B4-BE49-F238E27FC236}">
+                <a16:creationId xmlns:a16="http://schemas.microsoft.com/office/drawing/2014/main" id="{E3F25EE2-34C3-DB6E-28E0-10B02F57601C}"/>
+              </a:ext>
+            </a:extLst>
+          </p:cNvPr>
+          <p:cNvSpPr txBox="1"/>
+          <p:nvPr/>
+        </p:nvSpPr>
+        <p:spPr>
+          <a:xfrm>
+            <a:off x="517389" y="1821116"/>
+            <a:ext cx="11170026" cy="2585323"/>
+          </a:xfrm>
+          <a:prstGeom prst="rect">
+            <a:avLst/>
+          </a:prstGeom>
+          <a:noFill/>
+        </p:spPr>
+        <p:txBody>
+          <a:bodyPr wrap="square" rtlCol="0">
+            <a:spAutoFit/>
+          </a:bodyPr>
+          <a:lstStyle/>
+          <a:p>
+            <a:r>
+              <a:rPr lang="ko-KR" altLang="en-US" dirty="0"/>
+              <a:t> </a:t>
+            </a:r>
+            <a:r>
+              <a:rPr lang="ko-KR" altLang="en-US" dirty="0" err="1"/>
+              <a:t>다익스트라</a:t>
+            </a:r>
+            <a:r>
+              <a:rPr lang="ko-KR" altLang="en-US" dirty="0"/>
+              <a:t> 알고리즘은 방문 과정에서 누적된 거리와 인접 노드의 잠정 거리 값을 우선순위 큐에 저장하고</a:t>
+            </a:r>
+            <a:r>
+              <a:rPr lang="en-US" altLang="ko-KR" dirty="0"/>
+              <a:t>,</a:t>
+            </a:r>
+            <a:br>
+              <a:rPr lang="en-US" altLang="ko-KR" dirty="0"/>
+            </a:br>
+            <a:r>
+              <a:rPr lang="ko-KR" altLang="en-US" dirty="0"/>
+              <a:t>그중 누적 거리가 가장 작은 노드를 꺼내 방문함으로써 해당 노드의 최단 거리를 확정한다</a:t>
+            </a:r>
+            <a:r>
+              <a:rPr lang="en-US" altLang="ko-KR" dirty="0"/>
+              <a:t>.</a:t>
+            </a:r>
+          </a:p>
+          <a:p>
+            <a:r>
+              <a:rPr lang="ko-KR" altLang="en-US" dirty="0"/>
+              <a:t> </a:t>
+            </a:r>
+            <a:endParaRPr lang="en-US" altLang="ko-KR" dirty="0"/>
+          </a:p>
+          <a:p>
+            <a:r>
+              <a:rPr lang="ko-KR" altLang="en-US" dirty="0"/>
+              <a:t>이 알고리즘은 **모든 간선의 가중치가 </a:t>
+            </a:r>
+            <a:r>
+              <a:rPr lang="en-US" altLang="ko-KR" dirty="0"/>
+              <a:t>0 </a:t>
+            </a:r>
+            <a:r>
+              <a:rPr lang="ko-KR" altLang="en-US" dirty="0"/>
+              <a:t>이상</a:t>
+            </a:r>
+            <a:r>
+              <a:rPr lang="en-US" altLang="ko-KR" dirty="0"/>
+              <a:t>(≥ 0)**</a:t>
+            </a:r>
+            <a:r>
+              <a:rPr lang="ko-KR" altLang="en-US" dirty="0"/>
+              <a:t>이라는 조건하에만 동작하며</a:t>
+            </a:r>
+            <a:r>
+              <a:rPr lang="en-US" altLang="ko-KR" dirty="0"/>
+              <a:t>, </a:t>
+            </a:r>
+            <a:r>
+              <a:rPr lang="ko-KR" altLang="en-US" dirty="0"/>
+              <a:t>누적 거리가 항상 증가한다는 전제에서 탐욕적으로 최단 경로를 결정한다</a:t>
+            </a:r>
+            <a:r>
+              <a:rPr lang="en-US" altLang="ko-KR" dirty="0"/>
+              <a:t>.</a:t>
+            </a:r>
+          </a:p>
+          <a:p>
+            <a:r>
+              <a:rPr lang="ko-KR" altLang="en-US" dirty="0"/>
+              <a:t> </a:t>
+            </a:r>
+            <a:endParaRPr lang="en-US" altLang="ko-KR" dirty="0"/>
+          </a:p>
+          <a:p>
+            <a:r>
+              <a:rPr lang="ko-KR" altLang="en-US" dirty="0"/>
+              <a:t>그러나 </a:t>
+            </a:r>
+            <a:r>
+              <a:rPr lang="ko-KR" altLang="en-US" b="1" dirty="0"/>
+              <a:t>음수 가중치</a:t>
+            </a:r>
+            <a:r>
+              <a:rPr lang="ko-KR" altLang="en-US" dirty="0"/>
+              <a:t>가 존재하면 누적 거리가 줄어들 수 있어</a:t>
+            </a:r>
+            <a:r>
+              <a:rPr lang="en-US" altLang="ko-KR" dirty="0"/>
+              <a:t>, </a:t>
+            </a:r>
+            <a:r>
+              <a:rPr lang="ko-KR" altLang="en-US" dirty="0"/>
+              <a:t>최단 거리 배열에 이미 확정된 노드의 값이 다시 변경될 가능성이 생기며</a:t>
+            </a:r>
+            <a:r>
+              <a:rPr lang="en-US" altLang="ko-KR" dirty="0"/>
+              <a:t>, </a:t>
+            </a:r>
+            <a:r>
+              <a:rPr lang="ko-KR" altLang="en-US" dirty="0"/>
+              <a:t>이에 따라 이를 기반으로 계산된 누적 </a:t>
+            </a:r>
+            <a:r>
+              <a:rPr lang="ko-KR" altLang="en-US" dirty="0" err="1"/>
+              <a:t>거리값들이</a:t>
+            </a:r>
+            <a:r>
+              <a:rPr lang="ko-KR" altLang="en-US" dirty="0"/>
+              <a:t> 모두 무효화되어</a:t>
+            </a:r>
+            <a:br>
+              <a:rPr lang="ko-KR" altLang="en-US" dirty="0"/>
+            </a:br>
+            <a:r>
+              <a:rPr lang="ko-KR" altLang="en-US" b="1" dirty="0"/>
+              <a:t>누적 거리 계산을 전제로 한 알고리즘의 정당성이 붕괴된다</a:t>
+            </a:r>
+            <a:endParaRPr lang="en-US" altLang="ko-KR" dirty="0"/>
+          </a:p>
+        </p:txBody>
+      </p:sp>
+    </p:spTree>
+    <p:extLst>
+      <p:ext uri="{BB962C8B-B14F-4D97-AF65-F5344CB8AC3E}">
+        <p14:creationId xmlns:p14="http://schemas.microsoft.com/office/powerpoint/2010/main" val="101875498"/>
+      </p:ext>
+    </p:extLst>
+  </p:cSld>
+  <p:clrMapOvr>
+    <a:masterClrMapping/>
+  </p:clrMapOvr>
+</p:sld>
+</file>
+
+<file path=ppt/slides/slide7.xml><?xml version="1.0" encoding="utf-8"?>
+<p:sld xmlns:a="http://schemas.openxmlformats.org/drawingml/2006/main" xmlns:r="http://schemas.openxmlformats.org/officeDocument/2006/relationships" xmlns:p="http://schemas.openxmlformats.org/presentationml/2006/main">
+  <p:cSld>
+    <p:spTree>
+      <p:nvGrpSpPr>
+        <p:cNvPr id="1" name=""/>
+        <p:cNvGrpSpPr/>
+        <p:nvPr/>
+      </p:nvGrpSpPr>
+      <p:grpSpPr>
+        <a:xfrm>
+          <a:off x="0" y="0"/>
+          <a:ext cx="0" cy="0"/>
+          <a:chOff x="0" y="0"/>
+          <a:chExt cx="0" cy="0"/>
+        </a:xfrm>
+      </p:grpSpPr>
+      <p:sp>
+        <p:nvSpPr>
+          <p:cNvPr id="2" name="제목 1">
+            <a:extLst>
+              <a:ext uri="{FF2B5EF4-FFF2-40B4-BE49-F238E27FC236}">
                 <a16:creationId xmlns:a16="http://schemas.microsoft.com/office/drawing/2014/main" id="{19FEC808-A7F7-BBF5-E56F-74A9B07C7714}"/>
               </a:ext>
             </a:extLst>
@@ -5737,18 +9702,12 @@
           </a:p>
           <a:p>
             <a:r>
-              <a:rPr lang="ko-KR" altLang="en-US" dirty="0">
-                <a:hlinkClick r:id="rId2"/>
+              <a:rPr lang="en-US" altLang="ko-KR" dirty="0">
+                <a:hlinkClick r:id="rId5"/>
               </a:rPr>
-              <a:t>https://www.acmicpc.net/problem/1</a:t>
-            </a:r>
-            <a:r>
-              <a:rPr lang="en-US" altLang="ko-KR" dirty="0">
-                <a:hlinkClick r:id="rId2"/>
-              </a:rPr>
-              <a:t>753</a:t>
-            </a:r>
-            <a:endParaRPr lang="ko-KR" altLang="en-US" dirty="0"/>
+              <a:t>https://www.acmicpc.net/problem/1854</a:t>
+            </a:r>
+            <a:endParaRPr lang="en-US" altLang="ko-KR" dirty="0"/>
           </a:p>
           <a:p>
             <a:endParaRPr lang="ko-KR" altLang="en-US" dirty="0"/>
@@ -6061,4 +10020,319 @@
     </a:ext>
   </a:extLst>
 </a:theme>
+</file>
+
+<file path=ppt/theme/theme2.xml><?xml version="1.0" encoding="utf-8"?>
+<a:theme xmlns:a="http://schemas.openxmlformats.org/drawingml/2006/main" name="Office 테마">
+  <a:themeElements>
+    <a:clrScheme name="Office">
+      <a:dk1>
+        <a:sysClr val="windowText" lastClr="000000"/>
+      </a:dk1>
+      <a:lt1>
+        <a:sysClr val="window" lastClr="FFFFFF"/>
+      </a:lt1>
+      <a:dk2>
+        <a:srgbClr val="0E2841"/>
+      </a:dk2>
+      <a:lt2>
+        <a:srgbClr val="E8E8E8"/>
+      </a:lt2>
+      <a:accent1>
+        <a:srgbClr val="156082"/>
+      </a:accent1>
+      <a:accent2>
+        <a:srgbClr val="E97132"/>
+      </a:accent2>
+      <a:accent3>
+        <a:srgbClr val="196B24"/>
+      </a:accent3>
+      <a:accent4>
+        <a:srgbClr val="0F9ED5"/>
+      </a:accent4>
+      <a:accent5>
+        <a:srgbClr val="A02B93"/>
+      </a:accent5>
+      <a:accent6>
+        <a:srgbClr val="4EA72E"/>
+      </a:accent6>
+      <a:hlink>
+        <a:srgbClr val="467886"/>
+      </a:hlink>
+      <a:folHlink>
+        <a:srgbClr val="96607D"/>
+      </a:folHlink>
+    </a:clrScheme>
+    <a:fontScheme name="Office">
+      <a:majorFont>
+        <a:latin typeface="맑은 고딕" panose="02110004020202020204"/>
+        <a:ea typeface=""/>
+        <a:cs typeface=""/>
+        <a:font script="Jpan" typeface="游ゴシック Light"/>
+        <a:font script="Hang" typeface="맑은 고딕"/>
+        <a:font script="Hans" typeface="等线 Light"/>
+        <a:font script="Hant" typeface="新細明體"/>
+        <a:font script="Arab" typeface="Times New Roman"/>
+        <a:font script="Hebr" typeface="Times New Roman"/>
+        <a:font script="Thai" typeface="Angsana New"/>
+        <a:font script="Ethi" typeface="Nyala"/>
+        <a:font script="Beng" typeface="Vrinda"/>
+        <a:font script="Gujr" typeface="Shruti"/>
+        <a:font script="Khmr" typeface="MoolBoran"/>
+        <a:font script="Knda" typeface="Tunga"/>
+        <a:font script="Guru" typeface="Raavi"/>
+        <a:font script="Cans" typeface="Euphemia"/>
+        <a:font script="Cher" typeface="Plantagenet Cherokee"/>
+        <a:font script="Yiii" typeface="Microsoft Yi Baiti"/>
+        <a:font script="Tibt" typeface="Microsoft Himalaya"/>
+        <a:font script="Thaa" typeface="MV Boli"/>
+        <a:font script="Deva" typeface="Mangal"/>
+        <a:font script="Telu" typeface="Gautami"/>
+        <a:font script="Taml" typeface="Latha"/>
+        <a:font script="Syrc" typeface="Estrangelo Edessa"/>
+        <a:font script="Orya" typeface="Kalinga"/>
+        <a:font script="Mlym" typeface="Kartika"/>
+        <a:font script="Laoo" typeface="DokChampa"/>
+        <a:font script="Sinh" typeface="Iskoola Pota"/>
+        <a:font script="Mong" typeface="Mongolian Baiti"/>
+        <a:font script="Viet" typeface="Times New Roman"/>
+        <a:font script="Uigh" typeface="Microsoft Uighur"/>
+        <a:font script="Geor" typeface="Sylfaen"/>
+        <a:font script="Armn" typeface="Arial"/>
+        <a:font script="Bugi" typeface="Leelawadee UI"/>
+        <a:font script="Bopo" typeface="Microsoft JhengHei"/>
+        <a:font script="Java" typeface="Javanese Text"/>
+        <a:font script="Lisu" typeface="Segoe UI"/>
+        <a:font script="Mymr" typeface="Myanmar Text"/>
+        <a:font script="Nkoo" typeface="Ebrima"/>
+        <a:font script="Olck" typeface="Nirmala UI"/>
+        <a:font script="Osma" typeface="Ebrima"/>
+        <a:font script="Phag" typeface="Phagspa"/>
+        <a:font script="Syrn" typeface="Estrangelo Edessa"/>
+        <a:font script="Syrj" typeface="Estrangelo Edessa"/>
+        <a:font script="Syre" typeface="Estrangelo Edessa"/>
+        <a:font script="Sora" typeface="Nirmala UI"/>
+        <a:font script="Tale" typeface="Microsoft Tai Le"/>
+        <a:font script="Talu" typeface="Microsoft New Tai Lue"/>
+        <a:font script="Tfng" typeface="Ebrima"/>
+      </a:majorFont>
+      <a:minorFont>
+        <a:latin typeface="맑은 고딕" panose="02110004020202020204"/>
+        <a:ea typeface=""/>
+        <a:cs typeface=""/>
+        <a:font script="Jpan" typeface="游ゴシック"/>
+        <a:font script="Hang" typeface="맑은 고딕"/>
+        <a:font script="Hans" typeface="等线"/>
+        <a:font script="Hant" typeface="新細明體"/>
+        <a:font script="Arab" typeface="Arial"/>
+        <a:font script="Hebr" typeface="Arial"/>
+        <a:font script="Thai" typeface="Cordia New"/>
+        <a:font script="Ethi" typeface="Nyala"/>
+        <a:font script="Beng" typeface="Vrinda"/>
+        <a:font script="Gujr" typeface="Shruti"/>
+        <a:font script="Khmr" typeface="DaunPenh"/>
+        <a:font script="Knda" typeface="Tunga"/>
+        <a:font script="Guru" typeface="Raavi"/>
+        <a:font script="Cans" typeface="Euphemia"/>
+        <a:font script="Cher" typeface="Plantagenet Cherokee"/>
+        <a:font script="Yiii" typeface="Microsoft Yi Baiti"/>
+        <a:font script="Tibt" typeface="Microsoft Himalaya"/>
+        <a:font script="Thaa" typeface="MV Boli"/>
+        <a:font script="Deva" typeface="Mangal"/>
+        <a:font script="Telu" typeface="Gautami"/>
+        <a:font script="Taml" typeface="Latha"/>
+        <a:font script="Syrc" typeface="Estrangelo Edessa"/>
+        <a:font script="Orya" typeface="Kalinga"/>
+        <a:font script="Mlym" typeface="Kartika"/>
+        <a:font script="Laoo" typeface="DokChampa"/>
+        <a:font script="Sinh" typeface="Iskoola Pota"/>
+        <a:font script="Mong" typeface="Mongolian Baiti"/>
+        <a:font script="Viet" typeface="Arial"/>
+        <a:font script="Uigh" typeface="Microsoft Uighur"/>
+        <a:font script="Geor" typeface="Sylfaen"/>
+        <a:font script="Armn" typeface="Arial"/>
+        <a:font script="Bugi" typeface="Leelawadee UI"/>
+        <a:font script="Bopo" typeface="Microsoft JhengHei"/>
+        <a:font script="Java" typeface="Javanese Text"/>
+        <a:font script="Lisu" typeface="Segoe UI"/>
+        <a:font script="Mymr" typeface="Myanmar Text"/>
+        <a:font script="Nkoo" typeface="Ebrima"/>
+        <a:font script="Olck" typeface="Nirmala UI"/>
+        <a:font script="Osma" typeface="Ebrima"/>
+        <a:font script="Phag" typeface="Phagspa"/>
+        <a:font script="Syrn" typeface="Estrangelo Edessa"/>
+        <a:font script="Syrj" typeface="Estrangelo Edessa"/>
+        <a:font script="Syre" typeface="Estrangelo Edessa"/>
+        <a:font script="Sora" typeface="Nirmala UI"/>
+        <a:font script="Tale" typeface="Microsoft Tai Le"/>
+        <a:font script="Talu" typeface="Microsoft New Tai Lue"/>
+        <a:font script="Tfng" typeface="Ebrima"/>
+      </a:minorFont>
+    </a:fontScheme>
+    <a:fmtScheme name="Office">
+      <a:fillStyleLst>
+        <a:solidFill>
+          <a:schemeClr val="phClr"/>
+        </a:solidFill>
+        <a:gradFill rotWithShape="1">
+          <a:gsLst>
+            <a:gs pos="0">
+              <a:schemeClr val="phClr">
+                <a:lumMod val="110000"/>
+                <a:satMod val="105000"/>
+                <a:tint val="67000"/>
+              </a:schemeClr>
+            </a:gs>
+            <a:gs pos="50000">
+              <a:schemeClr val="phClr">
+                <a:lumMod val="105000"/>
+                <a:satMod val="103000"/>
+                <a:tint val="73000"/>
+              </a:schemeClr>
+            </a:gs>
+            <a:gs pos="100000">
+              <a:schemeClr val="phClr">
+                <a:lumMod val="105000"/>
+                <a:satMod val="109000"/>
+                <a:tint val="81000"/>
+              </a:schemeClr>
+            </a:gs>
+          </a:gsLst>
+          <a:lin ang="5400000" scaled="0"/>
+        </a:gradFill>
+        <a:gradFill rotWithShape="1">
+          <a:gsLst>
+            <a:gs pos="0">
+              <a:schemeClr val="phClr">
+                <a:satMod val="103000"/>
+                <a:lumMod val="102000"/>
+                <a:tint val="94000"/>
+              </a:schemeClr>
+            </a:gs>
+            <a:gs pos="50000">
+              <a:schemeClr val="phClr">
+                <a:satMod val="110000"/>
+                <a:lumMod val="100000"/>
+                <a:shade val="100000"/>
+              </a:schemeClr>
+            </a:gs>
+            <a:gs pos="100000">
+              <a:schemeClr val="phClr">
+                <a:lumMod val="99000"/>
+                <a:satMod val="120000"/>
+                <a:shade val="78000"/>
+              </a:schemeClr>
+            </a:gs>
+          </a:gsLst>
+          <a:lin ang="5400000" scaled="0"/>
+        </a:gradFill>
+      </a:fillStyleLst>
+      <a:lnStyleLst>
+        <a:ln w="12700" cap="flat" cmpd="sng" algn="ctr">
+          <a:solidFill>
+            <a:schemeClr val="phClr"/>
+          </a:solidFill>
+          <a:prstDash val="solid"/>
+          <a:miter lim="800000"/>
+        </a:ln>
+        <a:ln w="19050" cap="flat" cmpd="sng" algn="ctr">
+          <a:solidFill>
+            <a:schemeClr val="phClr"/>
+          </a:solidFill>
+          <a:prstDash val="solid"/>
+          <a:miter lim="800000"/>
+        </a:ln>
+        <a:ln w="25400" cap="flat" cmpd="sng" algn="ctr">
+          <a:solidFill>
+            <a:schemeClr val="phClr"/>
+          </a:solidFill>
+          <a:prstDash val="solid"/>
+          <a:miter lim="800000"/>
+        </a:ln>
+      </a:lnStyleLst>
+      <a:effectStyleLst>
+        <a:effectStyle>
+          <a:effectLst/>
+        </a:effectStyle>
+        <a:effectStyle>
+          <a:effectLst/>
+        </a:effectStyle>
+        <a:effectStyle>
+          <a:effectLst>
+            <a:outerShdw blurRad="57150" dist="19050" dir="5400000" algn="ctr" rotWithShape="0">
+              <a:srgbClr val="000000">
+                <a:alpha val="63000"/>
+              </a:srgbClr>
+            </a:outerShdw>
+          </a:effectLst>
+        </a:effectStyle>
+      </a:effectStyleLst>
+      <a:bgFillStyleLst>
+        <a:solidFill>
+          <a:schemeClr val="phClr"/>
+        </a:solidFill>
+        <a:solidFill>
+          <a:schemeClr val="phClr">
+            <a:tint val="95000"/>
+            <a:satMod val="170000"/>
+          </a:schemeClr>
+        </a:solidFill>
+        <a:gradFill rotWithShape="1">
+          <a:gsLst>
+            <a:gs pos="0">
+              <a:schemeClr val="phClr">
+                <a:tint val="93000"/>
+                <a:satMod val="150000"/>
+                <a:shade val="98000"/>
+                <a:lumMod val="102000"/>
+              </a:schemeClr>
+            </a:gs>
+            <a:gs pos="50000">
+              <a:schemeClr val="phClr">
+                <a:tint val="98000"/>
+                <a:satMod val="130000"/>
+                <a:shade val="90000"/>
+                <a:lumMod val="103000"/>
+              </a:schemeClr>
+            </a:gs>
+            <a:gs pos="100000">
+              <a:schemeClr val="phClr">
+                <a:shade val="63000"/>
+                <a:satMod val="120000"/>
+              </a:schemeClr>
+            </a:gs>
+          </a:gsLst>
+          <a:lin ang="5400000" scaled="0"/>
+        </a:gradFill>
+      </a:bgFillStyleLst>
+    </a:fmtScheme>
+  </a:themeElements>
+  <a:objectDefaults>
+    <a:lnDef>
+      <a:spPr/>
+      <a:bodyPr/>
+      <a:lstStyle/>
+      <a:style>
+        <a:lnRef idx="2">
+          <a:schemeClr val="accent1"/>
+        </a:lnRef>
+        <a:fillRef idx="0">
+          <a:schemeClr val="accent1"/>
+        </a:fillRef>
+        <a:effectRef idx="1">
+          <a:schemeClr val="accent1"/>
+        </a:effectRef>
+        <a:fontRef idx="minor">
+          <a:schemeClr val="tx1"/>
+        </a:fontRef>
+      </a:style>
+    </a:lnDef>
+  </a:objectDefaults>
+  <a:extraClrSchemeLst/>
+  <a:extLst>
+    <a:ext uri="{05A4C25C-085E-4340-85A3-A5531E510DB2}">
+      <thm15:themeFamily xmlns:thm15="http://schemas.microsoft.com/office/thememl/2012/main" name="Office Theme" id="{2E142A2C-CD16-42D6-873A-C26D2A0506FA}" vid="{1BDDFF52-6CD6-40A5-AB3C-68EB2F1E4D0A}"/>
+    </a:ext>
+  </a:extLst>
+</a:theme>
 </file>
--- a/Documents/8 그래프 II - 다익스트라.pptx
+++ b/Documents/8 그래프 II - 다익스트라.pptx
@@ -203,7 +203,7 @@
           <a:p>
             <a:fld id="{19079EEA-800C-4529-928A-535A0E676C6E}" type="datetimeFigureOut">
               <a:rPr lang="ko-KR" altLang="en-US" smtClean="0"/>
-              <a:t>2025-10-16</a:t>
+              <a:t>2025-10-17</a:t>
             </a:fld>
             <a:endParaRPr lang="ko-KR" altLang="en-US"/>
           </a:p>
@@ -701,7 +701,7 @@
           <a:p>
             <a:fld id="{65A9B928-B926-4726-B925-8AA4FF17755D}" type="datetimeFigureOut">
               <a:rPr lang="ko-KR" altLang="en-US" smtClean="0"/>
-              <a:t>2025-10-16</a:t>
+              <a:t>2025-10-17</a:t>
             </a:fld>
             <a:endParaRPr lang="ko-KR" altLang="en-US"/>
           </a:p>
@@ -899,7 +899,7 @@
           <a:p>
             <a:fld id="{65A9B928-B926-4726-B925-8AA4FF17755D}" type="datetimeFigureOut">
               <a:rPr lang="ko-KR" altLang="en-US" smtClean="0"/>
-              <a:t>2025-10-16</a:t>
+              <a:t>2025-10-17</a:t>
             </a:fld>
             <a:endParaRPr lang="ko-KR" altLang="en-US"/>
           </a:p>
@@ -1107,7 +1107,7 @@
           <a:p>
             <a:fld id="{65A9B928-B926-4726-B925-8AA4FF17755D}" type="datetimeFigureOut">
               <a:rPr lang="ko-KR" altLang="en-US" smtClean="0"/>
-              <a:t>2025-10-16</a:t>
+              <a:t>2025-10-17</a:t>
             </a:fld>
             <a:endParaRPr lang="ko-KR" altLang="en-US"/>
           </a:p>
@@ -1305,7 +1305,7 @@
           <a:p>
             <a:fld id="{65A9B928-B926-4726-B925-8AA4FF17755D}" type="datetimeFigureOut">
               <a:rPr lang="ko-KR" altLang="en-US" smtClean="0"/>
-              <a:t>2025-10-16</a:t>
+              <a:t>2025-10-17</a:t>
             </a:fld>
             <a:endParaRPr lang="ko-KR" altLang="en-US"/>
           </a:p>
@@ -1580,7 +1580,7 @@
           <a:p>
             <a:fld id="{65A9B928-B926-4726-B925-8AA4FF17755D}" type="datetimeFigureOut">
               <a:rPr lang="ko-KR" altLang="en-US" smtClean="0"/>
-              <a:t>2025-10-16</a:t>
+              <a:t>2025-10-17</a:t>
             </a:fld>
             <a:endParaRPr lang="ko-KR" altLang="en-US"/>
           </a:p>
@@ -1845,7 +1845,7 @@
           <a:p>
             <a:fld id="{65A9B928-B926-4726-B925-8AA4FF17755D}" type="datetimeFigureOut">
               <a:rPr lang="ko-KR" altLang="en-US" smtClean="0"/>
-              <a:t>2025-10-16</a:t>
+              <a:t>2025-10-17</a:t>
             </a:fld>
             <a:endParaRPr lang="ko-KR" altLang="en-US"/>
           </a:p>
@@ -2257,7 +2257,7 @@
           <a:p>
             <a:fld id="{65A9B928-B926-4726-B925-8AA4FF17755D}" type="datetimeFigureOut">
               <a:rPr lang="ko-KR" altLang="en-US" smtClean="0"/>
-              <a:t>2025-10-16</a:t>
+              <a:t>2025-10-17</a:t>
             </a:fld>
             <a:endParaRPr lang="ko-KR" altLang="en-US"/>
           </a:p>
@@ -2398,7 +2398,7 @@
           <a:p>
             <a:fld id="{65A9B928-B926-4726-B925-8AA4FF17755D}" type="datetimeFigureOut">
               <a:rPr lang="ko-KR" altLang="en-US" smtClean="0"/>
-              <a:t>2025-10-16</a:t>
+              <a:t>2025-10-17</a:t>
             </a:fld>
             <a:endParaRPr lang="ko-KR" altLang="en-US"/>
           </a:p>
@@ -2511,7 +2511,7 @@
           <a:p>
             <a:fld id="{65A9B928-B926-4726-B925-8AA4FF17755D}" type="datetimeFigureOut">
               <a:rPr lang="ko-KR" altLang="en-US" smtClean="0"/>
-              <a:t>2025-10-16</a:t>
+              <a:t>2025-10-17</a:t>
             </a:fld>
             <a:endParaRPr lang="ko-KR" altLang="en-US"/>
           </a:p>
@@ -2822,7 +2822,7 @@
           <a:p>
             <a:fld id="{65A9B928-B926-4726-B925-8AA4FF17755D}" type="datetimeFigureOut">
               <a:rPr lang="ko-KR" altLang="en-US" smtClean="0"/>
-              <a:t>2025-10-16</a:t>
+              <a:t>2025-10-17</a:t>
             </a:fld>
             <a:endParaRPr lang="ko-KR" altLang="en-US"/>
           </a:p>
@@ -3110,7 +3110,7 @@
           <a:p>
             <a:fld id="{65A9B928-B926-4726-B925-8AA4FF17755D}" type="datetimeFigureOut">
               <a:rPr lang="ko-KR" altLang="en-US" smtClean="0"/>
-              <a:t>2025-10-16</a:t>
+              <a:t>2025-10-17</a:t>
             </a:fld>
             <a:endParaRPr lang="ko-KR" altLang="en-US"/>
           </a:p>
@@ -3351,7 +3351,7 @@
           <a:p>
             <a:fld id="{65A9B928-B926-4726-B925-8AA4FF17755D}" type="datetimeFigureOut">
               <a:rPr lang="ko-KR" altLang="en-US" smtClean="0"/>
-              <a:t>2025-10-16</a:t>
+              <a:t>2025-10-17</a:t>
             </a:fld>
             <a:endParaRPr lang="ko-KR" altLang="en-US"/>
           </a:p>
@@ -9532,6 +9532,567 @@
           </a:p>
         </p:txBody>
       </p:sp>
+      <p:sp>
+        <p:nvSpPr>
+          <p:cNvPr id="5" name="타원 4">
+            <a:extLst>
+              <a:ext uri="{FF2B5EF4-FFF2-40B4-BE49-F238E27FC236}">
+                <a16:creationId xmlns:a16="http://schemas.microsoft.com/office/drawing/2014/main" id="{0E85B9AE-AEBB-C2D8-26A2-7F7C6C979F18}"/>
+              </a:ext>
+            </a:extLst>
+          </p:cNvPr>
+          <p:cNvSpPr/>
+          <p:nvPr/>
+        </p:nvSpPr>
+        <p:spPr>
+          <a:xfrm>
+            <a:off x="1751960" y="5424928"/>
+            <a:ext cx="461042" cy="437990"/>
+          </a:xfrm>
+          <a:prstGeom prst="ellipse">
+            <a:avLst/>
+          </a:prstGeom>
+        </p:spPr>
+        <p:style>
+          <a:lnRef idx="2">
+            <a:schemeClr val="accent1">
+              <a:shade val="15000"/>
+            </a:schemeClr>
+          </a:lnRef>
+          <a:fillRef idx="1">
+            <a:schemeClr val="accent1"/>
+          </a:fillRef>
+          <a:effectRef idx="0">
+            <a:schemeClr val="accent1"/>
+          </a:effectRef>
+          <a:fontRef idx="minor">
+            <a:schemeClr val="lt1"/>
+          </a:fontRef>
+        </p:style>
+        <p:txBody>
+          <a:bodyPr rtlCol="0" anchor="ctr"/>
+          <a:lstStyle/>
+          <a:p>
+            <a:pPr algn="ctr"/>
+            <a:r>
+              <a:rPr lang="en-US" altLang="ko-KR" dirty="0"/>
+              <a:t>1</a:t>
+            </a:r>
+            <a:endParaRPr lang="ko-KR" altLang="en-US" dirty="0"/>
+          </a:p>
+        </p:txBody>
+      </p:sp>
+      <p:sp>
+        <p:nvSpPr>
+          <p:cNvPr id="7" name="타원 6">
+            <a:extLst>
+              <a:ext uri="{FF2B5EF4-FFF2-40B4-BE49-F238E27FC236}">
+                <a16:creationId xmlns:a16="http://schemas.microsoft.com/office/drawing/2014/main" id="{BD01EBBC-D1C4-D9AA-3946-9F7A4F428494}"/>
+              </a:ext>
+            </a:extLst>
+          </p:cNvPr>
+          <p:cNvSpPr/>
+          <p:nvPr/>
+        </p:nvSpPr>
+        <p:spPr>
+          <a:xfrm>
+            <a:off x="4801240" y="5424928"/>
+            <a:ext cx="461042" cy="437990"/>
+          </a:xfrm>
+          <a:prstGeom prst="ellipse">
+            <a:avLst/>
+          </a:prstGeom>
+        </p:spPr>
+        <p:style>
+          <a:lnRef idx="2">
+            <a:schemeClr val="accent1">
+              <a:shade val="15000"/>
+            </a:schemeClr>
+          </a:lnRef>
+          <a:fillRef idx="1">
+            <a:schemeClr val="accent1"/>
+          </a:fillRef>
+          <a:effectRef idx="0">
+            <a:schemeClr val="accent1"/>
+          </a:effectRef>
+          <a:fontRef idx="minor">
+            <a:schemeClr val="lt1"/>
+          </a:fontRef>
+        </p:style>
+        <p:txBody>
+          <a:bodyPr rtlCol="0" anchor="ctr"/>
+          <a:lstStyle/>
+          <a:p>
+            <a:pPr algn="ctr"/>
+            <a:r>
+              <a:rPr lang="en-US" altLang="ko-KR" dirty="0"/>
+              <a:t>2</a:t>
+            </a:r>
+            <a:endParaRPr lang="ko-KR" altLang="en-US" dirty="0"/>
+          </a:p>
+        </p:txBody>
+      </p:sp>
+      <p:sp>
+        <p:nvSpPr>
+          <p:cNvPr id="8" name="타원 7">
+            <a:extLst>
+              <a:ext uri="{FF2B5EF4-FFF2-40B4-BE49-F238E27FC236}">
+                <a16:creationId xmlns:a16="http://schemas.microsoft.com/office/drawing/2014/main" id="{F98F6400-12E4-CC15-17B4-0F1E9854CF1C}"/>
+              </a:ext>
+            </a:extLst>
+          </p:cNvPr>
+          <p:cNvSpPr/>
+          <p:nvPr/>
+        </p:nvSpPr>
+        <p:spPr>
+          <a:xfrm>
+            <a:off x="3155576" y="6081913"/>
+            <a:ext cx="461042" cy="437990"/>
+          </a:xfrm>
+          <a:prstGeom prst="ellipse">
+            <a:avLst/>
+          </a:prstGeom>
+        </p:spPr>
+        <p:style>
+          <a:lnRef idx="2">
+            <a:schemeClr val="accent1">
+              <a:shade val="15000"/>
+            </a:schemeClr>
+          </a:lnRef>
+          <a:fillRef idx="1">
+            <a:schemeClr val="accent1"/>
+          </a:fillRef>
+          <a:effectRef idx="0">
+            <a:schemeClr val="accent1"/>
+          </a:effectRef>
+          <a:fontRef idx="minor">
+            <a:schemeClr val="lt1"/>
+          </a:fontRef>
+        </p:style>
+        <p:txBody>
+          <a:bodyPr rtlCol="0" anchor="ctr"/>
+          <a:lstStyle/>
+          <a:p>
+            <a:pPr algn="ctr"/>
+            <a:r>
+              <a:rPr lang="en-US" altLang="ko-KR" dirty="0"/>
+              <a:t>3</a:t>
+            </a:r>
+            <a:endParaRPr lang="ko-KR" altLang="en-US" dirty="0"/>
+          </a:p>
+        </p:txBody>
+      </p:sp>
+      <p:cxnSp>
+        <p:nvCxnSpPr>
+          <p:cNvPr id="10" name="직선 화살표 연결선 9">
+            <a:extLst>
+              <a:ext uri="{FF2B5EF4-FFF2-40B4-BE49-F238E27FC236}">
+                <a16:creationId xmlns:a16="http://schemas.microsoft.com/office/drawing/2014/main" id="{48288930-9336-EA6E-3BDA-9FD1EEE07EEE}"/>
+              </a:ext>
+            </a:extLst>
+          </p:cNvPr>
+          <p:cNvCxnSpPr>
+            <a:stCxn id="5" idx="6"/>
+            <a:endCxn id="7" idx="2"/>
+          </p:cNvCxnSpPr>
+          <p:nvPr/>
+        </p:nvCxnSpPr>
+        <p:spPr>
+          <a:xfrm>
+            <a:off x="2213002" y="5643923"/>
+            <a:ext cx="2588238" cy="0"/>
+          </a:xfrm>
+          <a:prstGeom prst="straightConnector1">
+            <a:avLst/>
+          </a:prstGeom>
+          <a:ln>
+            <a:tailEnd type="triangle"/>
+          </a:ln>
+        </p:spPr>
+        <p:style>
+          <a:lnRef idx="1">
+            <a:schemeClr val="accent1"/>
+          </a:lnRef>
+          <a:fillRef idx="0">
+            <a:schemeClr val="accent1"/>
+          </a:fillRef>
+          <a:effectRef idx="0">
+            <a:schemeClr val="accent1"/>
+          </a:effectRef>
+          <a:fontRef idx="minor">
+            <a:schemeClr val="tx1"/>
+          </a:fontRef>
+        </p:style>
+      </p:cxnSp>
+      <p:cxnSp>
+        <p:nvCxnSpPr>
+          <p:cNvPr id="11" name="직선 화살표 연결선 10">
+            <a:extLst>
+              <a:ext uri="{FF2B5EF4-FFF2-40B4-BE49-F238E27FC236}">
+                <a16:creationId xmlns:a16="http://schemas.microsoft.com/office/drawing/2014/main" id="{6C9E8968-7631-54FD-9200-026EA77DA884}"/>
+              </a:ext>
+            </a:extLst>
+          </p:cNvPr>
+          <p:cNvCxnSpPr>
+            <a:cxnSpLocks/>
+            <a:stCxn id="5" idx="5"/>
+            <a:endCxn id="8" idx="2"/>
+          </p:cNvCxnSpPr>
+          <p:nvPr/>
+        </p:nvCxnSpPr>
+        <p:spPr>
+          <a:xfrm>
+            <a:off x="2145484" y="5798776"/>
+            <a:ext cx="1010092" cy="502132"/>
+          </a:xfrm>
+          <a:prstGeom prst="straightConnector1">
+            <a:avLst/>
+          </a:prstGeom>
+          <a:ln>
+            <a:tailEnd type="triangle"/>
+          </a:ln>
+        </p:spPr>
+        <p:style>
+          <a:lnRef idx="1">
+            <a:schemeClr val="accent1"/>
+          </a:lnRef>
+          <a:fillRef idx="0">
+            <a:schemeClr val="accent1"/>
+          </a:fillRef>
+          <a:effectRef idx="0">
+            <a:schemeClr val="accent1"/>
+          </a:effectRef>
+          <a:fontRef idx="minor">
+            <a:schemeClr val="tx1"/>
+          </a:fontRef>
+        </p:style>
+      </p:cxnSp>
+      <p:cxnSp>
+        <p:nvCxnSpPr>
+          <p:cNvPr id="14" name="직선 화살표 연결선 13">
+            <a:extLst>
+              <a:ext uri="{FF2B5EF4-FFF2-40B4-BE49-F238E27FC236}">
+                <a16:creationId xmlns:a16="http://schemas.microsoft.com/office/drawing/2014/main" id="{253B5DBE-4F9A-0122-0AA8-EC3B257362FB}"/>
+              </a:ext>
+            </a:extLst>
+          </p:cNvPr>
+          <p:cNvCxnSpPr>
+            <a:cxnSpLocks/>
+            <a:stCxn id="8" idx="6"/>
+            <a:endCxn id="7" idx="3"/>
+          </p:cNvCxnSpPr>
+          <p:nvPr/>
+        </p:nvCxnSpPr>
+        <p:spPr>
+          <a:xfrm flipV="1">
+            <a:off x="3616618" y="5798776"/>
+            <a:ext cx="1252140" cy="502132"/>
+          </a:xfrm>
+          <a:prstGeom prst="straightConnector1">
+            <a:avLst/>
+          </a:prstGeom>
+          <a:ln>
+            <a:tailEnd type="triangle"/>
+          </a:ln>
+        </p:spPr>
+        <p:style>
+          <a:lnRef idx="1">
+            <a:schemeClr val="accent1"/>
+          </a:lnRef>
+          <a:fillRef idx="0">
+            <a:schemeClr val="accent1"/>
+          </a:fillRef>
+          <a:effectRef idx="0">
+            <a:schemeClr val="accent1"/>
+          </a:effectRef>
+          <a:fontRef idx="minor">
+            <a:schemeClr val="tx1"/>
+          </a:fontRef>
+        </p:style>
+      </p:cxnSp>
+      <p:sp>
+        <p:nvSpPr>
+          <p:cNvPr id="21" name="TextBox 20">
+            <a:extLst>
+              <a:ext uri="{FF2B5EF4-FFF2-40B4-BE49-F238E27FC236}">
+                <a16:creationId xmlns:a16="http://schemas.microsoft.com/office/drawing/2014/main" id="{2C5AD18A-F8D3-976E-88C5-B6322BD7ACEC}"/>
+              </a:ext>
+            </a:extLst>
+          </p:cNvPr>
+          <p:cNvSpPr txBox="1"/>
+          <p:nvPr/>
+        </p:nvSpPr>
+        <p:spPr>
+          <a:xfrm>
+            <a:off x="3351469" y="5274591"/>
+            <a:ext cx="311304" cy="369332"/>
+          </a:xfrm>
+          <a:prstGeom prst="rect">
+            <a:avLst/>
+          </a:prstGeom>
+          <a:noFill/>
+        </p:spPr>
+        <p:txBody>
+          <a:bodyPr wrap="none" rtlCol="0">
+            <a:spAutoFit/>
+          </a:bodyPr>
+          <a:lstStyle/>
+          <a:p>
+            <a:r>
+              <a:rPr lang="en-US" altLang="ko-KR" dirty="0"/>
+              <a:t>5</a:t>
+            </a:r>
+            <a:endParaRPr lang="ko-KR" altLang="en-US" dirty="0"/>
+          </a:p>
+        </p:txBody>
+      </p:sp>
+      <p:sp>
+        <p:nvSpPr>
+          <p:cNvPr id="22" name="TextBox 21">
+            <a:extLst>
+              <a:ext uri="{FF2B5EF4-FFF2-40B4-BE49-F238E27FC236}">
+                <a16:creationId xmlns:a16="http://schemas.microsoft.com/office/drawing/2014/main" id="{4D88A2AC-AECA-C496-24B9-6E851F1400F7}"/>
+              </a:ext>
+            </a:extLst>
+          </p:cNvPr>
+          <p:cNvSpPr txBox="1"/>
+          <p:nvPr/>
+        </p:nvSpPr>
+        <p:spPr>
+          <a:xfrm>
+            <a:off x="2339226" y="6081913"/>
+            <a:ext cx="311304" cy="369332"/>
+          </a:xfrm>
+          <a:prstGeom prst="rect">
+            <a:avLst/>
+          </a:prstGeom>
+          <a:noFill/>
+        </p:spPr>
+        <p:txBody>
+          <a:bodyPr wrap="none" rtlCol="0">
+            <a:spAutoFit/>
+          </a:bodyPr>
+          <a:lstStyle/>
+          <a:p>
+            <a:r>
+              <a:rPr lang="en-US" altLang="ko-KR" dirty="0"/>
+              <a:t>7</a:t>
+            </a:r>
+            <a:endParaRPr lang="ko-KR" altLang="en-US" dirty="0"/>
+          </a:p>
+        </p:txBody>
+      </p:sp>
+      <p:sp>
+        <p:nvSpPr>
+          <p:cNvPr id="23" name="TextBox 22">
+            <a:extLst>
+              <a:ext uri="{FF2B5EF4-FFF2-40B4-BE49-F238E27FC236}">
+                <a16:creationId xmlns:a16="http://schemas.microsoft.com/office/drawing/2014/main" id="{3CA076F2-5C9C-351B-AEDC-308CF4C57E56}"/>
+              </a:ext>
+            </a:extLst>
+          </p:cNvPr>
+          <p:cNvSpPr txBox="1"/>
+          <p:nvPr/>
+        </p:nvSpPr>
+        <p:spPr>
+          <a:xfrm>
+            <a:off x="4242688" y="6081913"/>
+            <a:ext cx="532518" cy="369332"/>
+          </a:xfrm>
+          <a:prstGeom prst="rect">
+            <a:avLst/>
+          </a:prstGeom>
+          <a:noFill/>
+        </p:spPr>
+        <p:txBody>
+          <a:bodyPr wrap="none" rtlCol="0">
+            <a:spAutoFit/>
+          </a:bodyPr>
+          <a:lstStyle/>
+          <a:p>
+            <a:r>
+              <a:rPr lang="en-US" altLang="ko-KR" dirty="0"/>
+              <a:t>-10</a:t>
+            </a:r>
+            <a:endParaRPr lang="ko-KR" altLang="en-US" dirty="0"/>
+          </a:p>
+        </p:txBody>
+      </p:sp>
+      <p:sp>
+        <p:nvSpPr>
+          <p:cNvPr id="24" name="화살표: 아래쪽 23">
+            <a:extLst>
+              <a:ext uri="{FF2B5EF4-FFF2-40B4-BE49-F238E27FC236}">
+                <a16:creationId xmlns:a16="http://schemas.microsoft.com/office/drawing/2014/main" id="{815B7B0B-C1AD-3C6D-8777-E74B58F0AF74}"/>
+              </a:ext>
+            </a:extLst>
+          </p:cNvPr>
+          <p:cNvSpPr/>
+          <p:nvPr/>
+        </p:nvSpPr>
+        <p:spPr>
+          <a:xfrm>
+            <a:off x="1859536" y="4963886"/>
+            <a:ext cx="245889" cy="276625"/>
+          </a:xfrm>
+          <a:prstGeom prst="downArrow">
+            <a:avLst/>
+          </a:prstGeom>
+        </p:spPr>
+        <p:style>
+          <a:lnRef idx="2">
+            <a:schemeClr val="accent1">
+              <a:shade val="15000"/>
+            </a:schemeClr>
+          </a:lnRef>
+          <a:fillRef idx="1">
+            <a:schemeClr val="accent1"/>
+          </a:fillRef>
+          <a:effectRef idx="0">
+            <a:schemeClr val="accent1"/>
+          </a:effectRef>
+          <a:fontRef idx="minor">
+            <a:schemeClr val="lt1"/>
+          </a:fontRef>
+        </p:style>
+        <p:txBody>
+          <a:bodyPr rtlCol="0" anchor="ctr"/>
+          <a:lstStyle/>
+          <a:p>
+            <a:pPr algn="ctr"/>
+            <a:endParaRPr lang="ko-KR" altLang="en-US"/>
+          </a:p>
+        </p:txBody>
+      </p:sp>
+      <p:sp>
+        <p:nvSpPr>
+          <p:cNvPr id="25" name="타원 24">
+            <a:extLst>
+              <a:ext uri="{FF2B5EF4-FFF2-40B4-BE49-F238E27FC236}">
+                <a16:creationId xmlns:a16="http://schemas.microsoft.com/office/drawing/2014/main" id="{320D8ACC-9312-835D-CCB4-9009D2266D41}"/>
+              </a:ext>
+            </a:extLst>
+          </p:cNvPr>
+          <p:cNvSpPr/>
+          <p:nvPr/>
+        </p:nvSpPr>
+        <p:spPr>
+          <a:xfrm>
+            <a:off x="6514422" y="5459257"/>
+            <a:ext cx="461042" cy="437990"/>
+          </a:xfrm>
+          <a:prstGeom prst="ellipse">
+            <a:avLst/>
+          </a:prstGeom>
+        </p:spPr>
+        <p:style>
+          <a:lnRef idx="2">
+            <a:schemeClr val="accent1">
+              <a:shade val="15000"/>
+            </a:schemeClr>
+          </a:lnRef>
+          <a:fillRef idx="1">
+            <a:schemeClr val="accent1"/>
+          </a:fillRef>
+          <a:effectRef idx="0">
+            <a:schemeClr val="accent1"/>
+          </a:effectRef>
+          <a:fontRef idx="minor">
+            <a:schemeClr val="lt1"/>
+          </a:fontRef>
+        </p:style>
+        <p:txBody>
+          <a:bodyPr rtlCol="0" anchor="ctr"/>
+          <a:lstStyle/>
+          <a:p>
+            <a:pPr algn="ctr"/>
+            <a:r>
+              <a:rPr lang="en-US" altLang="ko-KR" dirty="0"/>
+              <a:t>4</a:t>
+            </a:r>
+            <a:endParaRPr lang="ko-KR" altLang="en-US" dirty="0"/>
+          </a:p>
+        </p:txBody>
+      </p:sp>
+      <p:cxnSp>
+        <p:nvCxnSpPr>
+          <p:cNvPr id="26" name="직선 화살표 연결선 25">
+            <a:extLst>
+              <a:ext uri="{FF2B5EF4-FFF2-40B4-BE49-F238E27FC236}">
+                <a16:creationId xmlns:a16="http://schemas.microsoft.com/office/drawing/2014/main" id="{7977E038-3DBC-7EDD-EF38-D51FBB966403}"/>
+              </a:ext>
+            </a:extLst>
+          </p:cNvPr>
+          <p:cNvCxnSpPr>
+            <a:cxnSpLocks/>
+            <a:stCxn id="7" idx="6"/>
+            <a:endCxn id="25" idx="2"/>
+          </p:cNvCxnSpPr>
+          <p:nvPr/>
+        </p:nvCxnSpPr>
+        <p:spPr>
+          <a:xfrm>
+            <a:off x="5262282" y="5643923"/>
+            <a:ext cx="1252140" cy="34329"/>
+          </a:xfrm>
+          <a:prstGeom prst="straightConnector1">
+            <a:avLst/>
+          </a:prstGeom>
+          <a:ln>
+            <a:tailEnd type="triangle"/>
+          </a:ln>
+        </p:spPr>
+        <p:style>
+          <a:lnRef idx="1">
+            <a:schemeClr val="accent1"/>
+          </a:lnRef>
+          <a:fillRef idx="0">
+            <a:schemeClr val="accent1"/>
+          </a:fillRef>
+          <a:effectRef idx="0">
+            <a:schemeClr val="accent1"/>
+          </a:effectRef>
+          <a:fontRef idx="minor">
+            <a:schemeClr val="tx1"/>
+          </a:fontRef>
+        </p:style>
+      </p:cxnSp>
+      <p:sp>
+        <p:nvSpPr>
+          <p:cNvPr id="29" name="TextBox 28">
+            <a:extLst>
+              <a:ext uri="{FF2B5EF4-FFF2-40B4-BE49-F238E27FC236}">
+                <a16:creationId xmlns:a16="http://schemas.microsoft.com/office/drawing/2014/main" id="{0D44D1EE-09F6-5BE1-9D76-FB72D52ADA16}"/>
+              </a:ext>
+            </a:extLst>
+          </p:cNvPr>
+          <p:cNvSpPr txBox="1"/>
+          <p:nvPr/>
+        </p:nvSpPr>
+        <p:spPr>
+          <a:xfrm>
+            <a:off x="5677579" y="5233752"/>
+            <a:ext cx="311304" cy="369332"/>
+          </a:xfrm>
+          <a:prstGeom prst="rect">
+            <a:avLst/>
+          </a:prstGeom>
+          <a:noFill/>
+        </p:spPr>
+        <p:txBody>
+          <a:bodyPr wrap="none" rtlCol="0">
+            <a:spAutoFit/>
+          </a:bodyPr>
+          <a:lstStyle/>
+          <a:p>
+            <a:r>
+              <a:rPr lang="en-US" altLang="ko-KR" dirty="0"/>
+              <a:t>1</a:t>
+            </a:r>
+            <a:endParaRPr lang="ko-KR" altLang="en-US" dirty="0"/>
+          </a:p>
+        </p:txBody>
+      </p:sp>
     </p:spTree>
     <p:extLst>
       <p:ext uri="{BB962C8B-B14F-4D97-AF65-F5344CB8AC3E}">

--- a/Documents/8 그래프 II - 다익스트라.pptx
+++ b/Documents/8 그래프 II - 다익스트라.pptx
@@ -203,7 +203,7 @@
           <a:p>
             <a:fld id="{19079EEA-800C-4529-928A-535A0E676C6E}" type="datetimeFigureOut">
               <a:rPr lang="ko-KR" altLang="en-US" smtClean="0"/>
-              <a:t>2025-10-17</a:t>
+              <a:t>2025-10-16</a:t>
             </a:fld>
             <a:endParaRPr lang="ko-KR" altLang="en-US"/>
           </a:p>
@@ -701,7 +701,7 @@
           <a:p>
             <a:fld id="{65A9B928-B926-4726-B925-8AA4FF17755D}" type="datetimeFigureOut">
               <a:rPr lang="ko-KR" altLang="en-US" smtClean="0"/>
-              <a:t>2025-10-17</a:t>
+              <a:t>2025-10-16</a:t>
             </a:fld>
             <a:endParaRPr lang="ko-KR" altLang="en-US"/>
           </a:p>
@@ -899,7 +899,7 @@
           <a:p>
             <a:fld id="{65A9B928-B926-4726-B925-8AA4FF17755D}" type="datetimeFigureOut">
               <a:rPr lang="ko-KR" altLang="en-US" smtClean="0"/>
-              <a:t>2025-10-17</a:t>
+              <a:t>2025-10-16</a:t>
             </a:fld>
             <a:endParaRPr lang="ko-KR" altLang="en-US"/>
           </a:p>
@@ -1107,7 +1107,7 @@
           <a:p>
             <a:fld id="{65A9B928-B926-4726-B925-8AA4FF17755D}" type="datetimeFigureOut">
               <a:rPr lang="ko-KR" altLang="en-US" smtClean="0"/>
-              <a:t>2025-10-17</a:t>
+              <a:t>2025-10-16</a:t>
             </a:fld>
             <a:endParaRPr lang="ko-KR" altLang="en-US"/>
           </a:p>
@@ -1305,7 +1305,7 @@
           <a:p>
             <a:fld id="{65A9B928-B926-4726-B925-8AA4FF17755D}" type="datetimeFigureOut">
               <a:rPr lang="ko-KR" altLang="en-US" smtClean="0"/>
-              <a:t>2025-10-17</a:t>
+              <a:t>2025-10-16</a:t>
             </a:fld>
             <a:endParaRPr lang="ko-KR" altLang="en-US"/>
           </a:p>
@@ -1580,7 +1580,7 @@
           <a:p>
             <a:fld id="{65A9B928-B926-4726-B925-8AA4FF17755D}" type="datetimeFigureOut">
               <a:rPr lang="ko-KR" altLang="en-US" smtClean="0"/>
-              <a:t>2025-10-17</a:t>
+              <a:t>2025-10-16</a:t>
             </a:fld>
             <a:endParaRPr lang="ko-KR" altLang="en-US"/>
           </a:p>
@@ -1845,7 +1845,7 @@
           <a:p>
             <a:fld id="{65A9B928-B926-4726-B925-8AA4FF17755D}" type="datetimeFigureOut">
               <a:rPr lang="ko-KR" altLang="en-US" smtClean="0"/>
-              <a:t>2025-10-17</a:t>
+              <a:t>2025-10-16</a:t>
             </a:fld>
             <a:endParaRPr lang="ko-KR" altLang="en-US"/>
           </a:p>
@@ -2257,7 +2257,7 @@
           <a:p>
             <a:fld id="{65A9B928-B926-4726-B925-8AA4FF17755D}" type="datetimeFigureOut">
               <a:rPr lang="ko-KR" altLang="en-US" smtClean="0"/>
-              <a:t>2025-10-17</a:t>
+              <a:t>2025-10-16</a:t>
             </a:fld>
             <a:endParaRPr lang="ko-KR" altLang="en-US"/>
           </a:p>
@@ -2398,7 +2398,7 @@
           <a:p>
             <a:fld id="{65A9B928-B926-4726-B925-8AA4FF17755D}" type="datetimeFigureOut">
               <a:rPr lang="ko-KR" altLang="en-US" smtClean="0"/>
-              <a:t>2025-10-17</a:t>
+              <a:t>2025-10-16</a:t>
             </a:fld>
             <a:endParaRPr lang="ko-KR" altLang="en-US"/>
           </a:p>
@@ -2511,7 +2511,7 @@
           <a:p>
             <a:fld id="{65A9B928-B926-4726-B925-8AA4FF17755D}" type="datetimeFigureOut">
               <a:rPr lang="ko-KR" altLang="en-US" smtClean="0"/>
-              <a:t>2025-10-17</a:t>
+              <a:t>2025-10-16</a:t>
             </a:fld>
             <a:endParaRPr lang="ko-KR" altLang="en-US"/>
           </a:p>
@@ -2822,7 +2822,7 @@
           <a:p>
             <a:fld id="{65A9B928-B926-4726-B925-8AA4FF17755D}" type="datetimeFigureOut">
               <a:rPr lang="ko-KR" altLang="en-US" smtClean="0"/>
-              <a:t>2025-10-17</a:t>
+              <a:t>2025-10-16</a:t>
             </a:fld>
             <a:endParaRPr lang="ko-KR" altLang="en-US"/>
           </a:p>
@@ -3110,7 +3110,7 @@
           <a:p>
             <a:fld id="{65A9B928-B926-4726-B925-8AA4FF17755D}" type="datetimeFigureOut">
               <a:rPr lang="ko-KR" altLang="en-US" smtClean="0"/>
-              <a:t>2025-10-17</a:t>
+              <a:t>2025-10-16</a:t>
             </a:fld>
             <a:endParaRPr lang="ko-KR" altLang="en-US"/>
           </a:p>
@@ -3351,7 +3351,7 @@
           <a:p>
             <a:fld id="{65A9B928-B926-4726-B925-8AA4FF17755D}" type="datetimeFigureOut">
               <a:rPr lang="ko-KR" altLang="en-US" smtClean="0"/>
-              <a:t>2025-10-17</a:t>
+              <a:t>2025-10-16</a:t>
             </a:fld>
             <a:endParaRPr lang="ko-KR" altLang="en-US"/>
           </a:p>
@@ -9532,567 +9532,6 @@
           </a:p>
         </p:txBody>
       </p:sp>
-      <p:sp>
-        <p:nvSpPr>
-          <p:cNvPr id="5" name="타원 4">
-            <a:extLst>
-              <a:ext uri="{FF2B5EF4-FFF2-40B4-BE49-F238E27FC236}">
-                <a16:creationId xmlns:a16="http://schemas.microsoft.com/office/drawing/2014/main" id="{0E85B9AE-AEBB-C2D8-26A2-7F7C6C979F18}"/>
-              </a:ext>
-            </a:extLst>
-          </p:cNvPr>
-          <p:cNvSpPr/>
-          <p:nvPr/>
-        </p:nvSpPr>
-        <p:spPr>
-          <a:xfrm>
-            <a:off x="1751960" y="5424928"/>
-            <a:ext cx="461042" cy="437990"/>
-          </a:xfrm>
-          <a:prstGeom prst="ellipse">
-            <a:avLst/>
-          </a:prstGeom>
-        </p:spPr>
-        <p:style>
-          <a:lnRef idx="2">
-            <a:schemeClr val="accent1">
-              <a:shade val="15000"/>
-            </a:schemeClr>
-          </a:lnRef>
-          <a:fillRef idx="1">
-            <a:schemeClr val="accent1"/>
-          </a:fillRef>
-          <a:effectRef idx="0">
-            <a:schemeClr val="accent1"/>
-          </a:effectRef>
-          <a:fontRef idx="minor">
-            <a:schemeClr val="lt1"/>
-          </a:fontRef>
-        </p:style>
-        <p:txBody>
-          <a:bodyPr rtlCol="0" anchor="ctr"/>
-          <a:lstStyle/>
-          <a:p>
-            <a:pPr algn="ctr"/>
-            <a:r>
-              <a:rPr lang="en-US" altLang="ko-KR" dirty="0"/>
-              <a:t>1</a:t>
-            </a:r>
-            <a:endParaRPr lang="ko-KR" altLang="en-US" dirty="0"/>
-          </a:p>
-        </p:txBody>
-      </p:sp>
-      <p:sp>
-        <p:nvSpPr>
-          <p:cNvPr id="7" name="타원 6">
-            <a:extLst>
-              <a:ext uri="{FF2B5EF4-FFF2-40B4-BE49-F238E27FC236}">
-                <a16:creationId xmlns:a16="http://schemas.microsoft.com/office/drawing/2014/main" id="{BD01EBBC-D1C4-D9AA-3946-9F7A4F428494}"/>
-              </a:ext>
-            </a:extLst>
-          </p:cNvPr>
-          <p:cNvSpPr/>
-          <p:nvPr/>
-        </p:nvSpPr>
-        <p:spPr>
-          <a:xfrm>
-            <a:off x="4801240" y="5424928"/>
-            <a:ext cx="461042" cy="437990"/>
-          </a:xfrm>
-          <a:prstGeom prst="ellipse">
-            <a:avLst/>
-          </a:prstGeom>
-        </p:spPr>
-        <p:style>
-          <a:lnRef idx="2">
-            <a:schemeClr val="accent1">
-              <a:shade val="15000"/>
-            </a:schemeClr>
-          </a:lnRef>
-          <a:fillRef idx="1">
-            <a:schemeClr val="accent1"/>
-          </a:fillRef>
-          <a:effectRef idx="0">
-            <a:schemeClr val="accent1"/>
-          </a:effectRef>
-          <a:fontRef idx="minor">
-            <a:schemeClr val="lt1"/>
-          </a:fontRef>
-        </p:style>
-        <p:txBody>
-          <a:bodyPr rtlCol="0" anchor="ctr"/>
-          <a:lstStyle/>
-          <a:p>
-            <a:pPr algn="ctr"/>
-            <a:r>
-              <a:rPr lang="en-US" altLang="ko-KR" dirty="0"/>
-              <a:t>2</a:t>
-            </a:r>
-            <a:endParaRPr lang="ko-KR" altLang="en-US" dirty="0"/>
-          </a:p>
-        </p:txBody>
-      </p:sp>
-      <p:sp>
-        <p:nvSpPr>
-          <p:cNvPr id="8" name="타원 7">
-            <a:extLst>
-              <a:ext uri="{FF2B5EF4-FFF2-40B4-BE49-F238E27FC236}">
-                <a16:creationId xmlns:a16="http://schemas.microsoft.com/office/drawing/2014/main" id="{F98F6400-12E4-CC15-17B4-0F1E9854CF1C}"/>
-              </a:ext>
-            </a:extLst>
-          </p:cNvPr>
-          <p:cNvSpPr/>
-          <p:nvPr/>
-        </p:nvSpPr>
-        <p:spPr>
-          <a:xfrm>
-            <a:off x="3155576" y="6081913"/>
-            <a:ext cx="461042" cy="437990"/>
-          </a:xfrm>
-          <a:prstGeom prst="ellipse">
-            <a:avLst/>
-          </a:prstGeom>
-        </p:spPr>
-        <p:style>
-          <a:lnRef idx="2">
-            <a:schemeClr val="accent1">
-              <a:shade val="15000"/>
-            </a:schemeClr>
-          </a:lnRef>
-          <a:fillRef idx="1">
-            <a:schemeClr val="accent1"/>
-          </a:fillRef>
-          <a:effectRef idx="0">
-            <a:schemeClr val="accent1"/>
-          </a:effectRef>
-          <a:fontRef idx="minor">
-            <a:schemeClr val="lt1"/>
-          </a:fontRef>
-        </p:style>
-        <p:txBody>
-          <a:bodyPr rtlCol="0" anchor="ctr"/>
-          <a:lstStyle/>
-          <a:p>
-            <a:pPr algn="ctr"/>
-            <a:r>
-              <a:rPr lang="en-US" altLang="ko-KR" dirty="0"/>
-              <a:t>3</a:t>
-            </a:r>
-            <a:endParaRPr lang="ko-KR" altLang="en-US" dirty="0"/>
-          </a:p>
-        </p:txBody>
-      </p:sp>
-      <p:cxnSp>
-        <p:nvCxnSpPr>
-          <p:cNvPr id="10" name="직선 화살표 연결선 9">
-            <a:extLst>
-              <a:ext uri="{FF2B5EF4-FFF2-40B4-BE49-F238E27FC236}">
-                <a16:creationId xmlns:a16="http://schemas.microsoft.com/office/drawing/2014/main" id="{48288930-9336-EA6E-3BDA-9FD1EEE07EEE}"/>
-              </a:ext>
-            </a:extLst>
-          </p:cNvPr>
-          <p:cNvCxnSpPr>
-            <a:stCxn id="5" idx="6"/>
-            <a:endCxn id="7" idx="2"/>
-          </p:cNvCxnSpPr>
-          <p:nvPr/>
-        </p:nvCxnSpPr>
-        <p:spPr>
-          <a:xfrm>
-            <a:off x="2213002" y="5643923"/>
-            <a:ext cx="2588238" cy="0"/>
-          </a:xfrm>
-          <a:prstGeom prst="straightConnector1">
-            <a:avLst/>
-          </a:prstGeom>
-          <a:ln>
-            <a:tailEnd type="triangle"/>
-          </a:ln>
-        </p:spPr>
-        <p:style>
-          <a:lnRef idx="1">
-            <a:schemeClr val="accent1"/>
-          </a:lnRef>
-          <a:fillRef idx="0">
-            <a:schemeClr val="accent1"/>
-          </a:fillRef>
-          <a:effectRef idx="0">
-            <a:schemeClr val="accent1"/>
-          </a:effectRef>
-          <a:fontRef idx="minor">
-            <a:schemeClr val="tx1"/>
-          </a:fontRef>
-        </p:style>
-      </p:cxnSp>
-      <p:cxnSp>
-        <p:nvCxnSpPr>
-          <p:cNvPr id="11" name="직선 화살표 연결선 10">
-            <a:extLst>
-              <a:ext uri="{FF2B5EF4-FFF2-40B4-BE49-F238E27FC236}">
-                <a16:creationId xmlns:a16="http://schemas.microsoft.com/office/drawing/2014/main" id="{6C9E8968-7631-54FD-9200-026EA77DA884}"/>
-              </a:ext>
-            </a:extLst>
-          </p:cNvPr>
-          <p:cNvCxnSpPr>
-            <a:cxnSpLocks/>
-            <a:stCxn id="5" idx="5"/>
-            <a:endCxn id="8" idx="2"/>
-          </p:cNvCxnSpPr>
-          <p:nvPr/>
-        </p:nvCxnSpPr>
-        <p:spPr>
-          <a:xfrm>
-            <a:off x="2145484" y="5798776"/>
-            <a:ext cx="1010092" cy="502132"/>
-          </a:xfrm>
-          <a:prstGeom prst="straightConnector1">
-            <a:avLst/>
-          </a:prstGeom>
-          <a:ln>
-            <a:tailEnd type="triangle"/>
-          </a:ln>
-        </p:spPr>
-        <p:style>
-          <a:lnRef idx="1">
-            <a:schemeClr val="accent1"/>
-          </a:lnRef>
-          <a:fillRef idx="0">
-            <a:schemeClr val="accent1"/>
-          </a:fillRef>
-          <a:effectRef idx="0">
-            <a:schemeClr val="accent1"/>
-          </a:effectRef>
-          <a:fontRef idx="minor">
-            <a:schemeClr val="tx1"/>
-          </a:fontRef>
-        </p:style>
-      </p:cxnSp>
-      <p:cxnSp>
-        <p:nvCxnSpPr>
-          <p:cNvPr id="14" name="직선 화살표 연결선 13">
-            <a:extLst>
-              <a:ext uri="{FF2B5EF4-FFF2-40B4-BE49-F238E27FC236}">
-                <a16:creationId xmlns:a16="http://schemas.microsoft.com/office/drawing/2014/main" id="{253B5DBE-4F9A-0122-0AA8-EC3B257362FB}"/>
-              </a:ext>
-            </a:extLst>
-          </p:cNvPr>
-          <p:cNvCxnSpPr>
-            <a:cxnSpLocks/>
-            <a:stCxn id="8" idx="6"/>
-            <a:endCxn id="7" idx="3"/>
-          </p:cNvCxnSpPr>
-          <p:nvPr/>
-        </p:nvCxnSpPr>
-        <p:spPr>
-          <a:xfrm flipV="1">
-            <a:off x="3616618" y="5798776"/>
-            <a:ext cx="1252140" cy="502132"/>
-          </a:xfrm>
-          <a:prstGeom prst="straightConnector1">
-            <a:avLst/>
-          </a:prstGeom>
-          <a:ln>
-            <a:tailEnd type="triangle"/>
-          </a:ln>
-        </p:spPr>
-        <p:style>
-          <a:lnRef idx="1">
-            <a:schemeClr val="accent1"/>
-          </a:lnRef>
-          <a:fillRef idx="0">
-            <a:schemeClr val="accent1"/>
-          </a:fillRef>
-          <a:effectRef idx="0">
-            <a:schemeClr val="accent1"/>
-          </a:effectRef>
-          <a:fontRef idx="minor">
-            <a:schemeClr val="tx1"/>
-          </a:fontRef>
-        </p:style>
-      </p:cxnSp>
-      <p:sp>
-        <p:nvSpPr>
-          <p:cNvPr id="21" name="TextBox 20">
-            <a:extLst>
-              <a:ext uri="{FF2B5EF4-FFF2-40B4-BE49-F238E27FC236}">
-                <a16:creationId xmlns:a16="http://schemas.microsoft.com/office/drawing/2014/main" id="{2C5AD18A-F8D3-976E-88C5-B6322BD7ACEC}"/>
-              </a:ext>
-            </a:extLst>
-          </p:cNvPr>
-          <p:cNvSpPr txBox="1"/>
-          <p:nvPr/>
-        </p:nvSpPr>
-        <p:spPr>
-          <a:xfrm>
-            <a:off x="3351469" y="5274591"/>
-            <a:ext cx="311304" cy="369332"/>
-          </a:xfrm>
-          <a:prstGeom prst="rect">
-            <a:avLst/>
-          </a:prstGeom>
-          <a:noFill/>
-        </p:spPr>
-        <p:txBody>
-          <a:bodyPr wrap="none" rtlCol="0">
-            <a:spAutoFit/>
-          </a:bodyPr>
-          <a:lstStyle/>
-          <a:p>
-            <a:r>
-              <a:rPr lang="en-US" altLang="ko-KR" dirty="0"/>
-              <a:t>5</a:t>
-            </a:r>
-            <a:endParaRPr lang="ko-KR" altLang="en-US" dirty="0"/>
-          </a:p>
-        </p:txBody>
-      </p:sp>
-      <p:sp>
-        <p:nvSpPr>
-          <p:cNvPr id="22" name="TextBox 21">
-            <a:extLst>
-              <a:ext uri="{FF2B5EF4-FFF2-40B4-BE49-F238E27FC236}">
-                <a16:creationId xmlns:a16="http://schemas.microsoft.com/office/drawing/2014/main" id="{4D88A2AC-AECA-C496-24B9-6E851F1400F7}"/>
-              </a:ext>
-            </a:extLst>
-          </p:cNvPr>
-          <p:cNvSpPr txBox="1"/>
-          <p:nvPr/>
-        </p:nvSpPr>
-        <p:spPr>
-          <a:xfrm>
-            <a:off x="2339226" y="6081913"/>
-            <a:ext cx="311304" cy="369332"/>
-          </a:xfrm>
-          <a:prstGeom prst="rect">
-            <a:avLst/>
-          </a:prstGeom>
-          <a:noFill/>
-        </p:spPr>
-        <p:txBody>
-          <a:bodyPr wrap="none" rtlCol="0">
-            <a:spAutoFit/>
-          </a:bodyPr>
-          <a:lstStyle/>
-          <a:p>
-            <a:r>
-              <a:rPr lang="en-US" altLang="ko-KR" dirty="0"/>
-              <a:t>7</a:t>
-            </a:r>
-            <a:endParaRPr lang="ko-KR" altLang="en-US" dirty="0"/>
-          </a:p>
-        </p:txBody>
-      </p:sp>
-      <p:sp>
-        <p:nvSpPr>
-          <p:cNvPr id="23" name="TextBox 22">
-            <a:extLst>
-              <a:ext uri="{FF2B5EF4-FFF2-40B4-BE49-F238E27FC236}">
-                <a16:creationId xmlns:a16="http://schemas.microsoft.com/office/drawing/2014/main" id="{3CA076F2-5C9C-351B-AEDC-308CF4C57E56}"/>
-              </a:ext>
-            </a:extLst>
-          </p:cNvPr>
-          <p:cNvSpPr txBox="1"/>
-          <p:nvPr/>
-        </p:nvSpPr>
-        <p:spPr>
-          <a:xfrm>
-            <a:off x="4242688" y="6081913"/>
-            <a:ext cx="532518" cy="369332"/>
-          </a:xfrm>
-          <a:prstGeom prst="rect">
-            <a:avLst/>
-          </a:prstGeom>
-          <a:noFill/>
-        </p:spPr>
-        <p:txBody>
-          <a:bodyPr wrap="none" rtlCol="0">
-            <a:spAutoFit/>
-          </a:bodyPr>
-          <a:lstStyle/>
-          <a:p>
-            <a:r>
-              <a:rPr lang="en-US" altLang="ko-KR" dirty="0"/>
-              <a:t>-10</a:t>
-            </a:r>
-            <a:endParaRPr lang="ko-KR" altLang="en-US" dirty="0"/>
-          </a:p>
-        </p:txBody>
-      </p:sp>
-      <p:sp>
-        <p:nvSpPr>
-          <p:cNvPr id="24" name="화살표: 아래쪽 23">
-            <a:extLst>
-              <a:ext uri="{FF2B5EF4-FFF2-40B4-BE49-F238E27FC236}">
-                <a16:creationId xmlns:a16="http://schemas.microsoft.com/office/drawing/2014/main" id="{815B7B0B-C1AD-3C6D-8777-E74B58F0AF74}"/>
-              </a:ext>
-            </a:extLst>
-          </p:cNvPr>
-          <p:cNvSpPr/>
-          <p:nvPr/>
-        </p:nvSpPr>
-        <p:spPr>
-          <a:xfrm>
-            <a:off x="1859536" y="4963886"/>
-            <a:ext cx="245889" cy="276625"/>
-          </a:xfrm>
-          <a:prstGeom prst="downArrow">
-            <a:avLst/>
-          </a:prstGeom>
-        </p:spPr>
-        <p:style>
-          <a:lnRef idx="2">
-            <a:schemeClr val="accent1">
-              <a:shade val="15000"/>
-            </a:schemeClr>
-          </a:lnRef>
-          <a:fillRef idx="1">
-            <a:schemeClr val="accent1"/>
-          </a:fillRef>
-          <a:effectRef idx="0">
-            <a:schemeClr val="accent1"/>
-          </a:effectRef>
-          <a:fontRef idx="minor">
-            <a:schemeClr val="lt1"/>
-          </a:fontRef>
-        </p:style>
-        <p:txBody>
-          <a:bodyPr rtlCol="0" anchor="ctr"/>
-          <a:lstStyle/>
-          <a:p>
-            <a:pPr algn="ctr"/>
-            <a:endParaRPr lang="ko-KR" altLang="en-US"/>
-          </a:p>
-        </p:txBody>
-      </p:sp>
-      <p:sp>
-        <p:nvSpPr>
-          <p:cNvPr id="25" name="타원 24">
-            <a:extLst>
-              <a:ext uri="{FF2B5EF4-FFF2-40B4-BE49-F238E27FC236}">
-                <a16:creationId xmlns:a16="http://schemas.microsoft.com/office/drawing/2014/main" id="{320D8ACC-9312-835D-CCB4-9009D2266D41}"/>
-              </a:ext>
-            </a:extLst>
-          </p:cNvPr>
-          <p:cNvSpPr/>
-          <p:nvPr/>
-        </p:nvSpPr>
-        <p:spPr>
-          <a:xfrm>
-            <a:off x="6514422" y="5459257"/>
-            <a:ext cx="461042" cy="437990"/>
-          </a:xfrm>
-          <a:prstGeom prst="ellipse">
-            <a:avLst/>
-          </a:prstGeom>
-        </p:spPr>
-        <p:style>
-          <a:lnRef idx="2">
-            <a:schemeClr val="accent1">
-              <a:shade val="15000"/>
-            </a:schemeClr>
-          </a:lnRef>
-          <a:fillRef idx="1">
-            <a:schemeClr val="accent1"/>
-          </a:fillRef>
-          <a:effectRef idx="0">
-            <a:schemeClr val="accent1"/>
-          </a:effectRef>
-          <a:fontRef idx="minor">
-            <a:schemeClr val="lt1"/>
-          </a:fontRef>
-        </p:style>
-        <p:txBody>
-          <a:bodyPr rtlCol="0" anchor="ctr"/>
-          <a:lstStyle/>
-          <a:p>
-            <a:pPr algn="ctr"/>
-            <a:r>
-              <a:rPr lang="en-US" altLang="ko-KR" dirty="0"/>
-              <a:t>4</a:t>
-            </a:r>
-            <a:endParaRPr lang="ko-KR" altLang="en-US" dirty="0"/>
-          </a:p>
-        </p:txBody>
-      </p:sp>
-      <p:cxnSp>
-        <p:nvCxnSpPr>
-          <p:cNvPr id="26" name="직선 화살표 연결선 25">
-            <a:extLst>
-              <a:ext uri="{FF2B5EF4-FFF2-40B4-BE49-F238E27FC236}">
-                <a16:creationId xmlns:a16="http://schemas.microsoft.com/office/drawing/2014/main" id="{7977E038-3DBC-7EDD-EF38-D51FBB966403}"/>
-              </a:ext>
-            </a:extLst>
-          </p:cNvPr>
-          <p:cNvCxnSpPr>
-            <a:cxnSpLocks/>
-            <a:stCxn id="7" idx="6"/>
-            <a:endCxn id="25" idx="2"/>
-          </p:cNvCxnSpPr>
-          <p:nvPr/>
-        </p:nvCxnSpPr>
-        <p:spPr>
-          <a:xfrm>
-            <a:off x="5262282" y="5643923"/>
-            <a:ext cx="1252140" cy="34329"/>
-          </a:xfrm>
-          <a:prstGeom prst="straightConnector1">
-            <a:avLst/>
-          </a:prstGeom>
-          <a:ln>
-            <a:tailEnd type="triangle"/>
-          </a:ln>
-        </p:spPr>
-        <p:style>
-          <a:lnRef idx="1">
-            <a:schemeClr val="accent1"/>
-          </a:lnRef>
-          <a:fillRef idx="0">
-            <a:schemeClr val="accent1"/>
-          </a:fillRef>
-          <a:effectRef idx="0">
-            <a:schemeClr val="accent1"/>
-          </a:effectRef>
-          <a:fontRef idx="minor">
-            <a:schemeClr val="tx1"/>
-          </a:fontRef>
-        </p:style>
-      </p:cxnSp>
-      <p:sp>
-        <p:nvSpPr>
-          <p:cNvPr id="29" name="TextBox 28">
-            <a:extLst>
-              <a:ext uri="{FF2B5EF4-FFF2-40B4-BE49-F238E27FC236}">
-                <a16:creationId xmlns:a16="http://schemas.microsoft.com/office/drawing/2014/main" id="{0D44D1EE-09F6-5BE1-9D76-FB72D52ADA16}"/>
-              </a:ext>
-            </a:extLst>
-          </p:cNvPr>
-          <p:cNvSpPr txBox="1"/>
-          <p:nvPr/>
-        </p:nvSpPr>
-        <p:spPr>
-          <a:xfrm>
-            <a:off x="5677579" y="5233752"/>
-            <a:ext cx="311304" cy="369332"/>
-          </a:xfrm>
-          <a:prstGeom prst="rect">
-            <a:avLst/>
-          </a:prstGeom>
-          <a:noFill/>
-        </p:spPr>
-        <p:txBody>
-          <a:bodyPr wrap="none" rtlCol="0">
-            <a:spAutoFit/>
-          </a:bodyPr>
-          <a:lstStyle/>
-          <a:p>
-            <a:r>
-              <a:rPr lang="en-US" altLang="ko-KR" dirty="0"/>
-              <a:t>1</a:t>
-            </a:r>
-            <a:endParaRPr lang="ko-KR" altLang="en-US" dirty="0"/>
-          </a:p>
-        </p:txBody>
-      </p:sp>
     </p:spTree>
     <p:extLst>
       <p:ext uri="{BB962C8B-B14F-4D97-AF65-F5344CB8AC3E}">
